--- a/03-prednaska/03.01-functions.pptx
+++ b/03-prednaska/03.01-functions.pptx
@@ -310,7 +310,7 @@
           <a:p>
             <a:fld id="{68E7D346-505E-1545-B2C8-A636C94DDF7E}" type="datetimeFigureOut">
               <a:rPr lang="sk-SK" smtClean="0"/>
-              <a:t>7.10.2019</a:t>
+              <a:t>07.10.2019</a:t>
             </a:fld>
             <a:endParaRPr lang="sk-SK"/>
           </a:p>
@@ -765,7 +765,7 @@
       </p:grpSpPr>
       <p:sp>
         <p:nvSpPr>
-          <p:cNvPr id="2" name="Slide Image Placeholder 1"/>
+          <p:cNvPr id="2" name="Zástupný objekt pre obrázok snímky 1"/>
           <p:cNvSpPr>
             <a:spLocks noGrp="1" noRot="1" noChangeAspect="1"/>
           </p:cNvSpPr>
@@ -777,7 +777,7 @@
       </p:sp>
       <p:sp>
         <p:nvSpPr>
-          <p:cNvPr id="3" name="Notes Placeholder 2"/>
+          <p:cNvPr id="3" name="Zástupný objekt pre poznámky 2"/>
           <p:cNvSpPr>
             <a:spLocks noGrp="1"/>
           </p:cNvSpPr>
@@ -790,18 +790,37 @@
           <a:bodyPr/>
           <a:lstStyle/>
           <a:p>
-            <a:endParaRPr lang="sk-SK" dirty="0"/>
+            <a:r>
+              <a:rPr lang="sk-SK" dirty="0"/>
+              <a:t>Funkcia v čase </a:t>
+            </a:r>
+            <a:r>
+              <a:rPr lang="sk-SK" dirty="0" err="1"/>
+              <a:t>ked</a:t>
+            </a:r>
+            <a:r>
+              <a:rPr lang="sk-SK" dirty="0"/>
+              <a:t> je deklarovaná, tak pozbiera všetky premenne na ktoré vidí a tie si zapamätá.  To je </a:t>
+            </a:r>
+            <a:r>
+              <a:rPr lang="sk-SK" dirty="0" err="1"/>
+              <a:t>closure</a:t>
+            </a:r>
+            <a:r>
+              <a:rPr lang="sk-SK" dirty="0"/>
+              <a:t>.</a:t>
+            </a:r>
           </a:p>
         </p:txBody>
       </p:sp>
       <p:sp>
         <p:nvSpPr>
-          <p:cNvPr id="4" name="Slide Number Placeholder 3"/>
+          <p:cNvPr id="4" name="Zástupný objekt pre číslo snímky 3"/>
           <p:cNvSpPr>
             <a:spLocks noGrp="1"/>
           </p:cNvSpPr>
           <p:nvPr>
-            <p:ph type="sldNum" sz="quarter" idx="10"/>
+            <p:ph type="sldNum" sz="quarter" idx="5"/>
           </p:nvPr>
         </p:nvSpPr>
         <p:spPr/>
@@ -811,7 +830,7 @@
           <a:p>
             <a:fld id="{42260EF5-E70B-D041-80F8-14D405769F1B}" type="slidenum">
               <a:rPr lang="sk-SK" smtClean="0"/>
-              <a:t>30</a:t>
+              <a:t>27</a:t>
             </a:fld>
             <a:endParaRPr lang="sk-SK"/>
           </a:p>
@@ -820,7 +839,7 @@
     </p:spTree>
     <p:extLst>
       <p:ext uri="{BB962C8B-B14F-4D97-AF65-F5344CB8AC3E}">
-        <p14:creationId xmlns:p14="http://schemas.microsoft.com/office/powerpoint/2010/main" val="588711609"/>
+        <p14:creationId xmlns:p14="http://schemas.microsoft.com/office/powerpoint/2010/main" val="373364671"/>
       </p:ext>
     </p:extLst>
   </p:cSld>
@@ -885,7 +904,7 @@
             <a:spLocks noGrp="1"/>
           </p:cNvSpPr>
           <p:nvPr>
-            <p:ph type="sldNum" sz="quarter" idx="5"/>
+            <p:ph type="sldNum" sz="quarter" idx="10"/>
           </p:nvPr>
         </p:nvSpPr>
         <p:spPr/>
@@ -895,7 +914,7 @@
           <a:p>
             <a:fld id="{42260EF5-E70B-D041-80F8-14D405769F1B}" type="slidenum">
               <a:rPr lang="sk-SK" smtClean="0"/>
-              <a:t>31</a:t>
+              <a:t>30</a:t>
             </a:fld>
             <a:endParaRPr lang="sk-SK"/>
           </a:p>
@@ -904,7 +923,7 @@
     </p:spTree>
     <p:extLst>
       <p:ext uri="{BB962C8B-B14F-4D97-AF65-F5344CB8AC3E}">
-        <p14:creationId xmlns:p14="http://schemas.microsoft.com/office/powerpoint/2010/main" val="915869060"/>
+        <p14:creationId xmlns:p14="http://schemas.microsoft.com/office/powerpoint/2010/main" val="588711609"/>
       </p:ext>
     </p:extLst>
   </p:cSld>
@@ -969,6 +988,90 @@
             <a:spLocks noGrp="1"/>
           </p:cNvSpPr>
           <p:nvPr>
+            <p:ph type="sldNum" sz="quarter" idx="5"/>
+          </p:nvPr>
+        </p:nvSpPr>
+        <p:spPr/>
+        <p:txBody>
+          <a:bodyPr/>
+          <a:lstStyle/>
+          <a:p>
+            <a:fld id="{42260EF5-E70B-D041-80F8-14D405769F1B}" type="slidenum">
+              <a:rPr lang="sk-SK" smtClean="0"/>
+              <a:t>31</a:t>
+            </a:fld>
+            <a:endParaRPr lang="sk-SK"/>
+          </a:p>
+        </p:txBody>
+      </p:sp>
+    </p:spTree>
+    <p:extLst>
+      <p:ext uri="{BB962C8B-B14F-4D97-AF65-F5344CB8AC3E}">
+        <p14:creationId xmlns:p14="http://schemas.microsoft.com/office/powerpoint/2010/main" val="915869060"/>
+      </p:ext>
+    </p:extLst>
+  </p:cSld>
+  <p:clrMapOvr>
+    <a:masterClrMapping/>
+  </p:clrMapOvr>
+</p:notes>
+</file>
+
+<file path=ppt/notesSlides/notesSlide6.xml><?xml version="1.0" encoding="utf-8"?>
+<p:notes xmlns:a="http://schemas.openxmlformats.org/drawingml/2006/main" xmlns:r="http://schemas.openxmlformats.org/officeDocument/2006/relationships" xmlns:p="http://schemas.openxmlformats.org/presentationml/2006/main">
+  <p:cSld>
+    <p:spTree>
+      <p:nvGrpSpPr>
+        <p:cNvPr id="1" name=""/>
+        <p:cNvGrpSpPr/>
+        <p:nvPr/>
+      </p:nvGrpSpPr>
+      <p:grpSpPr>
+        <a:xfrm>
+          <a:off x="0" y="0"/>
+          <a:ext cx="0" cy="0"/>
+          <a:chOff x="0" y="0"/>
+          <a:chExt cx="0" cy="0"/>
+        </a:xfrm>
+      </p:grpSpPr>
+      <p:sp>
+        <p:nvSpPr>
+          <p:cNvPr id="2" name="Slide Image Placeholder 1"/>
+          <p:cNvSpPr>
+            <a:spLocks noGrp="1" noRot="1" noChangeAspect="1"/>
+          </p:cNvSpPr>
+          <p:nvPr>
+            <p:ph type="sldImg"/>
+          </p:nvPr>
+        </p:nvSpPr>
+        <p:spPr/>
+      </p:sp>
+      <p:sp>
+        <p:nvSpPr>
+          <p:cNvPr id="3" name="Notes Placeholder 2"/>
+          <p:cNvSpPr>
+            <a:spLocks noGrp="1"/>
+          </p:cNvSpPr>
+          <p:nvPr>
+            <p:ph type="body" idx="1"/>
+          </p:nvPr>
+        </p:nvSpPr>
+        <p:spPr/>
+        <p:txBody>
+          <a:bodyPr/>
+          <a:lstStyle/>
+          <a:p>
+            <a:endParaRPr lang="sk-SK" dirty="0"/>
+          </a:p>
+        </p:txBody>
+      </p:sp>
+      <p:sp>
+        <p:nvSpPr>
+          <p:cNvPr id="4" name="Slide Number Placeholder 3"/>
+          <p:cNvSpPr>
+            <a:spLocks noGrp="1"/>
+          </p:cNvSpPr>
+          <p:nvPr>
             <p:ph type="sldNum" sz="quarter" idx="10"/>
           </p:nvPr>
         </p:nvSpPr>
@@ -1020,7 +1123,7 @@
           <p:cNvPr id="2" name="Title 1">
             <a:extLst>
               <a:ext uri="{FF2B5EF4-FFF2-40B4-BE49-F238E27FC236}">
-                <a16:creationId xmlns="" xmlns:a16="http://schemas.microsoft.com/office/drawing/2014/main" id="{95D6C4E0-605E-AE40-8897-5B32117D9971}"/>
+                <a16:creationId xmlns:a16="http://schemas.microsoft.com/office/drawing/2014/main" id="{95D6C4E0-605E-AE40-8897-5B32117D9971}"/>
               </a:ext>
             </a:extLst>
           </p:cNvPr>
@@ -1058,7 +1161,7 @@
           <p:cNvPr id="3" name="Subtitle 2">
             <a:extLst>
               <a:ext uri="{FF2B5EF4-FFF2-40B4-BE49-F238E27FC236}">
-                <a16:creationId xmlns="" xmlns:a16="http://schemas.microsoft.com/office/drawing/2014/main" id="{15F78C63-98A5-7D4E-B348-D78969BE8631}"/>
+                <a16:creationId xmlns:a16="http://schemas.microsoft.com/office/drawing/2014/main" id="{15F78C63-98A5-7D4E-B348-D78969BE8631}"/>
               </a:ext>
             </a:extLst>
           </p:cNvPr>
@@ -1129,7 +1232,7 @@
           <p:cNvPr id="4" name="Date Placeholder 3">
             <a:extLst>
               <a:ext uri="{FF2B5EF4-FFF2-40B4-BE49-F238E27FC236}">
-                <a16:creationId xmlns="" xmlns:a16="http://schemas.microsoft.com/office/drawing/2014/main" id="{66396556-11A6-C941-9416-6C783D4C7262}"/>
+                <a16:creationId xmlns:a16="http://schemas.microsoft.com/office/drawing/2014/main" id="{66396556-11A6-C941-9416-6C783D4C7262}"/>
               </a:ext>
             </a:extLst>
           </p:cNvPr>
@@ -1147,7 +1250,7 @@
           <a:p>
             <a:fld id="{4C3459EE-6FEA-064C-A3A4-214589389D3F}" type="datetimeFigureOut">
               <a:rPr lang="sk-SK" smtClean="0"/>
-              <a:t>7.10.2019</a:t>
+              <a:t>07.10.2019</a:t>
             </a:fld>
             <a:endParaRPr lang="sk-SK"/>
           </a:p>
@@ -1158,7 +1261,7 @@
           <p:cNvPr id="5" name="Footer Placeholder 4">
             <a:extLst>
               <a:ext uri="{FF2B5EF4-FFF2-40B4-BE49-F238E27FC236}">
-                <a16:creationId xmlns="" xmlns:a16="http://schemas.microsoft.com/office/drawing/2014/main" id="{F222E419-C334-8748-91A4-587BEC41DBE6}"/>
+                <a16:creationId xmlns:a16="http://schemas.microsoft.com/office/drawing/2014/main" id="{F222E419-C334-8748-91A4-587BEC41DBE6}"/>
               </a:ext>
             </a:extLst>
           </p:cNvPr>
@@ -1183,7 +1286,7 @@
           <p:cNvPr id="6" name="Slide Number Placeholder 5">
             <a:extLst>
               <a:ext uri="{FF2B5EF4-FFF2-40B4-BE49-F238E27FC236}">
-                <a16:creationId xmlns="" xmlns:a16="http://schemas.microsoft.com/office/drawing/2014/main" id="{D6280C92-B7B9-DE46-8CD6-FCAEBA8C79E5}"/>
+                <a16:creationId xmlns:a16="http://schemas.microsoft.com/office/drawing/2014/main" id="{D6280C92-B7B9-DE46-8CD6-FCAEBA8C79E5}"/>
               </a:ext>
             </a:extLst>
           </p:cNvPr>
@@ -1242,7 +1345,7 @@
           <p:cNvPr id="2" name="Title 1">
             <a:extLst>
               <a:ext uri="{FF2B5EF4-FFF2-40B4-BE49-F238E27FC236}">
-                <a16:creationId xmlns="" xmlns:a16="http://schemas.microsoft.com/office/drawing/2014/main" id="{8FC18A90-880A-554C-93DC-BB12C45F9453}"/>
+                <a16:creationId xmlns:a16="http://schemas.microsoft.com/office/drawing/2014/main" id="{8FC18A90-880A-554C-93DC-BB12C45F9453}"/>
               </a:ext>
             </a:extLst>
           </p:cNvPr>
@@ -1271,7 +1374,7 @@
           <p:cNvPr id="3" name="Vertical Text Placeholder 2">
             <a:extLst>
               <a:ext uri="{FF2B5EF4-FFF2-40B4-BE49-F238E27FC236}">
-                <a16:creationId xmlns="" xmlns:a16="http://schemas.microsoft.com/office/drawing/2014/main" id="{94B5FE0E-9DEB-A047-9D76-674F33605293}"/>
+                <a16:creationId xmlns:a16="http://schemas.microsoft.com/office/drawing/2014/main" id="{94B5FE0E-9DEB-A047-9D76-674F33605293}"/>
               </a:ext>
             </a:extLst>
           </p:cNvPr>
@@ -1329,7 +1432,7 @@
           <p:cNvPr id="4" name="Date Placeholder 3">
             <a:extLst>
               <a:ext uri="{FF2B5EF4-FFF2-40B4-BE49-F238E27FC236}">
-                <a16:creationId xmlns="" xmlns:a16="http://schemas.microsoft.com/office/drawing/2014/main" id="{BB13315C-1F2C-E84F-8B41-A0057AA9BEB0}"/>
+                <a16:creationId xmlns:a16="http://schemas.microsoft.com/office/drawing/2014/main" id="{BB13315C-1F2C-E84F-8B41-A0057AA9BEB0}"/>
               </a:ext>
             </a:extLst>
           </p:cNvPr>
@@ -1347,7 +1450,7 @@
           <a:p>
             <a:fld id="{4C3459EE-6FEA-064C-A3A4-214589389D3F}" type="datetimeFigureOut">
               <a:rPr lang="sk-SK" smtClean="0"/>
-              <a:t>7.10.2019</a:t>
+              <a:t>07.10.2019</a:t>
             </a:fld>
             <a:endParaRPr lang="sk-SK"/>
           </a:p>
@@ -1358,7 +1461,7 @@
           <p:cNvPr id="5" name="Footer Placeholder 4">
             <a:extLst>
               <a:ext uri="{FF2B5EF4-FFF2-40B4-BE49-F238E27FC236}">
-                <a16:creationId xmlns="" xmlns:a16="http://schemas.microsoft.com/office/drawing/2014/main" id="{E52A50C7-EF0C-494D-BF6B-8813BF5A6333}"/>
+                <a16:creationId xmlns:a16="http://schemas.microsoft.com/office/drawing/2014/main" id="{E52A50C7-EF0C-494D-BF6B-8813BF5A6333}"/>
               </a:ext>
             </a:extLst>
           </p:cNvPr>
@@ -1383,7 +1486,7 @@
           <p:cNvPr id="6" name="Slide Number Placeholder 5">
             <a:extLst>
               <a:ext uri="{FF2B5EF4-FFF2-40B4-BE49-F238E27FC236}">
-                <a16:creationId xmlns="" xmlns:a16="http://schemas.microsoft.com/office/drawing/2014/main" id="{B1DA0377-5661-D14D-9BDD-AA166C95F89F}"/>
+                <a16:creationId xmlns:a16="http://schemas.microsoft.com/office/drawing/2014/main" id="{B1DA0377-5661-D14D-9BDD-AA166C95F89F}"/>
               </a:ext>
             </a:extLst>
           </p:cNvPr>
@@ -1442,7 +1545,7 @@
           <p:cNvPr id="2" name="Vertical Title 1">
             <a:extLst>
               <a:ext uri="{FF2B5EF4-FFF2-40B4-BE49-F238E27FC236}">
-                <a16:creationId xmlns="" xmlns:a16="http://schemas.microsoft.com/office/drawing/2014/main" id="{114D9502-D448-7E4A-9CCE-37EF95D552D9}"/>
+                <a16:creationId xmlns:a16="http://schemas.microsoft.com/office/drawing/2014/main" id="{114D9502-D448-7E4A-9CCE-37EF95D552D9}"/>
               </a:ext>
             </a:extLst>
           </p:cNvPr>
@@ -1476,7 +1579,7 @@
           <p:cNvPr id="3" name="Vertical Text Placeholder 2">
             <a:extLst>
               <a:ext uri="{FF2B5EF4-FFF2-40B4-BE49-F238E27FC236}">
-                <a16:creationId xmlns="" xmlns:a16="http://schemas.microsoft.com/office/drawing/2014/main" id="{D15E9CEA-F9F7-7E41-86E9-012C32E208DF}"/>
+                <a16:creationId xmlns:a16="http://schemas.microsoft.com/office/drawing/2014/main" id="{D15E9CEA-F9F7-7E41-86E9-012C32E208DF}"/>
               </a:ext>
             </a:extLst>
           </p:cNvPr>
@@ -1539,7 +1642,7 @@
           <p:cNvPr id="4" name="Date Placeholder 3">
             <a:extLst>
               <a:ext uri="{FF2B5EF4-FFF2-40B4-BE49-F238E27FC236}">
-                <a16:creationId xmlns="" xmlns:a16="http://schemas.microsoft.com/office/drawing/2014/main" id="{92569368-AEC9-7A42-953C-DEF40EF0579F}"/>
+                <a16:creationId xmlns:a16="http://schemas.microsoft.com/office/drawing/2014/main" id="{92569368-AEC9-7A42-953C-DEF40EF0579F}"/>
               </a:ext>
             </a:extLst>
           </p:cNvPr>
@@ -1557,7 +1660,7 @@
           <a:p>
             <a:fld id="{4C3459EE-6FEA-064C-A3A4-214589389D3F}" type="datetimeFigureOut">
               <a:rPr lang="sk-SK" smtClean="0"/>
-              <a:t>7.10.2019</a:t>
+              <a:t>07.10.2019</a:t>
             </a:fld>
             <a:endParaRPr lang="sk-SK"/>
           </a:p>
@@ -1568,7 +1671,7 @@
           <p:cNvPr id="5" name="Footer Placeholder 4">
             <a:extLst>
               <a:ext uri="{FF2B5EF4-FFF2-40B4-BE49-F238E27FC236}">
-                <a16:creationId xmlns="" xmlns:a16="http://schemas.microsoft.com/office/drawing/2014/main" id="{72056337-DF7D-364D-AD06-D6555F5DFC72}"/>
+                <a16:creationId xmlns:a16="http://schemas.microsoft.com/office/drawing/2014/main" id="{72056337-DF7D-364D-AD06-D6555F5DFC72}"/>
               </a:ext>
             </a:extLst>
           </p:cNvPr>
@@ -1593,7 +1696,7 @@
           <p:cNvPr id="6" name="Slide Number Placeholder 5">
             <a:extLst>
               <a:ext uri="{FF2B5EF4-FFF2-40B4-BE49-F238E27FC236}">
-                <a16:creationId xmlns="" xmlns:a16="http://schemas.microsoft.com/office/drawing/2014/main" id="{0AE2F434-6D93-4343-9D39-1478C9CB6BD4}"/>
+                <a16:creationId xmlns:a16="http://schemas.microsoft.com/office/drawing/2014/main" id="{0AE2F434-6D93-4343-9D39-1478C9CB6BD4}"/>
               </a:ext>
             </a:extLst>
           </p:cNvPr>
@@ -1652,7 +1755,7 @@
           <p:cNvPr id="2" name="Title 1">
             <a:extLst>
               <a:ext uri="{FF2B5EF4-FFF2-40B4-BE49-F238E27FC236}">
-                <a16:creationId xmlns="" xmlns:a16="http://schemas.microsoft.com/office/drawing/2014/main" id="{DC36CAF2-C28B-2B47-87C8-16BB8A1BA35E}"/>
+                <a16:creationId xmlns:a16="http://schemas.microsoft.com/office/drawing/2014/main" id="{DC36CAF2-C28B-2B47-87C8-16BB8A1BA35E}"/>
               </a:ext>
             </a:extLst>
           </p:cNvPr>
@@ -1681,7 +1784,7 @@
           <p:cNvPr id="3" name="Content Placeholder 2">
             <a:extLst>
               <a:ext uri="{FF2B5EF4-FFF2-40B4-BE49-F238E27FC236}">
-                <a16:creationId xmlns="" xmlns:a16="http://schemas.microsoft.com/office/drawing/2014/main" id="{814DD3AB-533E-CE4C-BEFF-C6F6A8C268D3}"/>
+                <a16:creationId xmlns:a16="http://schemas.microsoft.com/office/drawing/2014/main" id="{814DD3AB-533E-CE4C-BEFF-C6F6A8C268D3}"/>
               </a:ext>
             </a:extLst>
           </p:cNvPr>
@@ -1739,7 +1842,7 @@
           <p:cNvPr id="4" name="Date Placeholder 3">
             <a:extLst>
               <a:ext uri="{FF2B5EF4-FFF2-40B4-BE49-F238E27FC236}">
-                <a16:creationId xmlns="" xmlns:a16="http://schemas.microsoft.com/office/drawing/2014/main" id="{FC7053BB-8570-9A48-A695-C22395666625}"/>
+                <a16:creationId xmlns:a16="http://schemas.microsoft.com/office/drawing/2014/main" id="{FC7053BB-8570-9A48-A695-C22395666625}"/>
               </a:ext>
             </a:extLst>
           </p:cNvPr>
@@ -1757,7 +1860,7 @@
           <a:p>
             <a:fld id="{4C3459EE-6FEA-064C-A3A4-214589389D3F}" type="datetimeFigureOut">
               <a:rPr lang="sk-SK" smtClean="0"/>
-              <a:t>7.10.2019</a:t>
+              <a:t>07.10.2019</a:t>
             </a:fld>
             <a:endParaRPr lang="sk-SK"/>
           </a:p>
@@ -1768,7 +1871,7 @@
           <p:cNvPr id="5" name="Footer Placeholder 4">
             <a:extLst>
               <a:ext uri="{FF2B5EF4-FFF2-40B4-BE49-F238E27FC236}">
-                <a16:creationId xmlns="" xmlns:a16="http://schemas.microsoft.com/office/drawing/2014/main" id="{600526D4-BF09-9245-B105-28BFE0E6AFB0}"/>
+                <a16:creationId xmlns:a16="http://schemas.microsoft.com/office/drawing/2014/main" id="{600526D4-BF09-9245-B105-28BFE0E6AFB0}"/>
               </a:ext>
             </a:extLst>
           </p:cNvPr>
@@ -1793,7 +1896,7 @@
           <p:cNvPr id="6" name="Slide Number Placeholder 5">
             <a:extLst>
               <a:ext uri="{FF2B5EF4-FFF2-40B4-BE49-F238E27FC236}">
-                <a16:creationId xmlns="" xmlns:a16="http://schemas.microsoft.com/office/drawing/2014/main" id="{16C1EAC3-C2AD-5549-BAA1-8919061D6B92}"/>
+                <a16:creationId xmlns:a16="http://schemas.microsoft.com/office/drawing/2014/main" id="{16C1EAC3-C2AD-5549-BAA1-8919061D6B92}"/>
               </a:ext>
             </a:extLst>
           </p:cNvPr>
@@ -1852,7 +1955,7 @@
           <p:cNvPr id="2" name="Title 1">
             <a:extLst>
               <a:ext uri="{FF2B5EF4-FFF2-40B4-BE49-F238E27FC236}">
-                <a16:creationId xmlns="" xmlns:a16="http://schemas.microsoft.com/office/drawing/2014/main" id="{DAA8127E-45BD-7C49-A920-0D163F535921}"/>
+                <a16:creationId xmlns:a16="http://schemas.microsoft.com/office/drawing/2014/main" id="{DAA8127E-45BD-7C49-A920-0D163F535921}"/>
               </a:ext>
             </a:extLst>
           </p:cNvPr>
@@ -1890,7 +1993,7 @@
           <p:cNvPr id="3" name="Text Placeholder 2">
             <a:extLst>
               <a:ext uri="{FF2B5EF4-FFF2-40B4-BE49-F238E27FC236}">
-                <a16:creationId xmlns="" xmlns:a16="http://schemas.microsoft.com/office/drawing/2014/main" id="{7E100B71-3702-A148-AABD-42015D1E21CA}"/>
+                <a16:creationId xmlns:a16="http://schemas.microsoft.com/office/drawing/2014/main" id="{7E100B71-3702-A148-AABD-42015D1E21CA}"/>
               </a:ext>
             </a:extLst>
           </p:cNvPr>
@@ -2015,7 +2118,7 @@
           <p:cNvPr id="4" name="Date Placeholder 3">
             <a:extLst>
               <a:ext uri="{FF2B5EF4-FFF2-40B4-BE49-F238E27FC236}">
-                <a16:creationId xmlns="" xmlns:a16="http://schemas.microsoft.com/office/drawing/2014/main" id="{AE7E6720-AC7E-E14A-B430-94B99DB70B1F}"/>
+                <a16:creationId xmlns:a16="http://schemas.microsoft.com/office/drawing/2014/main" id="{AE7E6720-AC7E-E14A-B430-94B99DB70B1F}"/>
               </a:ext>
             </a:extLst>
           </p:cNvPr>
@@ -2033,7 +2136,7 @@
           <a:p>
             <a:fld id="{4C3459EE-6FEA-064C-A3A4-214589389D3F}" type="datetimeFigureOut">
               <a:rPr lang="sk-SK" smtClean="0"/>
-              <a:t>7.10.2019</a:t>
+              <a:t>07.10.2019</a:t>
             </a:fld>
             <a:endParaRPr lang="sk-SK"/>
           </a:p>
@@ -2044,7 +2147,7 @@
           <p:cNvPr id="5" name="Footer Placeholder 4">
             <a:extLst>
               <a:ext uri="{FF2B5EF4-FFF2-40B4-BE49-F238E27FC236}">
-                <a16:creationId xmlns="" xmlns:a16="http://schemas.microsoft.com/office/drawing/2014/main" id="{1FBFD510-E621-9346-85BA-8E1D2B75FA0A}"/>
+                <a16:creationId xmlns:a16="http://schemas.microsoft.com/office/drawing/2014/main" id="{1FBFD510-E621-9346-85BA-8E1D2B75FA0A}"/>
               </a:ext>
             </a:extLst>
           </p:cNvPr>
@@ -2069,7 +2172,7 @@
           <p:cNvPr id="6" name="Slide Number Placeholder 5">
             <a:extLst>
               <a:ext uri="{FF2B5EF4-FFF2-40B4-BE49-F238E27FC236}">
-                <a16:creationId xmlns="" xmlns:a16="http://schemas.microsoft.com/office/drawing/2014/main" id="{6954D45C-C4FD-CB4E-AFAE-7047A0134E1E}"/>
+                <a16:creationId xmlns:a16="http://schemas.microsoft.com/office/drawing/2014/main" id="{6954D45C-C4FD-CB4E-AFAE-7047A0134E1E}"/>
               </a:ext>
             </a:extLst>
           </p:cNvPr>
@@ -2128,7 +2231,7 @@
           <p:cNvPr id="2" name="Title 1">
             <a:extLst>
               <a:ext uri="{FF2B5EF4-FFF2-40B4-BE49-F238E27FC236}">
-                <a16:creationId xmlns="" xmlns:a16="http://schemas.microsoft.com/office/drawing/2014/main" id="{213581DF-1A2A-1445-9EED-9D33FD4EE816}"/>
+                <a16:creationId xmlns:a16="http://schemas.microsoft.com/office/drawing/2014/main" id="{213581DF-1A2A-1445-9EED-9D33FD4EE816}"/>
               </a:ext>
             </a:extLst>
           </p:cNvPr>
@@ -2157,7 +2260,7 @@
           <p:cNvPr id="3" name="Content Placeholder 2">
             <a:extLst>
               <a:ext uri="{FF2B5EF4-FFF2-40B4-BE49-F238E27FC236}">
-                <a16:creationId xmlns="" xmlns:a16="http://schemas.microsoft.com/office/drawing/2014/main" id="{08DB9EE7-F13B-0D44-81BB-DFE3189A5F59}"/>
+                <a16:creationId xmlns:a16="http://schemas.microsoft.com/office/drawing/2014/main" id="{08DB9EE7-F13B-0D44-81BB-DFE3189A5F59}"/>
               </a:ext>
             </a:extLst>
           </p:cNvPr>
@@ -2220,7 +2323,7 @@
           <p:cNvPr id="4" name="Content Placeholder 3">
             <a:extLst>
               <a:ext uri="{FF2B5EF4-FFF2-40B4-BE49-F238E27FC236}">
-                <a16:creationId xmlns="" xmlns:a16="http://schemas.microsoft.com/office/drawing/2014/main" id="{8FD479C8-056B-D14F-A4D9-3FE1DA5DE270}"/>
+                <a16:creationId xmlns:a16="http://schemas.microsoft.com/office/drawing/2014/main" id="{8FD479C8-056B-D14F-A4D9-3FE1DA5DE270}"/>
               </a:ext>
             </a:extLst>
           </p:cNvPr>
@@ -2283,7 +2386,7 @@
           <p:cNvPr id="5" name="Date Placeholder 4">
             <a:extLst>
               <a:ext uri="{FF2B5EF4-FFF2-40B4-BE49-F238E27FC236}">
-                <a16:creationId xmlns="" xmlns:a16="http://schemas.microsoft.com/office/drawing/2014/main" id="{98320DDB-C764-6D4C-851E-A2EAA0A3C70A}"/>
+                <a16:creationId xmlns:a16="http://schemas.microsoft.com/office/drawing/2014/main" id="{98320DDB-C764-6D4C-851E-A2EAA0A3C70A}"/>
               </a:ext>
             </a:extLst>
           </p:cNvPr>
@@ -2301,7 +2404,7 @@
           <a:p>
             <a:fld id="{4C3459EE-6FEA-064C-A3A4-214589389D3F}" type="datetimeFigureOut">
               <a:rPr lang="sk-SK" smtClean="0"/>
-              <a:t>7.10.2019</a:t>
+              <a:t>07.10.2019</a:t>
             </a:fld>
             <a:endParaRPr lang="sk-SK"/>
           </a:p>
@@ -2312,7 +2415,7 @@
           <p:cNvPr id="6" name="Footer Placeholder 5">
             <a:extLst>
               <a:ext uri="{FF2B5EF4-FFF2-40B4-BE49-F238E27FC236}">
-                <a16:creationId xmlns="" xmlns:a16="http://schemas.microsoft.com/office/drawing/2014/main" id="{EB2864DF-41E7-7B47-9EA4-8A92654F7094}"/>
+                <a16:creationId xmlns:a16="http://schemas.microsoft.com/office/drawing/2014/main" id="{EB2864DF-41E7-7B47-9EA4-8A92654F7094}"/>
               </a:ext>
             </a:extLst>
           </p:cNvPr>
@@ -2337,7 +2440,7 @@
           <p:cNvPr id="7" name="Slide Number Placeholder 6">
             <a:extLst>
               <a:ext uri="{FF2B5EF4-FFF2-40B4-BE49-F238E27FC236}">
-                <a16:creationId xmlns="" xmlns:a16="http://schemas.microsoft.com/office/drawing/2014/main" id="{E7221F81-ADAD-A34F-986A-6881F5F98927}"/>
+                <a16:creationId xmlns:a16="http://schemas.microsoft.com/office/drawing/2014/main" id="{E7221F81-ADAD-A34F-986A-6881F5F98927}"/>
               </a:ext>
             </a:extLst>
           </p:cNvPr>
@@ -2396,7 +2499,7 @@
           <p:cNvPr id="2" name="Title 1">
             <a:extLst>
               <a:ext uri="{FF2B5EF4-FFF2-40B4-BE49-F238E27FC236}">
-                <a16:creationId xmlns="" xmlns:a16="http://schemas.microsoft.com/office/drawing/2014/main" id="{8BC1CAB4-821C-C941-A172-6D49ABFF42D2}"/>
+                <a16:creationId xmlns:a16="http://schemas.microsoft.com/office/drawing/2014/main" id="{8BC1CAB4-821C-C941-A172-6D49ABFF42D2}"/>
               </a:ext>
             </a:extLst>
           </p:cNvPr>
@@ -2430,7 +2533,7 @@
           <p:cNvPr id="3" name="Text Placeholder 2">
             <a:extLst>
               <a:ext uri="{FF2B5EF4-FFF2-40B4-BE49-F238E27FC236}">
-                <a16:creationId xmlns="" xmlns:a16="http://schemas.microsoft.com/office/drawing/2014/main" id="{74EA8350-6323-594B-BBCD-D361366878AC}"/>
+                <a16:creationId xmlns:a16="http://schemas.microsoft.com/office/drawing/2014/main" id="{74EA8350-6323-594B-BBCD-D361366878AC}"/>
               </a:ext>
             </a:extLst>
           </p:cNvPr>
@@ -2501,7 +2604,7 @@
           <p:cNvPr id="4" name="Content Placeholder 3">
             <a:extLst>
               <a:ext uri="{FF2B5EF4-FFF2-40B4-BE49-F238E27FC236}">
-                <a16:creationId xmlns="" xmlns:a16="http://schemas.microsoft.com/office/drawing/2014/main" id="{2747FB92-1FFF-9049-B36E-CE59C4C6A3F1}"/>
+                <a16:creationId xmlns:a16="http://schemas.microsoft.com/office/drawing/2014/main" id="{2747FB92-1FFF-9049-B36E-CE59C4C6A3F1}"/>
               </a:ext>
             </a:extLst>
           </p:cNvPr>
@@ -2564,7 +2667,7 @@
           <p:cNvPr id="5" name="Text Placeholder 4">
             <a:extLst>
               <a:ext uri="{FF2B5EF4-FFF2-40B4-BE49-F238E27FC236}">
-                <a16:creationId xmlns="" xmlns:a16="http://schemas.microsoft.com/office/drawing/2014/main" id="{BF1610B4-1CD7-8140-B505-A16DD0F5CD65}"/>
+                <a16:creationId xmlns:a16="http://schemas.microsoft.com/office/drawing/2014/main" id="{BF1610B4-1CD7-8140-B505-A16DD0F5CD65}"/>
               </a:ext>
             </a:extLst>
           </p:cNvPr>
@@ -2635,7 +2738,7 @@
           <p:cNvPr id="6" name="Content Placeholder 5">
             <a:extLst>
               <a:ext uri="{FF2B5EF4-FFF2-40B4-BE49-F238E27FC236}">
-                <a16:creationId xmlns="" xmlns:a16="http://schemas.microsoft.com/office/drawing/2014/main" id="{3ECD383F-43EC-744E-97C3-663E79864328}"/>
+                <a16:creationId xmlns:a16="http://schemas.microsoft.com/office/drawing/2014/main" id="{3ECD383F-43EC-744E-97C3-663E79864328}"/>
               </a:ext>
             </a:extLst>
           </p:cNvPr>
@@ -2698,7 +2801,7 @@
           <p:cNvPr id="7" name="Date Placeholder 6">
             <a:extLst>
               <a:ext uri="{FF2B5EF4-FFF2-40B4-BE49-F238E27FC236}">
-                <a16:creationId xmlns="" xmlns:a16="http://schemas.microsoft.com/office/drawing/2014/main" id="{9035F507-4801-884E-A07A-B52374A3FFF1}"/>
+                <a16:creationId xmlns:a16="http://schemas.microsoft.com/office/drawing/2014/main" id="{9035F507-4801-884E-A07A-B52374A3FFF1}"/>
               </a:ext>
             </a:extLst>
           </p:cNvPr>
@@ -2716,7 +2819,7 @@
           <a:p>
             <a:fld id="{4C3459EE-6FEA-064C-A3A4-214589389D3F}" type="datetimeFigureOut">
               <a:rPr lang="sk-SK" smtClean="0"/>
-              <a:t>7.10.2019</a:t>
+              <a:t>07.10.2019</a:t>
             </a:fld>
             <a:endParaRPr lang="sk-SK"/>
           </a:p>
@@ -2727,7 +2830,7 @@
           <p:cNvPr id="8" name="Footer Placeholder 7">
             <a:extLst>
               <a:ext uri="{FF2B5EF4-FFF2-40B4-BE49-F238E27FC236}">
-                <a16:creationId xmlns="" xmlns:a16="http://schemas.microsoft.com/office/drawing/2014/main" id="{4BD90604-083D-D34A-872B-253E2EDDF99E}"/>
+                <a16:creationId xmlns:a16="http://schemas.microsoft.com/office/drawing/2014/main" id="{4BD90604-083D-D34A-872B-253E2EDDF99E}"/>
               </a:ext>
             </a:extLst>
           </p:cNvPr>
@@ -2752,7 +2855,7 @@
           <p:cNvPr id="9" name="Slide Number Placeholder 8">
             <a:extLst>
               <a:ext uri="{FF2B5EF4-FFF2-40B4-BE49-F238E27FC236}">
-                <a16:creationId xmlns="" xmlns:a16="http://schemas.microsoft.com/office/drawing/2014/main" id="{65630447-9170-7540-A550-47D17BAAFFA4}"/>
+                <a16:creationId xmlns:a16="http://schemas.microsoft.com/office/drawing/2014/main" id="{65630447-9170-7540-A550-47D17BAAFFA4}"/>
               </a:ext>
             </a:extLst>
           </p:cNvPr>
@@ -2811,7 +2914,7 @@
           <p:cNvPr id="2" name="Title 1">
             <a:extLst>
               <a:ext uri="{FF2B5EF4-FFF2-40B4-BE49-F238E27FC236}">
-                <a16:creationId xmlns="" xmlns:a16="http://schemas.microsoft.com/office/drawing/2014/main" id="{13CF9350-E6BC-0F46-9AF0-431B5FBDCA9D}"/>
+                <a16:creationId xmlns:a16="http://schemas.microsoft.com/office/drawing/2014/main" id="{13CF9350-E6BC-0F46-9AF0-431B5FBDCA9D}"/>
               </a:ext>
             </a:extLst>
           </p:cNvPr>
@@ -2840,7 +2943,7 @@
           <p:cNvPr id="3" name="Date Placeholder 2">
             <a:extLst>
               <a:ext uri="{FF2B5EF4-FFF2-40B4-BE49-F238E27FC236}">
-                <a16:creationId xmlns="" xmlns:a16="http://schemas.microsoft.com/office/drawing/2014/main" id="{EA412DB6-19C5-FB43-832C-F65F874B90FA}"/>
+                <a16:creationId xmlns:a16="http://schemas.microsoft.com/office/drawing/2014/main" id="{EA412DB6-19C5-FB43-832C-F65F874B90FA}"/>
               </a:ext>
             </a:extLst>
           </p:cNvPr>
@@ -2858,7 +2961,7 @@
           <a:p>
             <a:fld id="{4C3459EE-6FEA-064C-A3A4-214589389D3F}" type="datetimeFigureOut">
               <a:rPr lang="sk-SK" smtClean="0"/>
-              <a:t>7.10.2019</a:t>
+              <a:t>07.10.2019</a:t>
             </a:fld>
             <a:endParaRPr lang="sk-SK"/>
           </a:p>
@@ -2869,7 +2972,7 @@
           <p:cNvPr id="4" name="Footer Placeholder 3">
             <a:extLst>
               <a:ext uri="{FF2B5EF4-FFF2-40B4-BE49-F238E27FC236}">
-                <a16:creationId xmlns="" xmlns:a16="http://schemas.microsoft.com/office/drawing/2014/main" id="{F63FA431-4A1C-A242-8234-704352659276}"/>
+                <a16:creationId xmlns:a16="http://schemas.microsoft.com/office/drawing/2014/main" id="{F63FA431-4A1C-A242-8234-704352659276}"/>
               </a:ext>
             </a:extLst>
           </p:cNvPr>
@@ -2894,7 +2997,7 @@
           <p:cNvPr id="5" name="Slide Number Placeholder 4">
             <a:extLst>
               <a:ext uri="{FF2B5EF4-FFF2-40B4-BE49-F238E27FC236}">
-                <a16:creationId xmlns="" xmlns:a16="http://schemas.microsoft.com/office/drawing/2014/main" id="{58A1F5D2-9610-C346-A894-B0D8C82488F9}"/>
+                <a16:creationId xmlns:a16="http://schemas.microsoft.com/office/drawing/2014/main" id="{58A1F5D2-9610-C346-A894-B0D8C82488F9}"/>
               </a:ext>
             </a:extLst>
           </p:cNvPr>
@@ -2953,7 +3056,7 @@
           <p:cNvPr id="2" name="Date Placeholder 1">
             <a:extLst>
               <a:ext uri="{FF2B5EF4-FFF2-40B4-BE49-F238E27FC236}">
-                <a16:creationId xmlns="" xmlns:a16="http://schemas.microsoft.com/office/drawing/2014/main" id="{1EC10D3D-5FD5-9647-A782-4FC4487D70A7}"/>
+                <a16:creationId xmlns:a16="http://schemas.microsoft.com/office/drawing/2014/main" id="{1EC10D3D-5FD5-9647-A782-4FC4487D70A7}"/>
               </a:ext>
             </a:extLst>
           </p:cNvPr>
@@ -2971,7 +3074,7 @@
           <a:p>
             <a:fld id="{4C3459EE-6FEA-064C-A3A4-214589389D3F}" type="datetimeFigureOut">
               <a:rPr lang="sk-SK" smtClean="0"/>
-              <a:t>7.10.2019</a:t>
+              <a:t>07.10.2019</a:t>
             </a:fld>
             <a:endParaRPr lang="sk-SK"/>
           </a:p>
@@ -2982,7 +3085,7 @@
           <p:cNvPr id="3" name="Footer Placeholder 2">
             <a:extLst>
               <a:ext uri="{FF2B5EF4-FFF2-40B4-BE49-F238E27FC236}">
-                <a16:creationId xmlns="" xmlns:a16="http://schemas.microsoft.com/office/drawing/2014/main" id="{96FA9A92-E287-6146-B4CA-DE6EA2752593}"/>
+                <a16:creationId xmlns:a16="http://schemas.microsoft.com/office/drawing/2014/main" id="{96FA9A92-E287-6146-B4CA-DE6EA2752593}"/>
               </a:ext>
             </a:extLst>
           </p:cNvPr>
@@ -3007,7 +3110,7 @@
           <p:cNvPr id="4" name="Slide Number Placeholder 3">
             <a:extLst>
               <a:ext uri="{FF2B5EF4-FFF2-40B4-BE49-F238E27FC236}">
-                <a16:creationId xmlns="" xmlns:a16="http://schemas.microsoft.com/office/drawing/2014/main" id="{7037877A-051D-2441-8D3E-6ED039AC1CD8}"/>
+                <a16:creationId xmlns:a16="http://schemas.microsoft.com/office/drawing/2014/main" id="{7037877A-051D-2441-8D3E-6ED039AC1CD8}"/>
               </a:ext>
             </a:extLst>
           </p:cNvPr>
@@ -3066,7 +3169,7 @@
           <p:cNvPr id="2" name="Title 1">
             <a:extLst>
               <a:ext uri="{FF2B5EF4-FFF2-40B4-BE49-F238E27FC236}">
-                <a16:creationId xmlns="" xmlns:a16="http://schemas.microsoft.com/office/drawing/2014/main" id="{254213A1-F664-8448-8709-8A7E1331CB0F}"/>
+                <a16:creationId xmlns:a16="http://schemas.microsoft.com/office/drawing/2014/main" id="{254213A1-F664-8448-8709-8A7E1331CB0F}"/>
               </a:ext>
             </a:extLst>
           </p:cNvPr>
@@ -3104,7 +3207,7 @@
           <p:cNvPr id="3" name="Content Placeholder 2">
             <a:extLst>
               <a:ext uri="{FF2B5EF4-FFF2-40B4-BE49-F238E27FC236}">
-                <a16:creationId xmlns="" xmlns:a16="http://schemas.microsoft.com/office/drawing/2014/main" id="{1416AE02-D489-0042-A88F-1DCA5891ADD9}"/>
+                <a16:creationId xmlns:a16="http://schemas.microsoft.com/office/drawing/2014/main" id="{1416AE02-D489-0042-A88F-1DCA5891ADD9}"/>
               </a:ext>
             </a:extLst>
           </p:cNvPr>
@@ -3195,7 +3298,7 @@
           <p:cNvPr id="4" name="Text Placeholder 3">
             <a:extLst>
               <a:ext uri="{FF2B5EF4-FFF2-40B4-BE49-F238E27FC236}">
-                <a16:creationId xmlns="" xmlns:a16="http://schemas.microsoft.com/office/drawing/2014/main" id="{A4C89348-E19A-5448-9C93-A99B59B4140C}"/>
+                <a16:creationId xmlns:a16="http://schemas.microsoft.com/office/drawing/2014/main" id="{A4C89348-E19A-5448-9C93-A99B59B4140C}"/>
               </a:ext>
             </a:extLst>
           </p:cNvPr>
@@ -3266,7 +3369,7 @@
           <p:cNvPr id="5" name="Date Placeholder 4">
             <a:extLst>
               <a:ext uri="{FF2B5EF4-FFF2-40B4-BE49-F238E27FC236}">
-                <a16:creationId xmlns="" xmlns:a16="http://schemas.microsoft.com/office/drawing/2014/main" id="{989E11C0-159F-3E41-BB5D-612296E31363}"/>
+                <a16:creationId xmlns:a16="http://schemas.microsoft.com/office/drawing/2014/main" id="{989E11C0-159F-3E41-BB5D-612296E31363}"/>
               </a:ext>
             </a:extLst>
           </p:cNvPr>
@@ -3284,7 +3387,7 @@
           <a:p>
             <a:fld id="{4C3459EE-6FEA-064C-A3A4-214589389D3F}" type="datetimeFigureOut">
               <a:rPr lang="sk-SK" smtClean="0"/>
-              <a:t>7.10.2019</a:t>
+              <a:t>07.10.2019</a:t>
             </a:fld>
             <a:endParaRPr lang="sk-SK"/>
           </a:p>
@@ -3295,7 +3398,7 @@
           <p:cNvPr id="6" name="Footer Placeholder 5">
             <a:extLst>
               <a:ext uri="{FF2B5EF4-FFF2-40B4-BE49-F238E27FC236}">
-                <a16:creationId xmlns="" xmlns:a16="http://schemas.microsoft.com/office/drawing/2014/main" id="{6EBA8951-A7E7-A94F-B1A1-A758944E786D}"/>
+                <a16:creationId xmlns:a16="http://schemas.microsoft.com/office/drawing/2014/main" id="{6EBA8951-A7E7-A94F-B1A1-A758944E786D}"/>
               </a:ext>
             </a:extLst>
           </p:cNvPr>
@@ -3320,7 +3423,7 @@
           <p:cNvPr id="7" name="Slide Number Placeholder 6">
             <a:extLst>
               <a:ext uri="{FF2B5EF4-FFF2-40B4-BE49-F238E27FC236}">
-                <a16:creationId xmlns="" xmlns:a16="http://schemas.microsoft.com/office/drawing/2014/main" id="{43EBE2E8-1142-7E49-821B-E172E07FA0BE}"/>
+                <a16:creationId xmlns:a16="http://schemas.microsoft.com/office/drawing/2014/main" id="{43EBE2E8-1142-7E49-821B-E172E07FA0BE}"/>
               </a:ext>
             </a:extLst>
           </p:cNvPr>
@@ -3379,7 +3482,7 @@
           <p:cNvPr id="2" name="Title 1">
             <a:extLst>
               <a:ext uri="{FF2B5EF4-FFF2-40B4-BE49-F238E27FC236}">
-                <a16:creationId xmlns="" xmlns:a16="http://schemas.microsoft.com/office/drawing/2014/main" id="{7CC6BFAD-84DC-6C42-8D56-701103464A34}"/>
+                <a16:creationId xmlns:a16="http://schemas.microsoft.com/office/drawing/2014/main" id="{7CC6BFAD-84DC-6C42-8D56-701103464A34}"/>
               </a:ext>
             </a:extLst>
           </p:cNvPr>
@@ -3417,7 +3520,7 @@
           <p:cNvPr id="3" name="Picture Placeholder 2">
             <a:extLst>
               <a:ext uri="{FF2B5EF4-FFF2-40B4-BE49-F238E27FC236}">
-                <a16:creationId xmlns="" xmlns:a16="http://schemas.microsoft.com/office/drawing/2014/main" id="{50EE3F7A-AA72-1342-A2DB-9E4FFFA6071A}"/>
+                <a16:creationId xmlns:a16="http://schemas.microsoft.com/office/drawing/2014/main" id="{50EE3F7A-AA72-1342-A2DB-9E4FFFA6071A}"/>
               </a:ext>
             </a:extLst>
           </p:cNvPr>
@@ -3484,7 +3587,7 @@
           <p:cNvPr id="4" name="Text Placeholder 3">
             <a:extLst>
               <a:ext uri="{FF2B5EF4-FFF2-40B4-BE49-F238E27FC236}">
-                <a16:creationId xmlns="" xmlns:a16="http://schemas.microsoft.com/office/drawing/2014/main" id="{99BBF2D0-9209-4748-B8A0-E556147AAC94}"/>
+                <a16:creationId xmlns:a16="http://schemas.microsoft.com/office/drawing/2014/main" id="{99BBF2D0-9209-4748-B8A0-E556147AAC94}"/>
               </a:ext>
             </a:extLst>
           </p:cNvPr>
@@ -3555,7 +3658,7 @@
           <p:cNvPr id="5" name="Date Placeholder 4">
             <a:extLst>
               <a:ext uri="{FF2B5EF4-FFF2-40B4-BE49-F238E27FC236}">
-                <a16:creationId xmlns="" xmlns:a16="http://schemas.microsoft.com/office/drawing/2014/main" id="{78D135FB-0272-5A45-84D4-6D9735787867}"/>
+                <a16:creationId xmlns:a16="http://schemas.microsoft.com/office/drawing/2014/main" id="{78D135FB-0272-5A45-84D4-6D9735787867}"/>
               </a:ext>
             </a:extLst>
           </p:cNvPr>
@@ -3573,7 +3676,7 @@
           <a:p>
             <a:fld id="{4C3459EE-6FEA-064C-A3A4-214589389D3F}" type="datetimeFigureOut">
               <a:rPr lang="sk-SK" smtClean="0"/>
-              <a:t>7.10.2019</a:t>
+              <a:t>07.10.2019</a:t>
             </a:fld>
             <a:endParaRPr lang="sk-SK"/>
           </a:p>
@@ -3584,7 +3687,7 @@
           <p:cNvPr id="6" name="Footer Placeholder 5">
             <a:extLst>
               <a:ext uri="{FF2B5EF4-FFF2-40B4-BE49-F238E27FC236}">
-                <a16:creationId xmlns="" xmlns:a16="http://schemas.microsoft.com/office/drawing/2014/main" id="{162A6668-E06F-7B49-AAE4-5053E966609B}"/>
+                <a16:creationId xmlns:a16="http://schemas.microsoft.com/office/drawing/2014/main" id="{162A6668-E06F-7B49-AAE4-5053E966609B}"/>
               </a:ext>
             </a:extLst>
           </p:cNvPr>
@@ -3609,7 +3712,7 @@
           <p:cNvPr id="7" name="Slide Number Placeholder 6">
             <a:extLst>
               <a:ext uri="{FF2B5EF4-FFF2-40B4-BE49-F238E27FC236}">
-                <a16:creationId xmlns="" xmlns:a16="http://schemas.microsoft.com/office/drawing/2014/main" id="{BDAE60DE-4745-3948-8100-C720917639C3}"/>
+                <a16:creationId xmlns:a16="http://schemas.microsoft.com/office/drawing/2014/main" id="{BDAE60DE-4745-3948-8100-C720917639C3}"/>
               </a:ext>
             </a:extLst>
           </p:cNvPr>
@@ -3673,7 +3776,7 @@
           <p:cNvPr id="2" name="Title Placeholder 1">
             <a:extLst>
               <a:ext uri="{FF2B5EF4-FFF2-40B4-BE49-F238E27FC236}">
-                <a16:creationId xmlns="" xmlns:a16="http://schemas.microsoft.com/office/drawing/2014/main" id="{53641F3D-9232-7546-A0DB-8628A61BCA6A}"/>
+                <a16:creationId xmlns:a16="http://schemas.microsoft.com/office/drawing/2014/main" id="{53641F3D-9232-7546-A0DB-8628A61BCA6A}"/>
               </a:ext>
             </a:extLst>
           </p:cNvPr>
@@ -3712,7 +3815,7 @@
           <p:cNvPr id="3" name="Text Placeholder 2">
             <a:extLst>
               <a:ext uri="{FF2B5EF4-FFF2-40B4-BE49-F238E27FC236}">
-                <a16:creationId xmlns="" xmlns:a16="http://schemas.microsoft.com/office/drawing/2014/main" id="{98BA31CA-85F9-BB4A-88FE-4F32B13A25CF}"/>
+                <a16:creationId xmlns:a16="http://schemas.microsoft.com/office/drawing/2014/main" id="{98BA31CA-85F9-BB4A-88FE-4F32B13A25CF}"/>
               </a:ext>
             </a:extLst>
           </p:cNvPr>
@@ -3780,7 +3883,7 @@
           <p:cNvPr id="4" name="Date Placeholder 3">
             <a:extLst>
               <a:ext uri="{FF2B5EF4-FFF2-40B4-BE49-F238E27FC236}">
-                <a16:creationId xmlns="" xmlns:a16="http://schemas.microsoft.com/office/drawing/2014/main" id="{422315F8-63C6-6F40-A06D-AFA82D9F724E}"/>
+                <a16:creationId xmlns:a16="http://schemas.microsoft.com/office/drawing/2014/main" id="{422315F8-63C6-6F40-A06D-AFA82D9F724E}"/>
               </a:ext>
             </a:extLst>
           </p:cNvPr>
@@ -3816,7 +3919,7 @@
           <a:p>
             <a:fld id="{4C3459EE-6FEA-064C-A3A4-214589389D3F}" type="datetimeFigureOut">
               <a:rPr lang="sk-SK" smtClean="0"/>
-              <a:t>7.10.2019</a:t>
+              <a:t>07.10.2019</a:t>
             </a:fld>
             <a:endParaRPr lang="sk-SK"/>
           </a:p>
@@ -3827,7 +3930,7 @@
           <p:cNvPr id="5" name="Footer Placeholder 4">
             <a:extLst>
               <a:ext uri="{FF2B5EF4-FFF2-40B4-BE49-F238E27FC236}">
-                <a16:creationId xmlns="" xmlns:a16="http://schemas.microsoft.com/office/drawing/2014/main" id="{7DB747C0-FB04-024D-B7E5-3D85C4EE09A6}"/>
+                <a16:creationId xmlns:a16="http://schemas.microsoft.com/office/drawing/2014/main" id="{7DB747C0-FB04-024D-B7E5-3D85C4EE09A6}"/>
               </a:ext>
             </a:extLst>
           </p:cNvPr>
@@ -3870,7 +3973,7 @@
           <p:cNvPr id="6" name="Slide Number Placeholder 5">
             <a:extLst>
               <a:ext uri="{FF2B5EF4-FFF2-40B4-BE49-F238E27FC236}">
-                <a16:creationId xmlns="" xmlns:a16="http://schemas.microsoft.com/office/drawing/2014/main" id="{177719D1-B9C1-9748-96AF-1380CE04157A}"/>
+                <a16:creationId xmlns:a16="http://schemas.microsoft.com/office/drawing/2014/main" id="{177719D1-B9C1-9748-96AF-1380CE04157A}"/>
               </a:ext>
             </a:extLst>
           </p:cNvPr>
@@ -4246,10 +4349,10 @@
           <p:cNvPr id="8" name="Rectangle 7">
             <a:extLst>
               <a:ext uri="{FF2B5EF4-FFF2-40B4-BE49-F238E27FC236}">
-                <a16:creationId xmlns="" xmlns:a16="http://schemas.microsoft.com/office/drawing/2014/main" id="{86197D16-FE75-4A0E-A0C9-28C0F04A43DF}"/>
+                <a16:creationId xmlns:a16="http://schemas.microsoft.com/office/drawing/2014/main" id="{86197D16-FE75-4A0E-A0C9-28C0F04A43DF}"/>
               </a:ext>
               <a:ext uri="{C183D7F6-B498-43B3-948B-1728B52AA6E4}">
-                <adec:decorative xmlns="" xmlns:adec="http://schemas.microsoft.com/office/drawing/2017/decorative" val="1"/>
+                <adec:decorative xmlns:adec="http://schemas.microsoft.com/office/drawing/2017/decorative" val="1"/>
               </a:ext>
             </a:extLst>
           </p:cNvPr>
@@ -4259,7 +4362,7 @@
           <p:nvPr>
             <p:extLst>
               <p:ext uri="{386F3935-93C4-4BCD-93E2-E3B085C9AB24}">
-                <p16:designElem xmlns="" xmlns:p16="http://schemas.microsoft.com/office/powerpoint/2015/main" val="1"/>
+                <p16:designElem xmlns:p16="http://schemas.microsoft.com/office/powerpoint/2015/main" val="1"/>
               </p:ext>
             </p:extLst>
           </p:nvPr>
@@ -4331,10 +4434,10 @@
           <p:cNvPr id="10" name="Picture 9">
             <a:extLst>
               <a:ext uri="{FF2B5EF4-FFF2-40B4-BE49-F238E27FC236}">
-                <a16:creationId xmlns="" xmlns:a16="http://schemas.microsoft.com/office/drawing/2014/main" id="{FA8FCEC6-4B30-4FF2-8B32-504BEAEA3A16}"/>
+                <a16:creationId xmlns:a16="http://schemas.microsoft.com/office/drawing/2014/main" id="{FA8FCEC6-4B30-4FF2-8B32-504BEAEA3A16}"/>
               </a:ext>
               <a:ext uri="{C183D7F6-B498-43B3-948B-1728B52AA6E4}">
-                <adec:decorative xmlns="" xmlns:adec="http://schemas.microsoft.com/office/drawing/2017/decorative" val="1"/>
+                <adec:decorative xmlns:adec="http://schemas.microsoft.com/office/drawing/2017/decorative" val="1"/>
               </a:ext>
             </a:extLst>
           </p:cNvPr>
@@ -4344,7 +4447,7 @@
           <p:nvPr>
             <p:extLst>
               <p:ext uri="{386F3935-93C4-4BCD-93E2-E3B085C9AB24}">
-                <p16:designElem xmlns="" xmlns:p16="http://schemas.microsoft.com/office/powerpoint/2015/main" val="1"/>
+                <p16:designElem xmlns:p16="http://schemas.microsoft.com/office/powerpoint/2015/main" val="1"/>
               </p:ext>
             </p:extLst>
           </p:nvPr>
@@ -4420,7 +4523,7 @@
           <p:cNvPr id="2" name="Title 1">
             <a:extLst>
               <a:ext uri="{FF2B5EF4-FFF2-40B4-BE49-F238E27FC236}">
-                <a16:creationId xmlns="" xmlns:a16="http://schemas.microsoft.com/office/drawing/2014/main" id="{41EF954F-A626-0347-A729-3AF4E164A9A5}"/>
+                <a16:creationId xmlns:a16="http://schemas.microsoft.com/office/drawing/2014/main" id="{41EF954F-A626-0347-A729-3AF4E164A9A5}"/>
               </a:ext>
             </a:extLst>
           </p:cNvPr>
@@ -4462,7 +4565,7 @@
           <p:cNvPr id="3" name="Subtitle 2">
             <a:extLst>
               <a:ext uri="{FF2B5EF4-FFF2-40B4-BE49-F238E27FC236}">
-                <a16:creationId xmlns="" xmlns:a16="http://schemas.microsoft.com/office/drawing/2014/main" id="{089DB313-8BDD-DE4F-A2F8-9AA005804C36}"/>
+                <a16:creationId xmlns:a16="http://schemas.microsoft.com/office/drawing/2014/main" id="{089DB313-8BDD-DE4F-A2F8-9AA005804C36}"/>
               </a:ext>
             </a:extLst>
           </p:cNvPr>
@@ -4509,13 +4612,6 @@
   <p:clrMapOvr>
     <a:masterClrMapping/>
   </p:clrMapOvr>
-  <p:timing>
-    <p:tnLst>
-      <p:par>
-        <p:cTn id="1" dur="indefinite" restart="never" nodeType="tmRoot"/>
-      </p:par>
-    </p:tnLst>
-  </p:timing>
 </p:sld>
 </file>
 
@@ -4541,7 +4637,7 @@
           <p:cNvPr id="2" name="Title 1">
             <a:extLst>
               <a:ext uri="{FF2B5EF4-FFF2-40B4-BE49-F238E27FC236}">
-                <a16:creationId xmlns="" xmlns:a16="http://schemas.microsoft.com/office/drawing/2014/main" id="{0BFA38F0-F7D9-E342-B4F2-E5E2A60FEE2A}"/>
+                <a16:creationId xmlns:a16="http://schemas.microsoft.com/office/drawing/2014/main" id="{0BFA38F0-F7D9-E342-B4F2-E5E2A60FEE2A}"/>
               </a:ext>
             </a:extLst>
           </p:cNvPr>
@@ -4569,7 +4665,7 @@
           <p:cNvPr id="3" name="Content Placeholder 2">
             <a:extLst>
               <a:ext uri="{FF2B5EF4-FFF2-40B4-BE49-F238E27FC236}">
-                <a16:creationId xmlns="" xmlns:a16="http://schemas.microsoft.com/office/drawing/2014/main" id="{215A439C-56A9-4E4F-8888-7A2B04D1B4DD}"/>
+                <a16:creationId xmlns:a16="http://schemas.microsoft.com/office/drawing/2014/main" id="{215A439C-56A9-4E4F-8888-7A2B04D1B4DD}"/>
               </a:ext>
             </a:extLst>
           </p:cNvPr>
@@ -4594,7 +4690,7 @@
           <p:cNvPr id="4" name="Content Placeholder 3">
             <a:extLst>
               <a:ext uri="{FF2B5EF4-FFF2-40B4-BE49-F238E27FC236}">
-                <a16:creationId xmlns="" xmlns:a16="http://schemas.microsoft.com/office/drawing/2014/main" id="{30396AD2-99B7-CB4C-91F6-8D8913EFDF5F}"/>
+                <a16:creationId xmlns:a16="http://schemas.microsoft.com/office/drawing/2014/main" id="{30396AD2-99B7-CB4C-91F6-8D8913EFDF5F}"/>
               </a:ext>
             </a:extLst>
           </p:cNvPr>
@@ -4619,7 +4715,7 @@
           <p:cNvPr id="5" name="Picture 4">
             <a:extLst>
               <a:ext uri="{FF2B5EF4-FFF2-40B4-BE49-F238E27FC236}">
-                <a16:creationId xmlns="" xmlns:a16="http://schemas.microsoft.com/office/drawing/2014/main" id="{B97FA904-FD98-E048-A64D-96E6F8280686}"/>
+                <a16:creationId xmlns:a16="http://schemas.microsoft.com/office/drawing/2014/main" id="{B97FA904-FD98-E048-A64D-96E6F8280686}"/>
               </a:ext>
             </a:extLst>
           </p:cNvPr>
@@ -4649,7 +4745,7 @@
           <p:cNvPr id="9" name="Rectangle 8">
             <a:extLst>
               <a:ext uri="{FF2B5EF4-FFF2-40B4-BE49-F238E27FC236}">
-                <a16:creationId xmlns="" xmlns:a16="http://schemas.microsoft.com/office/drawing/2014/main" id="{E74952BC-4899-134A-80DF-8B7335BA1830}"/>
+                <a16:creationId xmlns:a16="http://schemas.microsoft.com/office/drawing/2014/main" id="{E74952BC-4899-134A-80DF-8B7335BA1830}"/>
               </a:ext>
             </a:extLst>
           </p:cNvPr>
@@ -4683,7 +4779,7 @@
           <p:cNvPr id="10" name="Picture 9">
             <a:extLst>
               <a:ext uri="{FF2B5EF4-FFF2-40B4-BE49-F238E27FC236}">
-                <a16:creationId xmlns="" xmlns:a16="http://schemas.microsoft.com/office/drawing/2014/main" id="{466316DC-E06E-564C-9F63-1BCE60DC7742}"/>
+                <a16:creationId xmlns:a16="http://schemas.microsoft.com/office/drawing/2014/main" id="{466316DC-E06E-564C-9F63-1BCE60DC7742}"/>
               </a:ext>
             </a:extLst>
           </p:cNvPr>
@@ -4713,7 +4809,7 @@
           <p:cNvPr id="19" name="Rectangle 18">
             <a:extLst>
               <a:ext uri="{FF2B5EF4-FFF2-40B4-BE49-F238E27FC236}">
-                <a16:creationId xmlns="" xmlns:a16="http://schemas.microsoft.com/office/drawing/2014/main" id="{3066B8FA-DA6A-A541-B836-827F7AE5B7E5}"/>
+                <a16:creationId xmlns:a16="http://schemas.microsoft.com/office/drawing/2014/main" id="{3066B8FA-DA6A-A541-B836-827F7AE5B7E5}"/>
               </a:ext>
             </a:extLst>
           </p:cNvPr>
@@ -4775,7 +4871,7 @@
           <p:cNvPr id="6" name="Picture 5">
             <a:extLst>
               <a:ext uri="{FF2B5EF4-FFF2-40B4-BE49-F238E27FC236}">
-                <a16:creationId xmlns="" xmlns:a16="http://schemas.microsoft.com/office/drawing/2014/main" id="{18C1D594-582F-734F-B4D2-7C11C11EFF9D}"/>
+                <a16:creationId xmlns:a16="http://schemas.microsoft.com/office/drawing/2014/main" id="{18C1D594-582F-734F-B4D2-7C11C11EFF9D}"/>
               </a:ext>
             </a:extLst>
           </p:cNvPr>
@@ -4805,7 +4901,7 @@
           <p:cNvPr id="7" name="Picture 6">
             <a:extLst>
               <a:ext uri="{FF2B5EF4-FFF2-40B4-BE49-F238E27FC236}">
-                <a16:creationId xmlns="" xmlns:a16="http://schemas.microsoft.com/office/drawing/2014/main" id="{A729F35D-904D-1D4D-BEB2-2987BF0881A3}"/>
+                <a16:creationId xmlns:a16="http://schemas.microsoft.com/office/drawing/2014/main" id="{A729F35D-904D-1D4D-BEB2-2987BF0881A3}"/>
               </a:ext>
             </a:extLst>
           </p:cNvPr>
@@ -4835,7 +4931,7 @@
           <p:cNvPr id="8" name="Picture 7">
             <a:extLst>
               <a:ext uri="{FF2B5EF4-FFF2-40B4-BE49-F238E27FC236}">
-                <a16:creationId xmlns="" xmlns:a16="http://schemas.microsoft.com/office/drawing/2014/main" id="{D179C276-A0FC-5946-A47F-CDFBAAB7C817}"/>
+                <a16:creationId xmlns:a16="http://schemas.microsoft.com/office/drawing/2014/main" id="{D179C276-A0FC-5946-A47F-CDFBAAB7C817}"/>
               </a:ext>
             </a:extLst>
           </p:cNvPr>
@@ -4865,7 +4961,7 @@
           <p:cNvPr id="20" name="Straight Arrow Connector 19">
             <a:extLst>
               <a:ext uri="{FF2B5EF4-FFF2-40B4-BE49-F238E27FC236}">
-                <a16:creationId xmlns="" xmlns:a16="http://schemas.microsoft.com/office/drawing/2014/main" id="{9A19612D-CBF7-874D-8FF4-63E300103CC0}"/>
+                <a16:creationId xmlns:a16="http://schemas.microsoft.com/office/drawing/2014/main" id="{9A19612D-CBF7-874D-8FF4-63E300103CC0}"/>
               </a:ext>
             </a:extLst>
           </p:cNvPr>
@@ -4909,7 +5005,7 @@
           <p:cNvPr id="22" name="Rectangle 21">
             <a:extLst>
               <a:ext uri="{FF2B5EF4-FFF2-40B4-BE49-F238E27FC236}">
-                <a16:creationId xmlns="" xmlns:a16="http://schemas.microsoft.com/office/drawing/2014/main" id="{F9C9273C-7CEC-1C44-A5BE-880EF45D97F1}"/>
+                <a16:creationId xmlns:a16="http://schemas.microsoft.com/office/drawing/2014/main" id="{F9C9273C-7CEC-1C44-A5BE-880EF45D97F1}"/>
               </a:ext>
             </a:extLst>
           </p:cNvPr>
@@ -4947,7 +5043,7 @@
           <p:cNvPr id="23" name="Straight Arrow Connector 22">
             <a:extLst>
               <a:ext uri="{FF2B5EF4-FFF2-40B4-BE49-F238E27FC236}">
-                <a16:creationId xmlns="" xmlns:a16="http://schemas.microsoft.com/office/drawing/2014/main" id="{5D1A5E83-5E6A-C34D-8356-410E4A80C8A6}"/>
+                <a16:creationId xmlns:a16="http://schemas.microsoft.com/office/drawing/2014/main" id="{5D1A5E83-5E6A-C34D-8356-410E4A80C8A6}"/>
               </a:ext>
             </a:extLst>
           </p:cNvPr>
@@ -4991,7 +5087,7 @@
           <p:cNvPr id="24" name="Rectangle 23">
             <a:extLst>
               <a:ext uri="{FF2B5EF4-FFF2-40B4-BE49-F238E27FC236}">
-                <a16:creationId xmlns="" xmlns:a16="http://schemas.microsoft.com/office/drawing/2014/main" id="{6A9C953D-1CF4-584E-AF49-4AF3D15FB16A}"/>
+                <a16:creationId xmlns:a16="http://schemas.microsoft.com/office/drawing/2014/main" id="{6A9C953D-1CF4-584E-AF49-4AF3D15FB16A}"/>
               </a:ext>
             </a:extLst>
           </p:cNvPr>
@@ -5037,7 +5133,7 @@
           <p:cNvPr id="27" name="TextBox 26">
             <a:extLst>
               <a:ext uri="{FF2B5EF4-FFF2-40B4-BE49-F238E27FC236}">
-                <a16:creationId xmlns="" xmlns:a16="http://schemas.microsoft.com/office/drawing/2014/main" id="{DCCE5F37-A416-D84D-B7BB-AAA09E531EB2}"/>
+                <a16:creationId xmlns:a16="http://schemas.microsoft.com/office/drawing/2014/main" id="{DCCE5F37-A416-D84D-B7BB-AAA09E531EB2}"/>
               </a:ext>
             </a:extLst>
           </p:cNvPr>
@@ -5078,7 +5174,7 @@
           <p:cNvPr id="32" name="Picture 31">
             <a:extLst>
               <a:ext uri="{FF2B5EF4-FFF2-40B4-BE49-F238E27FC236}">
-                <a16:creationId xmlns="" xmlns:a16="http://schemas.microsoft.com/office/drawing/2014/main" id="{B02F6FCF-8A11-C745-B9DE-7F1C417CF5D4}"/>
+                <a16:creationId xmlns:a16="http://schemas.microsoft.com/office/drawing/2014/main" id="{B02F6FCF-8A11-C745-B9DE-7F1C417CF5D4}"/>
               </a:ext>
             </a:extLst>
           </p:cNvPr>
@@ -5108,7 +5204,7 @@
           <p:cNvPr id="35" name="Rectangle 34">
             <a:extLst>
               <a:ext uri="{FF2B5EF4-FFF2-40B4-BE49-F238E27FC236}">
-                <a16:creationId xmlns="" xmlns:a16="http://schemas.microsoft.com/office/drawing/2014/main" id="{0EB66D5A-C218-7F48-B0C3-8C174406A55A}"/>
+                <a16:creationId xmlns:a16="http://schemas.microsoft.com/office/drawing/2014/main" id="{0EB66D5A-C218-7F48-B0C3-8C174406A55A}"/>
               </a:ext>
             </a:extLst>
           </p:cNvPr>
@@ -5158,7 +5254,7 @@
           <p:cNvPr id="36" name="Straight Arrow Connector 35">
             <a:extLst>
               <a:ext uri="{FF2B5EF4-FFF2-40B4-BE49-F238E27FC236}">
-                <a16:creationId xmlns="" xmlns:a16="http://schemas.microsoft.com/office/drawing/2014/main" id="{AE378BF1-57E2-7D42-BC5B-BAE084312C44}"/>
+                <a16:creationId xmlns:a16="http://schemas.microsoft.com/office/drawing/2014/main" id="{AE378BF1-57E2-7D42-BC5B-BAE084312C44}"/>
               </a:ext>
             </a:extLst>
           </p:cNvPr>
@@ -5709,7 +5805,7 @@
           <p:cNvPr id="2" name="Title 1">
             <a:extLst>
               <a:ext uri="{FF2B5EF4-FFF2-40B4-BE49-F238E27FC236}">
-                <a16:creationId xmlns="" xmlns:a16="http://schemas.microsoft.com/office/drawing/2014/main" id="{0BFA38F0-F7D9-E342-B4F2-E5E2A60FEE2A}"/>
+                <a16:creationId xmlns:a16="http://schemas.microsoft.com/office/drawing/2014/main" id="{0BFA38F0-F7D9-E342-B4F2-E5E2A60FEE2A}"/>
               </a:ext>
             </a:extLst>
           </p:cNvPr>
@@ -5744,7 +5840,7 @@
           <p:cNvPr id="3" name="Content Placeholder 2">
             <a:extLst>
               <a:ext uri="{FF2B5EF4-FFF2-40B4-BE49-F238E27FC236}">
-                <a16:creationId xmlns="" xmlns:a16="http://schemas.microsoft.com/office/drawing/2014/main" id="{215A439C-56A9-4E4F-8888-7A2B04D1B4DD}"/>
+                <a16:creationId xmlns:a16="http://schemas.microsoft.com/office/drawing/2014/main" id="{215A439C-56A9-4E4F-8888-7A2B04D1B4DD}"/>
               </a:ext>
             </a:extLst>
           </p:cNvPr>
@@ -5769,7 +5865,7 @@
           <p:cNvPr id="4" name="Content Placeholder 3">
             <a:extLst>
               <a:ext uri="{FF2B5EF4-FFF2-40B4-BE49-F238E27FC236}">
-                <a16:creationId xmlns="" xmlns:a16="http://schemas.microsoft.com/office/drawing/2014/main" id="{30396AD2-99B7-CB4C-91F6-8D8913EFDF5F}"/>
+                <a16:creationId xmlns:a16="http://schemas.microsoft.com/office/drawing/2014/main" id="{30396AD2-99B7-CB4C-91F6-8D8913EFDF5F}"/>
               </a:ext>
             </a:extLst>
           </p:cNvPr>
@@ -5794,7 +5890,7 @@
           <p:cNvPr id="5" name="Picture 4">
             <a:extLst>
               <a:ext uri="{FF2B5EF4-FFF2-40B4-BE49-F238E27FC236}">
-                <a16:creationId xmlns="" xmlns:a16="http://schemas.microsoft.com/office/drawing/2014/main" id="{B97FA904-FD98-E048-A64D-96E6F8280686}"/>
+                <a16:creationId xmlns:a16="http://schemas.microsoft.com/office/drawing/2014/main" id="{B97FA904-FD98-E048-A64D-96E6F8280686}"/>
               </a:ext>
             </a:extLst>
           </p:cNvPr>
@@ -5824,7 +5920,7 @@
           <p:cNvPr id="9" name="Rectangle 8">
             <a:extLst>
               <a:ext uri="{FF2B5EF4-FFF2-40B4-BE49-F238E27FC236}">
-                <a16:creationId xmlns="" xmlns:a16="http://schemas.microsoft.com/office/drawing/2014/main" id="{E74952BC-4899-134A-80DF-8B7335BA1830}"/>
+                <a16:creationId xmlns:a16="http://schemas.microsoft.com/office/drawing/2014/main" id="{E74952BC-4899-134A-80DF-8B7335BA1830}"/>
               </a:ext>
             </a:extLst>
           </p:cNvPr>
@@ -5858,7 +5954,7 @@
           <p:cNvPr id="10" name="Picture 9">
             <a:extLst>
               <a:ext uri="{FF2B5EF4-FFF2-40B4-BE49-F238E27FC236}">
-                <a16:creationId xmlns="" xmlns:a16="http://schemas.microsoft.com/office/drawing/2014/main" id="{466316DC-E06E-564C-9F63-1BCE60DC7742}"/>
+                <a16:creationId xmlns:a16="http://schemas.microsoft.com/office/drawing/2014/main" id="{466316DC-E06E-564C-9F63-1BCE60DC7742}"/>
               </a:ext>
             </a:extLst>
           </p:cNvPr>
@@ -5888,7 +5984,7 @@
           <p:cNvPr id="19" name="Rectangle 18">
             <a:extLst>
               <a:ext uri="{FF2B5EF4-FFF2-40B4-BE49-F238E27FC236}">
-                <a16:creationId xmlns="" xmlns:a16="http://schemas.microsoft.com/office/drawing/2014/main" id="{3066B8FA-DA6A-A541-B836-827F7AE5B7E5}"/>
+                <a16:creationId xmlns:a16="http://schemas.microsoft.com/office/drawing/2014/main" id="{3066B8FA-DA6A-A541-B836-827F7AE5B7E5}"/>
               </a:ext>
             </a:extLst>
           </p:cNvPr>
@@ -5986,7 +6082,7 @@
           <p:cNvPr id="7" name="Picture 6">
             <a:extLst>
               <a:ext uri="{FF2B5EF4-FFF2-40B4-BE49-F238E27FC236}">
-                <a16:creationId xmlns="" xmlns:a16="http://schemas.microsoft.com/office/drawing/2014/main" id="{E6F9290C-2715-2146-A4B6-E1CD88DE30D5}"/>
+                <a16:creationId xmlns:a16="http://schemas.microsoft.com/office/drawing/2014/main" id="{E6F9290C-2715-2146-A4B6-E1CD88DE30D5}"/>
               </a:ext>
             </a:extLst>
           </p:cNvPr>
@@ -6016,7 +6112,7 @@
           <p:cNvPr id="11" name="Picture 10">
             <a:extLst>
               <a:ext uri="{FF2B5EF4-FFF2-40B4-BE49-F238E27FC236}">
-                <a16:creationId xmlns="" xmlns:a16="http://schemas.microsoft.com/office/drawing/2014/main" id="{EB67BFFB-BA70-CD41-B9A7-4E7773A0AC39}"/>
+                <a16:creationId xmlns:a16="http://schemas.microsoft.com/office/drawing/2014/main" id="{EB67BFFB-BA70-CD41-B9A7-4E7773A0AC39}"/>
               </a:ext>
             </a:extLst>
           </p:cNvPr>
@@ -6046,7 +6142,7 @@
           <p:cNvPr id="14" name="Rectangle 13">
             <a:extLst>
               <a:ext uri="{FF2B5EF4-FFF2-40B4-BE49-F238E27FC236}">
-                <a16:creationId xmlns="" xmlns:a16="http://schemas.microsoft.com/office/drawing/2014/main" id="{4FE129C8-2ACA-7342-8110-0BC79A554DB0}"/>
+                <a16:creationId xmlns:a16="http://schemas.microsoft.com/office/drawing/2014/main" id="{4FE129C8-2ACA-7342-8110-0BC79A554DB0}"/>
               </a:ext>
             </a:extLst>
           </p:cNvPr>
@@ -6094,7 +6190,7 @@
           <p:cNvPr id="20" name="Straight Arrow Connector 19">
             <a:extLst>
               <a:ext uri="{FF2B5EF4-FFF2-40B4-BE49-F238E27FC236}">
-                <a16:creationId xmlns="" xmlns:a16="http://schemas.microsoft.com/office/drawing/2014/main" id="{3CFA4FE9-0A82-5B43-BA9B-90A0E5FEEA0A}"/>
+                <a16:creationId xmlns:a16="http://schemas.microsoft.com/office/drawing/2014/main" id="{3CFA4FE9-0A82-5B43-BA9B-90A0E5FEEA0A}"/>
               </a:ext>
             </a:extLst>
           </p:cNvPr>
@@ -6138,7 +6234,7 @@
           <p:cNvPr id="21" name="Rectangle 20">
             <a:extLst>
               <a:ext uri="{FF2B5EF4-FFF2-40B4-BE49-F238E27FC236}">
-                <a16:creationId xmlns="" xmlns:a16="http://schemas.microsoft.com/office/drawing/2014/main" id="{F4B48AF1-D06E-8B46-A7C5-928221166F77}"/>
+                <a16:creationId xmlns:a16="http://schemas.microsoft.com/office/drawing/2014/main" id="{F4B48AF1-D06E-8B46-A7C5-928221166F77}"/>
               </a:ext>
             </a:extLst>
           </p:cNvPr>
@@ -6186,7 +6282,7 @@
           <p:cNvPr id="26" name="Rectangle 25">
             <a:extLst>
               <a:ext uri="{FF2B5EF4-FFF2-40B4-BE49-F238E27FC236}">
-                <a16:creationId xmlns="" xmlns:a16="http://schemas.microsoft.com/office/drawing/2014/main" id="{2EDFD0D5-1E1A-474F-94B7-4DA6B75B421C}"/>
+                <a16:creationId xmlns:a16="http://schemas.microsoft.com/office/drawing/2014/main" id="{2EDFD0D5-1E1A-474F-94B7-4DA6B75B421C}"/>
               </a:ext>
             </a:extLst>
           </p:cNvPr>
@@ -6242,7 +6338,7 @@
           <p:cNvPr id="27" name="Rectangle 26">
             <a:extLst>
               <a:ext uri="{FF2B5EF4-FFF2-40B4-BE49-F238E27FC236}">
-                <a16:creationId xmlns="" xmlns:a16="http://schemas.microsoft.com/office/drawing/2014/main" id="{BB82BC27-587C-F84B-97CA-ECE6ADEAC36D}"/>
+                <a16:creationId xmlns:a16="http://schemas.microsoft.com/office/drawing/2014/main" id="{BB82BC27-587C-F84B-97CA-ECE6ADEAC36D}"/>
               </a:ext>
             </a:extLst>
           </p:cNvPr>
@@ -6288,7 +6384,7 @@
           <p:cNvPr id="28" name="Picture 27">
             <a:extLst>
               <a:ext uri="{FF2B5EF4-FFF2-40B4-BE49-F238E27FC236}">
-                <a16:creationId xmlns="" xmlns:a16="http://schemas.microsoft.com/office/drawing/2014/main" id="{C72344CE-DECA-984D-A638-D054550A177B}"/>
+                <a16:creationId xmlns:a16="http://schemas.microsoft.com/office/drawing/2014/main" id="{C72344CE-DECA-984D-A638-D054550A177B}"/>
               </a:ext>
             </a:extLst>
           </p:cNvPr>
@@ -6318,7 +6414,7 @@
           <p:cNvPr id="13" name="Straight Arrow Connector 12">
             <a:extLst>
               <a:ext uri="{FF2B5EF4-FFF2-40B4-BE49-F238E27FC236}">
-                <a16:creationId xmlns="" xmlns:a16="http://schemas.microsoft.com/office/drawing/2014/main" id="{C5F89B3F-7451-2C49-B50C-3901CBE710E3}"/>
+                <a16:creationId xmlns:a16="http://schemas.microsoft.com/office/drawing/2014/main" id="{C5F89B3F-7451-2C49-B50C-3901CBE710E3}"/>
               </a:ext>
             </a:extLst>
           </p:cNvPr>
@@ -6752,7 +6848,7 @@
           <p:cNvPr id="2" name="Title 1">
             <a:extLst>
               <a:ext uri="{FF2B5EF4-FFF2-40B4-BE49-F238E27FC236}">
-                <a16:creationId xmlns="" xmlns:a16="http://schemas.microsoft.com/office/drawing/2014/main" id="{9B6FFD16-31EB-5640-BB56-1A911A7993FC}"/>
+                <a16:creationId xmlns:a16="http://schemas.microsoft.com/office/drawing/2014/main" id="{9B6FFD16-31EB-5640-BB56-1A911A7993FC}"/>
               </a:ext>
             </a:extLst>
           </p:cNvPr>
@@ -6780,7 +6876,7 @@
           <p:cNvPr id="5" name="Rectangle 4">
             <a:extLst>
               <a:ext uri="{FF2B5EF4-FFF2-40B4-BE49-F238E27FC236}">
-                <a16:creationId xmlns="" xmlns:a16="http://schemas.microsoft.com/office/drawing/2014/main" id="{4B01CCDA-14C2-004F-8C33-D3125ABA4FDC}"/>
+                <a16:creationId xmlns:a16="http://schemas.microsoft.com/office/drawing/2014/main" id="{4B01CCDA-14C2-004F-8C33-D3125ABA4FDC}"/>
               </a:ext>
             </a:extLst>
           </p:cNvPr>
@@ -6832,7 +6928,7 @@
           <p:cNvPr id="6" name="Picture 5">
             <a:extLst>
               <a:ext uri="{FF2B5EF4-FFF2-40B4-BE49-F238E27FC236}">
-                <a16:creationId xmlns="" xmlns:a16="http://schemas.microsoft.com/office/drawing/2014/main" id="{4D6A2C3F-B0F7-D244-B07C-22E394F6AE44}"/>
+                <a16:creationId xmlns:a16="http://schemas.microsoft.com/office/drawing/2014/main" id="{4D6A2C3F-B0F7-D244-B07C-22E394F6AE44}"/>
               </a:ext>
             </a:extLst>
           </p:cNvPr>
@@ -6862,7 +6958,7 @@
           <p:cNvPr id="7" name="Straight Arrow Connector 6">
             <a:extLst>
               <a:ext uri="{FF2B5EF4-FFF2-40B4-BE49-F238E27FC236}">
-                <a16:creationId xmlns="" xmlns:a16="http://schemas.microsoft.com/office/drawing/2014/main" id="{209D4FE6-5DA0-9B42-A627-7C39B65E305D}"/>
+                <a16:creationId xmlns:a16="http://schemas.microsoft.com/office/drawing/2014/main" id="{209D4FE6-5DA0-9B42-A627-7C39B65E305D}"/>
               </a:ext>
             </a:extLst>
           </p:cNvPr>
@@ -6906,7 +7002,7 @@
           <p:cNvPr id="8" name="Rectangle 7">
             <a:extLst>
               <a:ext uri="{FF2B5EF4-FFF2-40B4-BE49-F238E27FC236}">
-                <a16:creationId xmlns="" xmlns:a16="http://schemas.microsoft.com/office/drawing/2014/main" id="{4C272A8E-100E-134C-BF5A-A253B0903413}"/>
+                <a16:creationId xmlns:a16="http://schemas.microsoft.com/office/drawing/2014/main" id="{4C272A8E-100E-134C-BF5A-A253B0903413}"/>
               </a:ext>
             </a:extLst>
           </p:cNvPr>
@@ -6944,7 +7040,7 @@
           <p:cNvPr id="12" name="Straight Arrow Connector 11">
             <a:extLst>
               <a:ext uri="{FF2B5EF4-FFF2-40B4-BE49-F238E27FC236}">
-                <a16:creationId xmlns="" xmlns:a16="http://schemas.microsoft.com/office/drawing/2014/main" id="{822C3A6F-1352-3B47-A65C-BEB3F9AD5F6B}"/>
+                <a16:creationId xmlns:a16="http://schemas.microsoft.com/office/drawing/2014/main" id="{822C3A6F-1352-3B47-A65C-BEB3F9AD5F6B}"/>
               </a:ext>
             </a:extLst>
           </p:cNvPr>
@@ -6988,7 +7084,7 @@
           <p:cNvPr id="15" name="Rectangle 14">
             <a:extLst>
               <a:ext uri="{FF2B5EF4-FFF2-40B4-BE49-F238E27FC236}">
-                <a16:creationId xmlns="" xmlns:a16="http://schemas.microsoft.com/office/drawing/2014/main" id="{60AF5CC6-F105-554C-A06F-D86C2F134671}"/>
+                <a16:creationId xmlns:a16="http://schemas.microsoft.com/office/drawing/2014/main" id="{60AF5CC6-F105-554C-A06F-D86C2F134671}"/>
               </a:ext>
             </a:extLst>
           </p:cNvPr>
@@ -7031,13 +7127,6 @@
   <p:clrMapOvr>
     <a:masterClrMapping/>
   </p:clrMapOvr>
-  <p:timing>
-    <p:tnLst>
-      <p:par>
-        <p:cTn id="1" dur="indefinite" restart="never" nodeType="tmRoot"/>
-      </p:par>
-    </p:tnLst>
-  </p:timing>
 </p:sld>
 </file>
 
@@ -7063,7 +7152,7 @@
           <p:cNvPr id="2" name="Title 1">
             <a:extLst>
               <a:ext uri="{FF2B5EF4-FFF2-40B4-BE49-F238E27FC236}">
-                <a16:creationId xmlns="" xmlns:a16="http://schemas.microsoft.com/office/drawing/2014/main" id="{BD8484DF-AF5E-7D4E-B4A8-55973F83F143}"/>
+                <a16:creationId xmlns:a16="http://schemas.microsoft.com/office/drawing/2014/main" id="{BD8484DF-AF5E-7D4E-B4A8-55973F83F143}"/>
               </a:ext>
             </a:extLst>
           </p:cNvPr>
@@ -7116,7 +7205,7 @@
           <p:cNvPr id="8" name="Content Placeholder 7">
             <a:extLst>
               <a:ext uri="{FF2B5EF4-FFF2-40B4-BE49-F238E27FC236}">
-                <a16:creationId xmlns="" xmlns:a16="http://schemas.microsoft.com/office/drawing/2014/main" id="{0BCC2965-20B2-2A4E-883E-F7EC1F8E6529}"/>
+                <a16:creationId xmlns:a16="http://schemas.microsoft.com/office/drawing/2014/main" id="{0BCC2965-20B2-2A4E-883E-F7EC1F8E6529}"/>
               </a:ext>
             </a:extLst>
           </p:cNvPr>
@@ -7141,7 +7230,7 @@
           <p:cNvPr id="9" name="Content Placeholder 8">
             <a:extLst>
               <a:ext uri="{FF2B5EF4-FFF2-40B4-BE49-F238E27FC236}">
-                <a16:creationId xmlns="" xmlns:a16="http://schemas.microsoft.com/office/drawing/2014/main" id="{943F9A52-7CB6-6E47-BBC1-20F34191ACE2}"/>
+                <a16:creationId xmlns:a16="http://schemas.microsoft.com/office/drawing/2014/main" id="{943F9A52-7CB6-6E47-BBC1-20F34191ACE2}"/>
               </a:ext>
             </a:extLst>
           </p:cNvPr>
@@ -7166,7 +7255,7 @@
           <p:cNvPr id="10" name="Picture 9">
             <a:extLst>
               <a:ext uri="{FF2B5EF4-FFF2-40B4-BE49-F238E27FC236}">
-                <a16:creationId xmlns="" xmlns:a16="http://schemas.microsoft.com/office/drawing/2014/main" id="{373CEA3D-347A-2B4E-A1C8-F0E10259FD93}"/>
+                <a16:creationId xmlns:a16="http://schemas.microsoft.com/office/drawing/2014/main" id="{373CEA3D-347A-2B4E-A1C8-F0E10259FD93}"/>
               </a:ext>
             </a:extLst>
           </p:cNvPr>
@@ -7196,7 +7285,7 @@
           <p:cNvPr id="11" name="Picture 10">
             <a:extLst>
               <a:ext uri="{FF2B5EF4-FFF2-40B4-BE49-F238E27FC236}">
-                <a16:creationId xmlns="" xmlns:a16="http://schemas.microsoft.com/office/drawing/2014/main" id="{6EB0892F-A4D0-2148-A426-BAF9430C1ADD}"/>
+                <a16:creationId xmlns:a16="http://schemas.microsoft.com/office/drawing/2014/main" id="{6EB0892F-A4D0-2148-A426-BAF9430C1ADD}"/>
               </a:ext>
             </a:extLst>
           </p:cNvPr>
@@ -7226,7 +7315,7 @@
           <p:cNvPr id="12" name="TextBox 11">
             <a:extLst>
               <a:ext uri="{FF2B5EF4-FFF2-40B4-BE49-F238E27FC236}">
-                <a16:creationId xmlns="" xmlns:a16="http://schemas.microsoft.com/office/drawing/2014/main" id="{3DFAFE7E-337A-8344-9471-36428B84AE02}"/>
+                <a16:creationId xmlns:a16="http://schemas.microsoft.com/office/drawing/2014/main" id="{3DFAFE7E-337A-8344-9471-36428B84AE02}"/>
               </a:ext>
             </a:extLst>
           </p:cNvPr>
@@ -7262,7 +7351,7 @@
           <p:cNvPr id="13" name="TextBox 12">
             <a:extLst>
               <a:ext uri="{FF2B5EF4-FFF2-40B4-BE49-F238E27FC236}">
-                <a16:creationId xmlns="" xmlns:a16="http://schemas.microsoft.com/office/drawing/2014/main" id="{9FF20F12-5F6A-054F-B180-D83FD424AD72}"/>
+                <a16:creationId xmlns:a16="http://schemas.microsoft.com/office/drawing/2014/main" id="{9FF20F12-5F6A-054F-B180-D83FD424AD72}"/>
               </a:ext>
             </a:extLst>
           </p:cNvPr>
@@ -7301,7 +7390,7 @@
           <p:cNvPr id="14" name="TextBox 13">
             <a:extLst>
               <a:ext uri="{FF2B5EF4-FFF2-40B4-BE49-F238E27FC236}">
-                <a16:creationId xmlns="" xmlns:a16="http://schemas.microsoft.com/office/drawing/2014/main" id="{8DCF61C7-8FBA-1945-9E91-52D55CBB17D9}"/>
+                <a16:creationId xmlns:a16="http://schemas.microsoft.com/office/drawing/2014/main" id="{8DCF61C7-8FBA-1945-9E91-52D55CBB17D9}"/>
               </a:ext>
             </a:extLst>
           </p:cNvPr>
@@ -7342,7 +7431,7 @@
           <p:cNvPr id="17" name="Picture 16">
             <a:extLst>
               <a:ext uri="{FF2B5EF4-FFF2-40B4-BE49-F238E27FC236}">
-                <a16:creationId xmlns="" xmlns:a16="http://schemas.microsoft.com/office/drawing/2014/main" id="{558462C1-B29E-4349-9BEE-1091A8276024}"/>
+                <a16:creationId xmlns:a16="http://schemas.microsoft.com/office/drawing/2014/main" id="{558462C1-B29E-4349-9BEE-1091A8276024}"/>
               </a:ext>
             </a:extLst>
           </p:cNvPr>
@@ -7372,7 +7461,7 @@
           <p:cNvPr id="20" name="Picture 19">
             <a:extLst>
               <a:ext uri="{FF2B5EF4-FFF2-40B4-BE49-F238E27FC236}">
-                <a16:creationId xmlns="" xmlns:a16="http://schemas.microsoft.com/office/drawing/2014/main" id="{918F943F-7BA1-384E-8489-462AE6EB7E9E}"/>
+                <a16:creationId xmlns:a16="http://schemas.microsoft.com/office/drawing/2014/main" id="{918F943F-7BA1-384E-8489-462AE6EB7E9E}"/>
               </a:ext>
             </a:extLst>
           </p:cNvPr>
@@ -7402,7 +7491,7 @@
           <p:cNvPr id="21" name="Picture 20">
             <a:extLst>
               <a:ext uri="{FF2B5EF4-FFF2-40B4-BE49-F238E27FC236}">
-                <a16:creationId xmlns="" xmlns:a16="http://schemas.microsoft.com/office/drawing/2014/main" id="{0C843605-2215-FE46-8A1E-4D07C86660A3}"/>
+                <a16:creationId xmlns:a16="http://schemas.microsoft.com/office/drawing/2014/main" id="{0C843605-2215-FE46-8A1E-4D07C86660A3}"/>
               </a:ext>
             </a:extLst>
           </p:cNvPr>
@@ -7432,7 +7521,7 @@
           <p:cNvPr id="23" name="Picture 22">
             <a:extLst>
               <a:ext uri="{FF2B5EF4-FFF2-40B4-BE49-F238E27FC236}">
-                <a16:creationId xmlns="" xmlns:a16="http://schemas.microsoft.com/office/drawing/2014/main" id="{B7234CDE-E5DD-2D4B-91F2-9EF1CFD60889}"/>
+                <a16:creationId xmlns:a16="http://schemas.microsoft.com/office/drawing/2014/main" id="{B7234CDE-E5DD-2D4B-91F2-9EF1CFD60889}"/>
               </a:ext>
             </a:extLst>
           </p:cNvPr>
@@ -7462,7 +7551,7 @@
           <p:cNvPr id="26" name="Picture 25">
             <a:extLst>
               <a:ext uri="{FF2B5EF4-FFF2-40B4-BE49-F238E27FC236}">
-                <a16:creationId xmlns="" xmlns:a16="http://schemas.microsoft.com/office/drawing/2014/main" id="{32D4D012-69FB-7C45-ADE7-AB3858789265}"/>
+                <a16:creationId xmlns:a16="http://schemas.microsoft.com/office/drawing/2014/main" id="{32D4D012-69FB-7C45-ADE7-AB3858789265}"/>
               </a:ext>
             </a:extLst>
           </p:cNvPr>
@@ -7492,7 +7581,7 @@
           <p:cNvPr id="27" name="Picture 26">
             <a:extLst>
               <a:ext uri="{FF2B5EF4-FFF2-40B4-BE49-F238E27FC236}">
-                <a16:creationId xmlns="" xmlns:a16="http://schemas.microsoft.com/office/drawing/2014/main" id="{578FBAF8-4DB2-8F45-87DE-C6AFBBD2620E}"/>
+                <a16:creationId xmlns:a16="http://schemas.microsoft.com/office/drawing/2014/main" id="{578FBAF8-4DB2-8F45-87DE-C6AFBBD2620E}"/>
               </a:ext>
             </a:extLst>
           </p:cNvPr>
@@ -7522,7 +7611,7 @@
           <p:cNvPr id="29" name="Picture 28">
             <a:extLst>
               <a:ext uri="{FF2B5EF4-FFF2-40B4-BE49-F238E27FC236}">
-                <a16:creationId xmlns="" xmlns:a16="http://schemas.microsoft.com/office/drawing/2014/main" id="{03847CE8-D27B-B64F-BE67-412F22259491}"/>
+                <a16:creationId xmlns:a16="http://schemas.microsoft.com/office/drawing/2014/main" id="{03847CE8-D27B-B64F-BE67-412F22259491}"/>
               </a:ext>
             </a:extLst>
           </p:cNvPr>
@@ -7552,7 +7641,7 @@
           <p:cNvPr id="30" name="Picture 29">
             <a:extLst>
               <a:ext uri="{FF2B5EF4-FFF2-40B4-BE49-F238E27FC236}">
-                <a16:creationId xmlns="" xmlns:a16="http://schemas.microsoft.com/office/drawing/2014/main" id="{1F2BE2F4-0B72-9141-824F-6148FAD8A2C3}"/>
+                <a16:creationId xmlns:a16="http://schemas.microsoft.com/office/drawing/2014/main" id="{1F2BE2F4-0B72-9141-824F-6148FAD8A2C3}"/>
               </a:ext>
             </a:extLst>
           </p:cNvPr>
@@ -8196,7 +8285,7 @@
           <p:cNvPr id="2" name="Title 1">
             <a:extLst>
               <a:ext uri="{FF2B5EF4-FFF2-40B4-BE49-F238E27FC236}">
-                <a16:creationId xmlns="" xmlns:a16="http://schemas.microsoft.com/office/drawing/2014/main" id="{BD8484DF-AF5E-7D4E-B4A8-55973F83F143}"/>
+                <a16:creationId xmlns:a16="http://schemas.microsoft.com/office/drawing/2014/main" id="{BD8484DF-AF5E-7D4E-B4A8-55973F83F143}"/>
               </a:ext>
             </a:extLst>
           </p:cNvPr>
@@ -8249,7 +8338,7 @@
           <p:cNvPr id="8" name="Content Placeholder 7">
             <a:extLst>
               <a:ext uri="{FF2B5EF4-FFF2-40B4-BE49-F238E27FC236}">
-                <a16:creationId xmlns="" xmlns:a16="http://schemas.microsoft.com/office/drawing/2014/main" id="{0BCC2965-20B2-2A4E-883E-F7EC1F8E6529}"/>
+                <a16:creationId xmlns:a16="http://schemas.microsoft.com/office/drawing/2014/main" id="{0BCC2965-20B2-2A4E-883E-F7EC1F8E6529}"/>
               </a:ext>
             </a:extLst>
           </p:cNvPr>
@@ -8274,7 +8363,7 @@
           <p:cNvPr id="9" name="Content Placeholder 8">
             <a:extLst>
               <a:ext uri="{FF2B5EF4-FFF2-40B4-BE49-F238E27FC236}">
-                <a16:creationId xmlns="" xmlns:a16="http://schemas.microsoft.com/office/drawing/2014/main" id="{943F9A52-7CB6-6E47-BBC1-20F34191ACE2}"/>
+                <a16:creationId xmlns:a16="http://schemas.microsoft.com/office/drawing/2014/main" id="{943F9A52-7CB6-6E47-BBC1-20F34191ACE2}"/>
               </a:ext>
             </a:extLst>
           </p:cNvPr>
@@ -8299,7 +8388,7 @@
           <p:cNvPr id="10" name="Picture 9">
             <a:extLst>
               <a:ext uri="{FF2B5EF4-FFF2-40B4-BE49-F238E27FC236}">
-                <a16:creationId xmlns="" xmlns:a16="http://schemas.microsoft.com/office/drawing/2014/main" id="{373CEA3D-347A-2B4E-A1C8-F0E10259FD93}"/>
+                <a16:creationId xmlns:a16="http://schemas.microsoft.com/office/drawing/2014/main" id="{373CEA3D-347A-2B4E-A1C8-F0E10259FD93}"/>
               </a:ext>
             </a:extLst>
           </p:cNvPr>
@@ -8329,7 +8418,7 @@
           <p:cNvPr id="11" name="Picture 10">
             <a:extLst>
               <a:ext uri="{FF2B5EF4-FFF2-40B4-BE49-F238E27FC236}">
-                <a16:creationId xmlns="" xmlns:a16="http://schemas.microsoft.com/office/drawing/2014/main" id="{6EB0892F-A4D0-2148-A426-BAF9430C1ADD}"/>
+                <a16:creationId xmlns:a16="http://schemas.microsoft.com/office/drawing/2014/main" id="{6EB0892F-A4D0-2148-A426-BAF9430C1ADD}"/>
               </a:ext>
             </a:extLst>
           </p:cNvPr>
@@ -8359,7 +8448,7 @@
           <p:cNvPr id="12" name="TextBox 11">
             <a:extLst>
               <a:ext uri="{FF2B5EF4-FFF2-40B4-BE49-F238E27FC236}">
-                <a16:creationId xmlns="" xmlns:a16="http://schemas.microsoft.com/office/drawing/2014/main" id="{3DFAFE7E-337A-8344-9471-36428B84AE02}"/>
+                <a16:creationId xmlns:a16="http://schemas.microsoft.com/office/drawing/2014/main" id="{3DFAFE7E-337A-8344-9471-36428B84AE02}"/>
               </a:ext>
             </a:extLst>
           </p:cNvPr>
@@ -8395,7 +8484,7 @@
           <p:cNvPr id="13" name="TextBox 12">
             <a:extLst>
               <a:ext uri="{FF2B5EF4-FFF2-40B4-BE49-F238E27FC236}">
-                <a16:creationId xmlns="" xmlns:a16="http://schemas.microsoft.com/office/drawing/2014/main" id="{9FF20F12-5F6A-054F-B180-D83FD424AD72}"/>
+                <a16:creationId xmlns:a16="http://schemas.microsoft.com/office/drawing/2014/main" id="{9FF20F12-5F6A-054F-B180-D83FD424AD72}"/>
               </a:ext>
             </a:extLst>
           </p:cNvPr>
@@ -8431,7 +8520,7 @@
           <p:cNvPr id="4" name="Picture 3">
             <a:extLst>
               <a:ext uri="{FF2B5EF4-FFF2-40B4-BE49-F238E27FC236}">
-                <a16:creationId xmlns="" xmlns:a16="http://schemas.microsoft.com/office/drawing/2014/main" id="{BD36E1A6-DD08-7941-9153-112464711B48}"/>
+                <a16:creationId xmlns:a16="http://schemas.microsoft.com/office/drawing/2014/main" id="{BD36E1A6-DD08-7941-9153-112464711B48}"/>
               </a:ext>
             </a:extLst>
           </p:cNvPr>
@@ -8461,7 +8550,7 @@
           <p:cNvPr id="5" name="Picture 4">
             <a:extLst>
               <a:ext uri="{FF2B5EF4-FFF2-40B4-BE49-F238E27FC236}">
-                <a16:creationId xmlns="" xmlns:a16="http://schemas.microsoft.com/office/drawing/2014/main" id="{26A56359-82DB-464C-B6A8-BCBBA26CE9F6}"/>
+                <a16:creationId xmlns:a16="http://schemas.microsoft.com/office/drawing/2014/main" id="{26A56359-82DB-464C-B6A8-BCBBA26CE9F6}"/>
               </a:ext>
             </a:extLst>
           </p:cNvPr>
@@ -8491,7 +8580,7 @@
           <p:cNvPr id="7" name="Picture 6">
             <a:extLst>
               <a:ext uri="{FF2B5EF4-FFF2-40B4-BE49-F238E27FC236}">
-                <a16:creationId xmlns="" xmlns:a16="http://schemas.microsoft.com/office/drawing/2014/main" id="{9D902986-D72D-4A40-96D6-9D4865D81EF6}"/>
+                <a16:creationId xmlns:a16="http://schemas.microsoft.com/office/drawing/2014/main" id="{9D902986-D72D-4A40-96D6-9D4865D81EF6}"/>
               </a:ext>
             </a:extLst>
           </p:cNvPr>
@@ -8521,7 +8610,7 @@
           <p:cNvPr id="15" name="Picture 14">
             <a:extLst>
               <a:ext uri="{FF2B5EF4-FFF2-40B4-BE49-F238E27FC236}">
-                <a16:creationId xmlns="" xmlns:a16="http://schemas.microsoft.com/office/drawing/2014/main" id="{54A63BF6-623A-6643-9318-2EFE9F8F3A25}"/>
+                <a16:creationId xmlns:a16="http://schemas.microsoft.com/office/drawing/2014/main" id="{54A63BF6-623A-6643-9318-2EFE9F8F3A25}"/>
               </a:ext>
             </a:extLst>
           </p:cNvPr>
@@ -8551,7 +8640,7 @@
           <p:cNvPr id="18" name="Picture 17">
             <a:extLst>
               <a:ext uri="{FF2B5EF4-FFF2-40B4-BE49-F238E27FC236}">
-                <a16:creationId xmlns="" xmlns:a16="http://schemas.microsoft.com/office/drawing/2014/main" id="{EBE8713E-872F-9043-847D-25A5C3502303}"/>
+                <a16:creationId xmlns:a16="http://schemas.microsoft.com/office/drawing/2014/main" id="{EBE8713E-872F-9043-847D-25A5C3502303}"/>
               </a:ext>
             </a:extLst>
           </p:cNvPr>
@@ -8581,7 +8670,7 @@
           <p:cNvPr id="28" name="TextBox 27">
             <a:extLst>
               <a:ext uri="{FF2B5EF4-FFF2-40B4-BE49-F238E27FC236}">
-                <a16:creationId xmlns="" xmlns:a16="http://schemas.microsoft.com/office/drawing/2014/main" id="{E60E4A74-F763-4A49-A7C2-1D19F7CE1EFE}"/>
+                <a16:creationId xmlns:a16="http://schemas.microsoft.com/office/drawing/2014/main" id="{E60E4A74-F763-4A49-A7C2-1D19F7CE1EFE}"/>
               </a:ext>
             </a:extLst>
           </p:cNvPr>
@@ -8622,7 +8711,7 @@
           <p:cNvPr id="22" name="Picture 21">
             <a:extLst>
               <a:ext uri="{FF2B5EF4-FFF2-40B4-BE49-F238E27FC236}">
-                <a16:creationId xmlns="" xmlns:a16="http://schemas.microsoft.com/office/drawing/2014/main" id="{9EE49023-0134-4D4F-9A81-1E617F12C5E1}"/>
+                <a16:creationId xmlns:a16="http://schemas.microsoft.com/office/drawing/2014/main" id="{9EE49023-0134-4D4F-9A81-1E617F12C5E1}"/>
               </a:ext>
             </a:extLst>
           </p:cNvPr>
@@ -8982,7 +9071,7 @@
           <p:cNvPr id="2" name="Title 1">
             <a:extLst>
               <a:ext uri="{FF2B5EF4-FFF2-40B4-BE49-F238E27FC236}">
-                <a16:creationId xmlns="" xmlns:a16="http://schemas.microsoft.com/office/drawing/2014/main" id="{BD8484DF-AF5E-7D4E-B4A8-55973F83F143}"/>
+                <a16:creationId xmlns:a16="http://schemas.microsoft.com/office/drawing/2014/main" id="{BD8484DF-AF5E-7D4E-B4A8-55973F83F143}"/>
               </a:ext>
             </a:extLst>
           </p:cNvPr>
@@ -9035,7 +9124,7 @@
           <p:cNvPr id="8" name="Content Placeholder 7">
             <a:extLst>
               <a:ext uri="{FF2B5EF4-FFF2-40B4-BE49-F238E27FC236}">
-                <a16:creationId xmlns="" xmlns:a16="http://schemas.microsoft.com/office/drawing/2014/main" id="{0BCC2965-20B2-2A4E-883E-F7EC1F8E6529}"/>
+                <a16:creationId xmlns:a16="http://schemas.microsoft.com/office/drawing/2014/main" id="{0BCC2965-20B2-2A4E-883E-F7EC1F8E6529}"/>
               </a:ext>
             </a:extLst>
           </p:cNvPr>
@@ -9060,7 +9149,7 @@
           <p:cNvPr id="9" name="Content Placeholder 8">
             <a:extLst>
               <a:ext uri="{FF2B5EF4-FFF2-40B4-BE49-F238E27FC236}">
-                <a16:creationId xmlns="" xmlns:a16="http://schemas.microsoft.com/office/drawing/2014/main" id="{943F9A52-7CB6-6E47-BBC1-20F34191ACE2}"/>
+                <a16:creationId xmlns:a16="http://schemas.microsoft.com/office/drawing/2014/main" id="{943F9A52-7CB6-6E47-BBC1-20F34191ACE2}"/>
               </a:ext>
             </a:extLst>
           </p:cNvPr>
@@ -9085,7 +9174,7 @@
           <p:cNvPr id="10" name="Picture 9">
             <a:extLst>
               <a:ext uri="{FF2B5EF4-FFF2-40B4-BE49-F238E27FC236}">
-                <a16:creationId xmlns="" xmlns:a16="http://schemas.microsoft.com/office/drawing/2014/main" id="{373CEA3D-347A-2B4E-A1C8-F0E10259FD93}"/>
+                <a16:creationId xmlns:a16="http://schemas.microsoft.com/office/drawing/2014/main" id="{373CEA3D-347A-2B4E-A1C8-F0E10259FD93}"/>
               </a:ext>
             </a:extLst>
           </p:cNvPr>
@@ -9115,7 +9204,7 @@
           <p:cNvPr id="11" name="Picture 10">
             <a:extLst>
               <a:ext uri="{FF2B5EF4-FFF2-40B4-BE49-F238E27FC236}">
-                <a16:creationId xmlns="" xmlns:a16="http://schemas.microsoft.com/office/drawing/2014/main" id="{6EB0892F-A4D0-2148-A426-BAF9430C1ADD}"/>
+                <a16:creationId xmlns:a16="http://schemas.microsoft.com/office/drawing/2014/main" id="{6EB0892F-A4D0-2148-A426-BAF9430C1ADD}"/>
               </a:ext>
             </a:extLst>
           </p:cNvPr>
@@ -9145,7 +9234,7 @@
           <p:cNvPr id="12" name="TextBox 11">
             <a:extLst>
               <a:ext uri="{FF2B5EF4-FFF2-40B4-BE49-F238E27FC236}">
-                <a16:creationId xmlns="" xmlns:a16="http://schemas.microsoft.com/office/drawing/2014/main" id="{3DFAFE7E-337A-8344-9471-36428B84AE02}"/>
+                <a16:creationId xmlns:a16="http://schemas.microsoft.com/office/drawing/2014/main" id="{3DFAFE7E-337A-8344-9471-36428B84AE02}"/>
               </a:ext>
             </a:extLst>
           </p:cNvPr>
@@ -9181,7 +9270,7 @@
           <p:cNvPr id="13" name="TextBox 12">
             <a:extLst>
               <a:ext uri="{FF2B5EF4-FFF2-40B4-BE49-F238E27FC236}">
-                <a16:creationId xmlns="" xmlns:a16="http://schemas.microsoft.com/office/drawing/2014/main" id="{9FF20F12-5F6A-054F-B180-D83FD424AD72}"/>
+                <a16:creationId xmlns:a16="http://schemas.microsoft.com/office/drawing/2014/main" id="{9FF20F12-5F6A-054F-B180-D83FD424AD72}"/>
               </a:ext>
             </a:extLst>
           </p:cNvPr>
@@ -9217,7 +9306,7 @@
           <p:cNvPr id="6" name="Picture 5">
             <a:extLst>
               <a:ext uri="{FF2B5EF4-FFF2-40B4-BE49-F238E27FC236}">
-                <a16:creationId xmlns="" xmlns:a16="http://schemas.microsoft.com/office/drawing/2014/main" id="{8407A589-2888-9644-A670-CA528565B4C1}"/>
+                <a16:creationId xmlns:a16="http://schemas.microsoft.com/office/drawing/2014/main" id="{8407A589-2888-9644-A670-CA528565B4C1}"/>
               </a:ext>
             </a:extLst>
           </p:cNvPr>
@@ -9247,7 +9336,7 @@
           <p:cNvPr id="17" name="Picture 16">
             <a:extLst>
               <a:ext uri="{FF2B5EF4-FFF2-40B4-BE49-F238E27FC236}">
-                <a16:creationId xmlns="" xmlns:a16="http://schemas.microsoft.com/office/drawing/2014/main" id="{CE580D66-3382-0042-A7D9-B958E6987233}"/>
+                <a16:creationId xmlns:a16="http://schemas.microsoft.com/office/drawing/2014/main" id="{CE580D66-3382-0042-A7D9-B958E6987233}"/>
               </a:ext>
             </a:extLst>
           </p:cNvPr>
@@ -9277,7 +9366,7 @@
           <p:cNvPr id="19" name="TextBox 18">
             <a:extLst>
               <a:ext uri="{FF2B5EF4-FFF2-40B4-BE49-F238E27FC236}">
-                <a16:creationId xmlns="" xmlns:a16="http://schemas.microsoft.com/office/drawing/2014/main" id="{DBE784EB-1F86-FE49-BD99-F24E65FC46DA}"/>
+                <a16:creationId xmlns:a16="http://schemas.microsoft.com/office/drawing/2014/main" id="{DBE784EB-1F86-FE49-BD99-F24E65FC46DA}"/>
               </a:ext>
             </a:extLst>
           </p:cNvPr>
@@ -9468,7 +9557,7 @@
           <p:cNvPr id="2" name="Title 1">
             <a:extLst>
               <a:ext uri="{FF2B5EF4-FFF2-40B4-BE49-F238E27FC236}">
-                <a16:creationId xmlns="" xmlns:a16="http://schemas.microsoft.com/office/drawing/2014/main" id="{92E6977A-25CF-AB47-BE7F-E9E00C844984}"/>
+                <a16:creationId xmlns:a16="http://schemas.microsoft.com/office/drawing/2014/main" id="{92E6977A-25CF-AB47-BE7F-E9E00C844984}"/>
               </a:ext>
             </a:extLst>
           </p:cNvPr>
@@ -9515,7 +9604,7 @@
           <p:cNvPr id="3" name="Content Placeholder 2">
             <a:extLst>
               <a:ext uri="{FF2B5EF4-FFF2-40B4-BE49-F238E27FC236}">
-                <a16:creationId xmlns="" xmlns:a16="http://schemas.microsoft.com/office/drawing/2014/main" id="{8E467AE9-7D34-C44A-AEAF-DDECA967CC4A}"/>
+                <a16:creationId xmlns:a16="http://schemas.microsoft.com/office/drawing/2014/main" id="{8E467AE9-7D34-C44A-AEAF-DDECA967CC4A}"/>
               </a:ext>
             </a:extLst>
           </p:cNvPr>
@@ -9574,7 +9663,7 @@
           <p:cNvPr id="4" name="Content Placeholder 3">
             <a:extLst>
               <a:ext uri="{FF2B5EF4-FFF2-40B4-BE49-F238E27FC236}">
-                <a16:creationId xmlns="" xmlns:a16="http://schemas.microsoft.com/office/drawing/2014/main" id="{17A49B67-3332-B649-A987-E3487744CCAC}"/>
+                <a16:creationId xmlns:a16="http://schemas.microsoft.com/office/drawing/2014/main" id="{17A49B67-3332-B649-A987-E3487744CCAC}"/>
               </a:ext>
             </a:extLst>
           </p:cNvPr>
@@ -9637,7 +9726,7 @@
           <p:cNvPr id="14" name="TextBox 13">
             <a:extLst>
               <a:ext uri="{FF2B5EF4-FFF2-40B4-BE49-F238E27FC236}">
-                <a16:creationId xmlns="" xmlns:a16="http://schemas.microsoft.com/office/drawing/2014/main" id="{3B4332A9-BF7C-034C-BD43-BBADA433A43E}"/>
+                <a16:creationId xmlns:a16="http://schemas.microsoft.com/office/drawing/2014/main" id="{3B4332A9-BF7C-034C-BD43-BBADA433A43E}"/>
               </a:ext>
             </a:extLst>
           </p:cNvPr>
@@ -9680,7 +9769,7 @@
           <p:cNvPr id="23" name="Picture 22">
             <a:extLst>
               <a:ext uri="{FF2B5EF4-FFF2-40B4-BE49-F238E27FC236}">
-                <a16:creationId xmlns="" xmlns:a16="http://schemas.microsoft.com/office/drawing/2014/main" id="{B88A24BE-74AB-2D4F-9630-EAD3F037AE6C}"/>
+                <a16:creationId xmlns:a16="http://schemas.microsoft.com/office/drawing/2014/main" id="{B88A24BE-74AB-2D4F-9630-EAD3F037AE6C}"/>
               </a:ext>
             </a:extLst>
           </p:cNvPr>
@@ -9715,13 +9804,6 @@
   <p:clrMapOvr>
     <a:masterClrMapping/>
   </p:clrMapOvr>
-  <p:timing>
-    <p:tnLst>
-      <p:par>
-        <p:cTn id="1" dur="indefinite" restart="never" nodeType="tmRoot"/>
-      </p:par>
-    </p:tnLst>
-  </p:timing>
 </p:sld>
 </file>
 
@@ -9747,7 +9829,7 @@
           <p:cNvPr id="2" name="Title 1">
             <a:extLst>
               <a:ext uri="{FF2B5EF4-FFF2-40B4-BE49-F238E27FC236}">
-                <a16:creationId xmlns="" xmlns:a16="http://schemas.microsoft.com/office/drawing/2014/main" id="{DC218C06-BC27-604A-B80A-C3CF2565C81A}"/>
+                <a16:creationId xmlns:a16="http://schemas.microsoft.com/office/drawing/2014/main" id="{DC218C06-BC27-604A-B80A-C3CF2565C81A}"/>
               </a:ext>
             </a:extLst>
           </p:cNvPr>
@@ -9775,7 +9857,7 @@
           <p:cNvPr id="3" name="Content Placeholder 2">
             <a:extLst>
               <a:ext uri="{FF2B5EF4-FFF2-40B4-BE49-F238E27FC236}">
-                <a16:creationId xmlns="" xmlns:a16="http://schemas.microsoft.com/office/drawing/2014/main" id="{C9979BE2-B5D2-C449-B0AA-573C8A520400}"/>
+                <a16:creationId xmlns:a16="http://schemas.microsoft.com/office/drawing/2014/main" id="{C9979BE2-B5D2-C449-B0AA-573C8A520400}"/>
               </a:ext>
             </a:extLst>
           </p:cNvPr>
@@ -9951,7 +10033,7 @@
               <a:rPr lang="sk-SK" dirty="0"/>
               <a:t> </a:t>
             </a:r>
-            <a:endParaRPr lang="en-US" dirty="0" smtClean="0"/>
+            <a:endParaRPr lang="en-US" dirty="0"/>
           </a:p>
           <a:p>
             <a:pPr lvl="1"/>
@@ -9988,7 +10070,7 @@
           <a:p>
             <a:pPr lvl="1"/>
             <a:r>
-              <a:rPr lang="en-US" dirty="0" smtClean="0"/>
+              <a:rPr lang="en-US" dirty="0"/>
               <a:t>……</a:t>
             </a:r>
             <a:endParaRPr lang="sk-SK" dirty="0"/>
@@ -10028,10 +10110,9 @@
           <a:p>
             <a:pPr lvl="1"/>
             <a:r>
-              <a:rPr lang="sk-SK" dirty="0" smtClean="0"/>
+              <a:rPr lang="sk-SK" dirty="0"/>
               <a:t>...</a:t>
             </a:r>
-            <a:endParaRPr lang="sk-SK" dirty="0"/>
           </a:p>
           <a:p>
             <a:endParaRPr lang="sk-SK" dirty="0"/>
@@ -10043,7 +10124,7 @@
           <p:cNvPr id="4" name="Content Placeholder 3">
             <a:extLst>
               <a:ext uri="{FF2B5EF4-FFF2-40B4-BE49-F238E27FC236}">
-                <a16:creationId xmlns="" xmlns:a16="http://schemas.microsoft.com/office/drawing/2014/main" id="{C4567202-1544-0F44-AF04-28148CCF2552}"/>
+                <a16:creationId xmlns:a16="http://schemas.microsoft.com/office/drawing/2014/main" id="{C4567202-1544-0F44-AF04-28148CCF2552}"/>
               </a:ext>
             </a:extLst>
           </p:cNvPr>
@@ -10382,13 +10463,6 @@
   <p:clrMapOvr>
     <a:masterClrMapping/>
   </p:clrMapOvr>
-  <p:timing>
-    <p:tnLst>
-      <p:par>
-        <p:cTn id="1" dur="indefinite" restart="never" nodeType="tmRoot"/>
-      </p:par>
-    </p:tnLst>
-  </p:timing>
 </p:sld>
 </file>
 
@@ -10414,7 +10488,7 @@
           <p:cNvPr id="2" name="Title 1">
             <a:extLst>
               <a:ext uri="{FF2B5EF4-FFF2-40B4-BE49-F238E27FC236}">
-                <a16:creationId xmlns="" xmlns:a16="http://schemas.microsoft.com/office/drawing/2014/main" id="{DC218C06-BC27-604A-B80A-C3CF2565C81A}"/>
+                <a16:creationId xmlns:a16="http://schemas.microsoft.com/office/drawing/2014/main" id="{DC218C06-BC27-604A-B80A-C3CF2565C81A}"/>
               </a:ext>
             </a:extLst>
           </p:cNvPr>
@@ -10442,7 +10516,7 @@
           <p:cNvPr id="3" name="Content Placeholder 2">
             <a:extLst>
               <a:ext uri="{FF2B5EF4-FFF2-40B4-BE49-F238E27FC236}">
-                <a16:creationId xmlns="" xmlns:a16="http://schemas.microsoft.com/office/drawing/2014/main" id="{C9979BE2-B5D2-C449-B0AA-573C8A520400}"/>
+                <a16:creationId xmlns:a16="http://schemas.microsoft.com/office/drawing/2014/main" id="{C9979BE2-B5D2-C449-B0AA-573C8A520400}"/>
               </a:ext>
             </a:extLst>
           </p:cNvPr>
@@ -10527,7 +10601,7 @@
           <p:cNvPr id="4" name="Content Placeholder 3">
             <a:extLst>
               <a:ext uri="{FF2B5EF4-FFF2-40B4-BE49-F238E27FC236}">
-                <a16:creationId xmlns="" xmlns:a16="http://schemas.microsoft.com/office/drawing/2014/main" id="{C4567202-1544-0F44-AF04-28148CCF2552}"/>
+                <a16:creationId xmlns:a16="http://schemas.microsoft.com/office/drawing/2014/main" id="{C4567202-1544-0F44-AF04-28148CCF2552}"/>
               </a:ext>
             </a:extLst>
           </p:cNvPr>
@@ -10680,13 +10754,6 @@
   <p:clrMapOvr>
     <a:masterClrMapping/>
   </p:clrMapOvr>
-  <p:timing>
-    <p:tnLst>
-      <p:par>
-        <p:cTn id="1" dur="indefinite" restart="never" nodeType="tmRoot"/>
-      </p:par>
-    </p:tnLst>
-  </p:timing>
 </p:sld>
 </file>
 
@@ -10712,7 +10779,7 @@
           <p:cNvPr id="2" name="Title 1">
             <a:extLst>
               <a:ext uri="{FF2B5EF4-FFF2-40B4-BE49-F238E27FC236}">
-                <a16:creationId xmlns="" xmlns:a16="http://schemas.microsoft.com/office/drawing/2014/main" id="{96F6D499-7735-A947-889C-D8A33C14D356}"/>
+                <a16:creationId xmlns:a16="http://schemas.microsoft.com/office/drawing/2014/main" id="{96F6D499-7735-A947-889C-D8A33C14D356}"/>
               </a:ext>
             </a:extLst>
           </p:cNvPr>
@@ -10748,7 +10815,7 @@
           <p:cNvPr id="3" name="Content Placeholder 2">
             <a:extLst>
               <a:ext uri="{FF2B5EF4-FFF2-40B4-BE49-F238E27FC236}">
-                <a16:creationId xmlns="" xmlns:a16="http://schemas.microsoft.com/office/drawing/2014/main" id="{75238431-F58F-3D4F-BC3D-299E452B32A6}"/>
+                <a16:creationId xmlns:a16="http://schemas.microsoft.com/office/drawing/2014/main" id="{75238431-F58F-3D4F-BC3D-299E452B32A6}"/>
               </a:ext>
             </a:extLst>
           </p:cNvPr>
@@ -10908,15 +10975,15 @@
               <a:t> </a:t>
             </a:r>
             <a:r>
-              <a:rPr lang="en-US" i="1" dirty="0" smtClean="0"/>
+              <a:rPr lang="en-US" i="1" dirty="0"/>
               <a:t>“</a:t>
             </a:r>
             <a:r>
-              <a:rPr lang="sk-SK" i="1" dirty="0" err="1" smtClean="0"/>
+              <a:rPr lang="sk-SK" i="1" dirty="0" err="1"/>
               <a:t>does</a:t>
             </a:r>
             <a:r>
-              <a:rPr lang="sk-SK" i="1" dirty="0" smtClean="0"/>
+              <a:rPr lang="sk-SK" i="1" dirty="0"/>
               <a:t> </a:t>
             </a:r>
             <a:r>
@@ -10928,15 +10995,15 @@
               <a:t> </a:t>
             </a:r>
             <a:r>
-              <a:rPr lang="sk-SK" i="1" dirty="0" err="1" smtClean="0"/>
+              <a:rPr lang="sk-SK" i="1" dirty="0" err="1"/>
               <a:t>work</a:t>
             </a:r>
             <a:r>
-              <a:rPr lang="en-US" i="1" dirty="0" smtClean="0"/>
+              <a:rPr lang="en-US" i="1" dirty="0"/>
               <a:t>”</a:t>
             </a:r>
             <a:r>
-              <a:rPr lang="sk-SK" i="1" dirty="0" smtClean="0"/>
+              <a:rPr lang="sk-SK" i="1" dirty="0"/>
               <a:t> </a:t>
             </a:r>
             <a:r>
@@ -10948,51 +11015,51 @@
               <a:t> </a:t>
             </a:r>
             <a:r>
-              <a:rPr lang="sk-SK" i="1" dirty="0" err="1" smtClean="0"/>
+              <a:rPr lang="sk-SK" i="1" dirty="0" err="1"/>
               <a:t>methods</a:t>
             </a:r>
             <a:r>
-              <a:rPr lang="en-US" i="1" dirty="0" smtClean="0"/>
+              <a:rPr lang="en-US" i="1" dirty="0"/>
               <a:t> (</a:t>
             </a:r>
             <a:r>
-              <a:rPr lang="en-US" i="1" dirty="0" err="1" smtClean="0"/>
+              <a:rPr lang="en-US" i="1" dirty="0" err="1"/>
               <a:t>nema</a:t>
             </a:r>
             <a:r>
-              <a:rPr lang="en-US" i="1" dirty="0" smtClean="0"/>
-              <a:t> </a:t>
-            </a:r>
-            <a:r>
-              <a:rPr lang="en-US" i="1" dirty="0" err="1" smtClean="0"/>
+              <a:rPr lang="en-US" i="1" dirty="0"/>
+              <a:t> </a:t>
+            </a:r>
+            <a:r>
+              <a:rPr lang="en-US" i="1" dirty="0" err="1"/>
               <a:t>velmi</a:t>
             </a:r>
             <a:r>
-              <a:rPr lang="en-US" i="1" dirty="0" smtClean="0"/>
-              <a:t> </a:t>
-            </a:r>
-            <a:r>
-              <a:rPr lang="en-US" i="1" dirty="0" err="1" smtClean="0"/>
+              <a:rPr lang="en-US" i="1" dirty="0"/>
+              <a:t> </a:t>
+            </a:r>
+            <a:r>
+              <a:rPr lang="en-US" i="1" dirty="0" err="1"/>
               <a:t>zmysel</a:t>
             </a:r>
             <a:r>
-              <a:rPr lang="en-US" i="1" dirty="0" smtClean="0"/>
+              <a:rPr lang="en-US" i="1" dirty="0"/>
               <a:t>, </a:t>
             </a:r>
             <a:r>
-              <a:rPr lang="en-US" i="1" dirty="0" err="1" smtClean="0"/>
+              <a:rPr lang="en-US" i="1" dirty="0" err="1"/>
               <a:t>kedze</a:t>
             </a:r>
             <a:r>
-              <a:rPr lang="en-US" i="1" dirty="0" smtClean="0"/>
+              <a:rPr lang="en-US" i="1" dirty="0"/>
               <a:t> je tam </a:t>
             </a:r>
             <a:r>
-              <a:rPr lang="en-US" i="1" dirty="0" err="1" smtClean="0"/>
+              <a:rPr lang="en-US" i="1" dirty="0" err="1"/>
               <a:t>ine</a:t>
             </a:r>
             <a:r>
-              <a:rPr lang="en-US" i="1" dirty="0" smtClean="0"/>
+              <a:rPr lang="en-US" i="1" dirty="0"/>
               <a:t> this)</a:t>
             </a:r>
             <a:endParaRPr lang="sk-SK" i="1" dirty="0"/>
@@ -11175,7 +11242,7 @@
           <p:cNvPr id="4" name="Content Placeholder 3">
             <a:extLst>
               <a:ext uri="{FF2B5EF4-FFF2-40B4-BE49-F238E27FC236}">
-                <a16:creationId xmlns="" xmlns:a16="http://schemas.microsoft.com/office/drawing/2014/main" id="{6D52F77C-B27C-D24B-8AF8-DC71EB45B9F9}"/>
+                <a16:creationId xmlns:a16="http://schemas.microsoft.com/office/drawing/2014/main" id="{6D52F77C-B27C-D24B-8AF8-DC71EB45B9F9}"/>
               </a:ext>
             </a:extLst>
           </p:cNvPr>
@@ -11202,7 +11269,7 @@
           <p:cNvPr id="5" name="Picture 4">
             <a:extLst>
               <a:ext uri="{FF2B5EF4-FFF2-40B4-BE49-F238E27FC236}">
-                <a16:creationId xmlns="" xmlns:a16="http://schemas.microsoft.com/office/drawing/2014/main" id="{2BCE2318-DA32-6844-B4A8-2644F2581A34}"/>
+                <a16:creationId xmlns:a16="http://schemas.microsoft.com/office/drawing/2014/main" id="{2BCE2318-DA32-6844-B4A8-2644F2581A34}"/>
               </a:ext>
             </a:extLst>
           </p:cNvPr>
@@ -11237,13 +11304,6 @@
   <p:clrMapOvr>
     <a:masterClrMapping/>
   </p:clrMapOvr>
-  <p:timing>
-    <p:tnLst>
-      <p:par>
-        <p:cTn id="1" dur="indefinite" restart="never" nodeType="tmRoot"/>
-      </p:par>
-    </p:tnLst>
-  </p:timing>
 </p:sld>
 </file>
 
@@ -11269,7 +11329,7 @@
           <p:cNvPr id="10" name="Picture 9">
             <a:extLst>
               <a:ext uri="{FF2B5EF4-FFF2-40B4-BE49-F238E27FC236}">
-                <a16:creationId xmlns="" xmlns:a16="http://schemas.microsoft.com/office/drawing/2014/main" id="{068527EB-4FBD-6F43-8435-BA7211D337A7}"/>
+                <a16:creationId xmlns:a16="http://schemas.microsoft.com/office/drawing/2014/main" id="{068527EB-4FBD-6F43-8435-BA7211D337A7}"/>
               </a:ext>
             </a:extLst>
           </p:cNvPr>
@@ -11299,7 +11359,7 @@
           <p:cNvPr id="2" name="Title 1">
             <a:extLst>
               <a:ext uri="{FF2B5EF4-FFF2-40B4-BE49-F238E27FC236}">
-                <a16:creationId xmlns="" xmlns:a16="http://schemas.microsoft.com/office/drawing/2014/main" id="{3F0E6DA4-561A-0A4C-8E5F-A8817A22FCC0}"/>
+                <a16:creationId xmlns:a16="http://schemas.microsoft.com/office/drawing/2014/main" id="{3F0E6DA4-561A-0A4C-8E5F-A8817A22FCC0}"/>
               </a:ext>
             </a:extLst>
           </p:cNvPr>
@@ -11327,7 +11387,7 @@
           <p:cNvPr id="4" name="Content Placeholder 3">
             <a:extLst>
               <a:ext uri="{FF2B5EF4-FFF2-40B4-BE49-F238E27FC236}">
-                <a16:creationId xmlns="" xmlns:a16="http://schemas.microsoft.com/office/drawing/2014/main" id="{6280A859-B65A-E045-A1FA-698A78BFAB8B}"/>
+                <a16:creationId xmlns:a16="http://schemas.microsoft.com/office/drawing/2014/main" id="{6280A859-B65A-E045-A1FA-698A78BFAB8B}"/>
               </a:ext>
             </a:extLst>
           </p:cNvPr>
@@ -11359,7 +11419,7 @@
           <p:cNvPr id="8" name="TextBox 7">
             <a:extLst>
               <a:ext uri="{FF2B5EF4-FFF2-40B4-BE49-F238E27FC236}">
-                <a16:creationId xmlns="" xmlns:a16="http://schemas.microsoft.com/office/drawing/2014/main" id="{91223DAF-2F6E-4644-8204-959FBFAB38DE}"/>
+                <a16:creationId xmlns:a16="http://schemas.microsoft.com/office/drawing/2014/main" id="{91223DAF-2F6E-4644-8204-959FBFAB38DE}"/>
               </a:ext>
             </a:extLst>
           </p:cNvPr>
@@ -11398,7 +11458,7 @@
           <p:cNvPr id="11" name="Straight Arrow Connector 10">
             <a:extLst>
               <a:ext uri="{FF2B5EF4-FFF2-40B4-BE49-F238E27FC236}">
-                <a16:creationId xmlns="" xmlns:a16="http://schemas.microsoft.com/office/drawing/2014/main" id="{E4A5A82B-EAE5-8845-B587-AD10095A9FDC}"/>
+                <a16:creationId xmlns:a16="http://schemas.microsoft.com/office/drawing/2014/main" id="{E4A5A82B-EAE5-8845-B587-AD10095A9FDC}"/>
               </a:ext>
             </a:extLst>
           </p:cNvPr>
@@ -11443,7 +11503,7 @@
           <p:cNvPr id="19" name="TextBox 18">
             <a:extLst>
               <a:ext uri="{FF2B5EF4-FFF2-40B4-BE49-F238E27FC236}">
-                <a16:creationId xmlns="" xmlns:a16="http://schemas.microsoft.com/office/drawing/2014/main" id="{14F21CC8-00F9-A940-A086-51844327ED44}"/>
+                <a16:creationId xmlns:a16="http://schemas.microsoft.com/office/drawing/2014/main" id="{14F21CC8-00F9-A940-A086-51844327ED44}"/>
               </a:ext>
             </a:extLst>
           </p:cNvPr>
@@ -11482,7 +11542,7 @@
           <p:cNvPr id="20" name="Straight Arrow Connector 19">
             <a:extLst>
               <a:ext uri="{FF2B5EF4-FFF2-40B4-BE49-F238E27FC236}">
-                <a16:creationId xmlns="" xmlns:a16="http://schemas.microsoft.com/office/drawing/2014/main" id="{B53445DD-3ABA-864D-AEF2-914A42023C0E}"/>
+                <a16:creationId xmlns:a16="http://schemas.microsoft.com/office/drawing/2014/main" id="{B53445DD-3ABA-864D-AEF2-914A42023C0E}"/>
               </a:ext>
             </a:extLst>
           </p:cNvPr>
@@ -11527,7 +11587,7 @@
           <p:cNvPr id="21" name="TextBox 20">
             <a:extLst>
               <a:ext uri="{FF2B5EF4-FFF2-40B4-BE49-F238E27FC236}">
-                <a16:creationId xmlns="" xmlns:a16="http://schemas.microsoft.com/office/drawing/2014/main" id="{3C0EB48D-199F-184B-A1E9-EA9C4BD07D9C}"/>
+                <a16:creationId xmlns:a16="http://schemas.microsoft.com/office/drawing/2014/main" id="{3C0EB48D-199F-184B-A1E9-EA9C4BD07D9C}"/>
               </a:ext>
             </a:extLst>
           </p:cNvPr>
@@ -11566,7 +11626,7 @@
           <p:cNvPr id="22" name="Straight Arrow Connector 21">
             <a:extLst>
               <a:ext uri="{FF2B5EF4-FFF2-40B4-BE49-F238E27FC236}">
-                <a16:creationId xmlns="" xmlns:a16="http://schemas.microsoft.com/office/drawing/2014/main" id="{705E1A05-3F98-1F46-8B33-F039C0BF9325}"/>
+                <a16:creationId xmlns:a16="http://schemas.microsoft.com/office/drawing/2014/main" id="{705E1A05-3F98-1F46-8B33-F039C0BF9325}"/>
               </a:ext>
             </a:extLst>
           </p:cNvPr>
@@ -11611,7 +11671,7 @@
           <p:cNvPr id="26" name="Straight Arrow Connector 25">
             <a:extLst>
               <a:ext uri="{FF2B5EF4-FFF2-40B4-BE49-F238E27FC236}">
-                <a16:creationId xmlns="" xmlns:a16="http://schemas.microsoft.com/office/drawing/2014/main" id="{82A5DCFC-BB0A-964F-A284-CD10CF819684}"/>
+                <a16:creationId xmlns:a16="http://schemas.microsoft.com/office/drawing/2014/main" id="{82A5DCFC-BB0A-964F-A284-CD10CF819684}"/>
               </a:ext>
             </a:extLst>
           </p:cNvPr>
@@ -11655,7 +11715,7 @@
           <p:cNvPr id="28" name="TextBox 27">
             <a:extLst>
               <a:ext uri="{FF2B5EF4-FFF2-40B4-BE49-F238E27FC236}">
-                <a16:creationId xmlns="" xmlns:a16="http://schemas.microsoft.com/office/drawing/2014/main" id="{035E52F5-EDE8-7A48-9E18-1C86B714FC05}"/>
+                <a16:creationId xmlns:a16="http://schemas.microsoft.com/office/drawing/2014/main" id="{035E52F5-EDE8-7A48-9E18-1C86B714FC05}"/>
               </a:ext>
             </a:extLst>
           </p:cNvPr>
@@ -11694,7 +11754,7 @@
           <p:cNvPr id="31" name="Straight Arrow Connector 30">
             <a:extLst>
               <a:ext uri="{FF2B5EF4-FFF2-40B4-BE49-F238E27FC236}">
-                <a16:creationId xmlns="" xmlns:a16="http://schemas.microsoft.com/office/drawing/2014/main" id="{7D2F0419-1DFC-7348-9559-DD32AA32311B}"/>
+                <a16:creationId xmlns:a16="http://schemas.microsoft.com/office/drawing/2014/main" id="{7D2F0419-1DFC-7348-9559-DD32AA32311B}"/>
               </a:ext>
             </a:extLst>
           </p:cNvPr>
@@ -11738,7 +11798,7 @@
           <p:cNvPr id="32" name="TextBox 31">
             <a:extLst>
               <a:ext uri="{FF2B5EF4-FFF2-40B4-BE49-F238E27FC236}">
-                <a16:creationId xmlns="" xmlns:a16="http://schemas.microsoft.com/office/drawing/2014/main" id="{7D6EEBC6-8B86-D84C-A481-3E967EFB2A1E}"/>
+                <a16:creationId xmlns:a16="http://schemas.microsoft.com/office/drawing/2014/main" id="{7D6EEBC6-8B86-D84C-A481-3E967EFB2A1E}"/>
               </a:ext>
             </a:extLst>
           </p:cNvPr>
@@ -11777,7 +11837,7 @@
           <p:cNvPr id="33" name="Straight Arrow Connector 32">
             <a:extLst>
               <a:ext uri="{FF2B5EF4-FFF2-40B4-BE49-F238E27FC236}">
-                <a16:creationId xmlns="" xmlns:a16="http://schemas.microsoft.com/office/drawing/2014/main" id="{A6438E2B-689C-8E49-A2C3-B7B37BE9F981}"/>
+                <a16:creationId xmlns:a16="http://schemas.microsoft.com/office/drawing/2014/main" id="{A6438E2B-689C-8E49-A2C3-B7B37BE9F981}"/>
               </a:ext>
             </a:extLst>
           </p:cNvPr>
@@ -11821,7 +11881,7 @@
           <p:cNvPr id="34" name="TextBox 33">
             <a:extLst>
               <a:ext uri="{FF2B5EF4-FFF2-40B4-BE49-F238E27FC236}">
-                <a16:creationId xmlns="" xmlns:a16="http://schemas.microsoft.com/office/drawing/2014/main" id="{D5ED7725-F48F-2840-B192-868C0403D181}"/>
+                <a16:creationId xmlns:a16="http://schemas.microsoft.com/office/drawing/2014/main" id="{D5ED7725-F48F-2840-B192-868C0403D181}"/>
               </a:ext>
             </a:extLst>
           </p:cNvPr>
@@ -11860,7 +11920,7 @@
           <p:cNvPr id="35" name="Straight Arrow Connector 34">
             <a:extLst>
               <a:ext uri="{FF2B5EF4-FFF2-40B4-BE49-F238E27FC236}">
-                <a16:creationId xmlns="" xmlns:a16="http://schemas.microsoft.com/office/drawing/2014/main" id="{A6E6863B-8860-E94F-834A-CF8181F06F4D}"/>
+                <a16:creationId xmlns:a16="http://schemas.microsoft.com/office/drawing/2014/main" id="{A6E6863B-8860-E94F-834A-CF8181F06F4D}"/>
               </a:ext>
             </a:extLst>
           </p:cNvPr>
@@ -11904,7 +11964,7 @@
           <p:cNvPr id="36" name="TextBox 35">
             <a:extLst>
               <a:ext uri="{FF2B5EF4-FFF2-40B4-BE49-F238E27FC236}">
-                <a16:creationId xmlns="" xmlns:a16="http://schemas.microsoft.com/office/drawing/2014/main" id="{9D1648CA-4ABE-CF43-932F-C6FAD5A4A9D9}"/>
+                <a16:creationId xmlns:a16="http://schemas.microsoft.com/office/drawing/2014/main" id="{9D1648CA-4ABE-CF43-932F-C6FAD5A4A9D9}"/>
               </a:ext>
             </a:extLst>
           </p:cNvPr>
@@ -11959,7 +12019,7 @@
           <p:cNvPr id="72" name="TextBox 71">
             <a:extLst>
               <a:ext uri="{FF2B5EF4-FFF2-40B4-BE49-F238E27FC236}">
-                <a16:creationId xmlns="" xmlns:a16="http://schemas.microsoft.com/office/drawing/2014/main" id="{6DF41311-B373-5B47-82F8-220B235A010D}"/>
+                <a16:creationId xmlns:a16="http://schemas.microsoft.com/office/drawing/2014/main" id="{6DF41311-B373-5B47-82F8-220B235A010D}"/>
               </a:ext>
             </a:extLst>
           </p:cNvPr>
@@ -11998,7 +12058,7 @@
           <p:cNvPr id="73" name="Straight Arrow Connector 72">
             <a:extLst>
               <a:ext uri="{FF2B5EF4-FFF2-40B4-BE49-F238E27FC236}">
-                <a16:creationId xmlns="" xmlns:a16="http://schemas.microsoft.com/office/drawing/2014/main" id="{AE9E9D83-60EA-274B-A773-274CB96293BF}"/>
+                <a16:creationId xmlns:a16="http://schemas.microsoft.com/office/drawing/2014/main" id="{AE9E9D83-60EA-274B-A773-274CB96293BF}"/>
               </a:ext>
             </a:extLst>
           </p:cNvPr>
@@ -12042,7 +12102,7 @@
           <p:cNvPr id="74" name="TextBox 73">
             <a:extLst>
               <a:ext uri="{FF2B5EF4-FFF2-40B4-BE49-F238E27FC236}">
-                <a16:creationId xmlns="" xmlns:a16="http://schemas.microsoft.com/office/drawing/2014/main" id="{D7C30B8A-A96F-D24D-A33F-5F89E36250C8}"/>
+                <a16:creationId xmlns:a16="http://schemas.microsoft.com/office/drawing/2014/main" id="{D7C30B8A-A96F-D24D-A33F-5F89E36250C8}"/>
               </a:ext>
             </a:extLst>
           </p:cNvPr>
@@ -12081,7 +12141,7 @@
           <p:cNvPr id="75" name="Straight Arrow Connector 74">
             <a:extLst>
               <a:ext uri="{FF2B5EF4-FFF2-40B4-BE49-F238E27FC236}">
-                <a16:creationId xmlns="" xmlns:a16="http://schemas.microsoft.com/office/drawing/2014/main" id="{6A120CEA-958D-EA41-8AA5-B039E220411A}"/>
+                <a16:creationId xmlns:a16="http://schemas.microsoft.com/office/drawing/2014/main" id="{6A120CEA-958D-EA41-8AA5-B039E220411A}"/>
               </a:ext>
             </a:extLst>
           </p:cNvPr>
@@ -12125,7 +12185,7 @@
           <p:cNvPr id="76" name="TextBox 75">
             <a:extLst>
               <a:ext uri="{FF2B5EF4-FFF2-40B4-BE49-F238E27FC236}">
-                <a16:creationId xmlns="" xmlns:a16="http://schemas.microsoft.com/office/drawing/2014/main" id="{F1A094CC-C218-EF4F-A731-516D6811A257}"/>
+                <a16:creationId xmlns:a16="http://schemas.microsoft.com/office/drawing/2014/main" id="{F1A094CC-C218-EF4F-A731-516D6811A257}"/>
               </a:ext>
             </a:extLst>
           </p:cNvPr>
@@ -12164,7 +12224,7 @@
           <p:cNvPr id="77" name="Straight Arrow Connector 76">
             <a:extLst>
               <a:ext uri="{FF2B5EF4-FFF2-40B4-BE49-F238E27FC236}">
-                <a16:creationId xmlns="" xmlns:a16="http://schemas.microsoft.com/office/drawing/2014/main" id="{E0D75191-F6FC-9445-A7D1-9BD1F9BF31BA}"/>
+                <a16:creationId xmlns:a16="http://schemas.microsoft.com/office/drawing/2014/main" id="{E0D75191-F6FC-9445-A7D1-9BD1F9BF31BA}"/>
               </a:ext>
             </a:extLst>
           </p:cNvPr>
@@ -12982,7 +13042,7 @@
           <p:cNvPr id="2" name="Title 1">
             <a:extLst>
               <a:ext uri="{FF2B5EF4-FFF2-40B4-BE49-F238E27FC236}">
-                <a16:creationId xmlns="" xmlns:a16="http://schemas.microsoft.com/office/drawing/2014/main" id="{96F6D499-7735-A947-889C-D8A33C14D356}"/>
+                <a16:creationId xmlns:a16="http://schemas.microsoft.com/office/drawing/2014/main" id="{96F6D499-7735-A947-889C-D8A33C14D356}"/>
               </a:ext>
             </a:extLst>
           </p:cNvPr>
@@ -13018,7 +13078,7 @@
           <p:cNvPr id="3" name="Content Placeholder 2">
             <a:extLst>
               <a:ext uri="{FF2B5EF4-FFF2-40B4-BE49-F238E27FC236}">
-                <a16:creationId xmlns="" xmlns:a16="http://schemas.microsoft.com/office/drawing/2014/main" id="{75238431-F58F-3D4F-BC3D-299E452B32A6}"/>
+                <a16:creationId xmlns:a16="http://schemas.microsoft.com/office/drawing/2014/main" id="{75238431-F58F-3D4F-BC3D-299E452B32A6}"/>
               </a:ext>
             </a:extLst>
           </p:cNvPr>
@@ -13042,11 +13102,11 @@
           <a:lstStyle/>
           <a:p>
             <a:r>
-              <a:rPr lang="sk-SK" dirty="0" err="1" smtClean="0"/>
+              <a:rPr lang="sk-SK" dirty="0" err="1"/>
               <a:t>function</a:t>
             </a:r>
             <a:r>
-              <a:rPr lang="sk-SK" dirty="0" smtClean="0"/>
+              <a:rPr lang="sk-SK" dirty="0"/>
               <a:t> </a:t>
             </a:r>
             <a:r>
@@ -13313,7 +13373,7 @@
           <p:cNvPr id="7" name="Picture 6">
             <a:extLst>
               <a:ext uri="{FF2B5EF4-FFF2-40B4-BE49-F238E27FC236}">
-                <a16:creationId xmlns="" xmlns:a16="http://schemas.microsoft.com/office/drawing/2014/main" id="{3FF55325-D15A-774B-A131-FCBE7D826EEE}"/>
+                <a16:creationId xmlns:a16="http://schemas.microsoft.com/office/drawing/2014/main" id="{3FF55325-D15A-774B-A131-FCBE7D826EEE}"/>
               </a:ext>
             </a:extLst>
           </p:cNvPr>
@@ -13348,13 +13408,6 @@
   <p:clrMapOvr>
     <a:masterClrMapping/>
   </p:clrMapOvr>
-  <p:timing>
-    <p:tnLst>
-      <p:par>
-        <p:cTn id="1" dur="indefinite" restart="never" nodeType="tmRoot"/>
-      </p:par>
-    </p:tnLst>
-  </p:timing>
 </p:sld>
 </file>
 
@@ -13380,7 +13433,7 @@
           <p:cNvPr id="2" name="Title 1">
             <a:extLst>
               <a:ext uri="{FF2B5EF4-FFF2-40B4-BE49-F238E27FC236}">
-                <a16:creationId xmlns="" xmlns:a16="http://schemas.microsoft.com/office/drawing/2014/main" id="{837BBF5E-145A-B249-8BB3-A62948E84584}"/>
+                <a16:creationId xmlns:a16="http://schemas.microsoft.com/office/drawing/2014/main" id="{837BBF5E-145A-B249-8BB3-A62948E84584}"/>
               </a:ext>
             </a:extLst>
           </p:cNvPr>
@@ -13428,7 +13481,7 @@
           <p:cNvPr id="3" name="Content Placeholder 2">
             <a:extLst>
               <a:ext uri="{FF2B5EF4-FFF2-40B4-BE49-F238E27FC236}">
-                <a16:creationId xmlns="" xmlns:a16="http://schemas.microsoft.com/office/drawing/2014/main" id="{48DE407F-54CF-8345-9080-39A0FA36F0E8}"/>
+                <a16:creationId xmlns:a16="http://schemas.microsoft.com/office/drawing/2014/main" id="{48DE407F-54CF-8345-9080-39A0FA36F0E8}"/>
               </a:ext>
             </a:extLst>
           </p:cNvPr>
@@ -13447,11 +13500,11 @@
           <a:lstStyle/>
           <a:p>
             <a:r>
-              <a:rPr lang="sk-SK" dirty="0" err="1" smtClean="0"/>
+              <a:rPr lang="sk-SK" dirty="0" err="1"/>
               <a:t>function</a:t>
             </a:r>
             <a:r>
-              <a:rPr lang="sk-SK" dirty="0" smtClean="0"/>
+              <a:rPr lang="sk-SK" dirty="0"/>
               <a:t> </a:t>
             </a:r>
             <a:r>
@@ -13786,7 +13839,7 @@
           <p:cNvPr id="5" name="Content Placeholder 4">
             <a:extLst>
               <a:ext uri="{FF2B5EF4-FFF2-40B4-BE49-F238E27FC236}">
-                <a16:creationId xmlns="" xmlns:a16="http://schemas.microsoft.com/office/drawing/2014/main" id="{22928B20-A639-BB4D-8C5F-2A8B2EB98750}"/>
+                <a16:creationId xmlns:a16="http://schemas.microsoft.com/office/drawing/2014/main" id="{22928B20-A639-BB4D-8C5F-2A8B2EB98750}"/>
               </a:ext>
             </a:extLst>
           </p:cNvPr>
@@ -13823,13 +13876,6 @@
   <p:clrMapOvr>
     <a:masterClrMapping/>
   </p:clrMapOvr>
-  <p:timing>
-    <p:tnLst>
-      <p:par>
-        <p:cTn id="1" dur="indefinite" restart="never" nodeType="tmRoot"/>
-      </p:par>
-    </p:tnLst>
-  </p:timing>
 </p:sld>
 </file>
 
@@ -13855,7 +13901,7 @@
           <p:cNvPr id="7" name="Picture 6">
             <a:extLst>
               <a:ext uri="{FF2B5EF4-FFF2-40B4-BE49-F238E27FC236}">
-                <a16:creationId xmlns="" xmlns:a16="http://schemas.microsoft.com/office/drawing/2014/main" id="{45F805CA-DA24-8249-B64F-F28664B29360}"/>
+                <a16:creationId xmlns:a16="http://schemas.microsoft.com/office/drawing/2014/main" id="{45F805CA-DA24-8249-B64F-F28664B29360}"/>
               </a:ext>
             </a:extLst>
           </p:cNvPr>
@@ -13885,7 +13931,7 @@
           <p:cNvPr id="2" name="Title 1">
             <a:extLst>
               <a:ext uri="{FF2B5EF4-FFF2-40B4-BE49-F238E27FC236}">
-                <a16:creationId xmlns="" xmlns:a16="http://schemas.microsoft.com/office/drawing/2014/main" id="{A78F1DAC-E77C-8348-AF03-E2BD3656E256}"/>
+                <a16:creationId xmlns:a16="http://schemas.microsoft.com/office/drawing/2014/main" id="{A78F1DAC-E77C-8348-AF03-E2BD3656E256}"/>
               </a:ext>
             </a:extLst>
           </p:cNvPr>
@@ -13917,7 +13963,7 @@
           <p:cNvPr id="3" name="Content Placeholder 2">
             <a:extLst>
               <a:ext uri="{FF2B5EF4-FFF2-40B4-BE49-F238E27FC236}">
-                <a16:creationId xmlns="" xmlns:a16="http://schemas.microsoft.com/office/drawing/2014/main" id="{6238682B-C51A-1A49-949C-88AF43121FE6}"/>
+                <a16:creationId xmlns:a16="http://schemas.microsoft.com/office/drawing/2014/main" id="{6238682B-C51A-1A49-949C-88AF43121FE6}"/>
               </a:ext>
             </a:extLst>
           </p:cNvPr>
@@ -13977,7 +14023,7 @@
           <p:cNvPr id="5" name="Content Placeholder 4">
             <a:extLst>
               <a:ext uri="{FF2B5EF4-FFF2-40B4-BE49-F238E27FC236}">
-                <a16:creationId xmlns="" xmlns:a16="http://schemas.microsoft.com/office/drawing/2014/main" id="{70789499-1A5B-AD4B-94DC-3ABA5EAA5428}"/>
+                <a16:creationId xmlns:a16="http://schemas.microsoft.com/office/drawing/2014/main" id="{70789499-1A5B-AD4B-94DC-3ABA5EAA5428}"/>
               </a:ext>
             </a:extLst>
           </p:cNvPr>
@@ -14009,7 +14055,7 @@
           <p:cNvPr id="6" name="Picture 5">
             <a:extLst>
               <a:ext uri="{FF2B5EF4-FFF2-40B4-BE49-F238E27FC236}">
-                <a16:creationId xmlns="" xmlns:a16="http://schemas.microsoft.com/office/drawing/2014/main" id="{DF7083AD-54BC-B348-9023-670765517151}"/>
+                <a16:creationId xmlns:a16="http://schemas.microsoft.com/office/drawing/2014/main" id="{DF7083AD-54BC-B348-9023-670765517151}"/>
               </a:ext>
             </a:extLst>
           </p:cNvPr>
@@ -14044,13 +14090,6 @@
   <p:clrMapOvr>
     <a:masterClrMapping/>
   </p:clrMapOvr>
-  <p:timing>
-    <p:tnLst>
-      <p:par>
-        <p:cTn id="1" dur="indefinite" restart="never" nodeType="tmRoot"/>
-      </p:par>
-    </p:tnLst>
-  </p:timing>
 </p:sld>
 </file>
 
@@ -14076,7 +14115,7 @@
           <p:cNvPr id="2" name="Title 1">
             <a:extLst>
               <a:ext uri="{FF2B5EF4-FFF2-40B4-BE49-F238E27FC236}">
-                <a16:creationId xmlns="" xmlns:a16="http://schemas.microsoft.com/office/drawing/2014/main" id="{7113004C-16E8-3949-856C-C73574F3741C}"/>
+                <a16:creationId xmlns:a16="http://schemas.microsoft.com/office/drawing/2014/main" id="{7113004C-16E8-3949-856C-C73574F3741C}"/>
               </a:ext>
             </a:extLst>
           </p:cNvPr>
@@ -14104,7 +14143,7 @@
           <p:cNvPr id="3" name="Content Placeholder 2">
             <a:extLst>
               <a:ext uri="{FF2B5EF4-FFF2-40B4-BE49-F238E27FC236}">
-                <a16:creationId xmlns="" xmlns:a16="http://schemas.microsoft.com/office/drawing/2014/main" id="{97B9AA9B-E717-6447-9834-F6FDC80BC7C8}"/>
+                <a16:creationId xmlns:a16="http://schemas.microsoft.com/office/drawing/2014/main" id="{97B9AA9B-E717-6447-9834-F6FDC80BC7C8}"/>
               </a:ext>
             </a:extLst>
           </p:cNvPr>
@@ -14645,7 +14684,7 @@
           <p:cNvPr id="9" name="Picture 8">
             <a:extLst>
               <a:ext uri="{FF2B5EF4-FFF2-40B4-BE49-F238E27FC236}">
-                <a16:creationId xmlns="" xmlns:a16="http://schemas.microsoft.com/office/drawing/2014/main" id="{ECEA63F1-3242-A54A-814E-EE29B0B59C1D}"/>
+                <a16:creationId xmlns:a16="http://schemas.microsoft.com/office/drawing/2014/main" id="{ECEA63F1-3242-A54A-814E-EE29B0B59C1D}"/>
               </a:ext>
             </a:extLst>
           </p:cNvPr>
@@ -14680,13 +14719,6 @@
   <p:clrMapOvr>
     <a:masterClrMapping/>
   </p:clrMapOvr>
-  <p:timing>
-    <p:tnLst>
-      <p:par>
-        <p:cTn id="1" dur="indefinite" restart="never" nodeType="tmRoot"/>
-      </p:par>
-    </p:tnLst>
-  </p:timing>
 </p:sld>
 </file>
 
@@ -14712,7 +14744,7 @@
           <p:cNvPr id="22" name="Picture 21">
             <a:extLst>
               <a:ext uri="{FF2B5EF4-FFF2-40B4-BE49-F238E27FC236}">
-                <a16:creationId xmlns="" xmlns:a16="http://schemas.microsoft.com/office/drawing/2014/main" id="{B77DF994-4389-8B4F-A05C-0ECD4DC2F767}"/>
+                <a16:creationId xmlns:a16="http://schemas.microsoft.com/office/drawing/2014/main" id="{B77DF994-4389-8B4F-A05C-0ECD4DC2F767}"/>
               </a:ext>
             </a:extLst>
           </p:cNvPr>
@@ -14742,7 +14774,7 @@
           <p:cNvPr id="27" name="Picture 26">
             <a:extLst>
               <a:ext uri="{FF2B5EF4-FFF2-40B4-BE49-F238E27FC236}">
-                <a16:creationId xmlns="" xmlns:a16="http://schemas.microsoft.com/office/drawing/2014/main" id="{15E24A38-95F3-2A4E-A422-DF3C653A56C5}"/>
+                <a16:creationId xmlns:a16="http://schemas.microsoft.com/office/drawing/2014/main" id="{15E24A38-95F3-2A4E-A422-DF3C653A56C5}"/>
               </a:ext>
             </a:extLst>
           </p:cNvPr>
@@ -14772,7 +14804,7 @@
           <p:cNvPr id="2" name="Title 1">
             <a:extLst>
               <a:ext uri="{FF2B5EF4-FFF2-40B4-BE49-F238E27FC236}">
-                <a16:creationId xmlns="" xmlns:a16="http://schemas.microsoft.com/office/drawing/2014/main" id="{7113004C-16E8-3949-856C-C73574F3741C}"/>
+                <a16:creationId xmlns:a16="http://schemas.microsoft.com/office/drawing/2014/main" id="{7113004C-16E8-3949-856C-C73574F3741C}"/>
               </a:ext>
             </a:extLst>
           </p:cNvPr>
@@ -14800,7 +14832,7 @@
           <p:cNvPr id="3" name="Content Placeholder 2">
             <a:extLst>
               <a:ext uri="{FF2B5EF4-FFF2-40B4-BE49-F238E27FC236}">
-                <a16:creationId xmlns="" xmlns:a16="http://schemas.microsoft.com/office/drawing/2014/main" id="{97B9AA9B-E717-6447-9834-F6FDC80BC7C8}"/>
+                <a16:creationId xmlns:a16="http://schemas.microsoft.com/office/drawing/2014/main" id="{97B9AA9B-E717-6447-9834-F6FDC80BC7C8}"/>
               </a:ext>
             </a:extLst>
           </p:cNvPr>
@@ -14911,7 +14943,7 @@
           <p:cNvPr id="7" name="TextBox 6">
             <a:extLst>
               <a:ext uri="{FF2B5EF4-FFF2-40B4-BE49-F238E27FC236}">
-                <a16:creationId xmlns="" xmlns:a16="http://schemas.microsoft.com/office/drawing/2014/main" id="{11301EAC-BCFB-A34C-9913-C6F3316BB84B}"/>
+                <a16:creationId xmlns:a16="http://schemas.microsoft.com/office/drawing/2014/main" id="{11301EAC-BCFB-A34C-9913-C6F3316BB84B}"/>
               </a:ext>
             </a:extLst>
           </p:cNvPr>
@@ -14955,7 +14987,7 @@
           <p:cNvPr id="14" name="TextBox 13">
             <a:extLst>
               <a:ext uri="{FF2B5EF4-FFF2-40B4-BE49-F238E27FC236}">
-                <a16:creationId xmlns="" xmlns:a16="http://schemas.microsoft.com/office/drawing/2014/main" id="{FCFDCF15-301E-F041-94A2-332BBA5AFB64}"/>
+                <a16:creationId xmlns:a16="http://schemas.microsoft.com/office/drawing/2014/main" id="{FCFDCF15-301E-F041-94A2-332BBA5AFB64}"/>
               </a:ext>
             </a:extLst>
           </p:cNvPr>
@@ -14999,7 +15031,7 @@
           <p:cNvPr id="15" name="Straight Arrow Connector 14">
             <a:extLst>
               <a:ext uri="{FF2B5EF4-FFF2-40B4-BE49-F238E27FC236}">
-                <a16:creationId xmlns="" xmlns:a16="http://schemas.microsoft.com/office/drawing/2014/main" id="{CD3D5147-A08A-E14C-9D87-5061406DE470}"/>
+                <a16:creationId xmlns:a16="http://schemas.microsoft.com/office/drawing/2014/main" id="{CD3D5147-A08A-E14C-9D87-5061406DE470}"/>
               </a:ext>
             </a:extLst>
           </p:cNvPr>
@@ -15043,7 +15075,7 @@
           <p:cNvPr id="20" name="Straight Arrow Connector 19">
             <a:extLst>
               <a:ext uri="{FF2B5EF4-FFF2-40B4-BE49-F238E27FC236}">
-                <a16:creationId xmlns="" xmlns:a16="http://schemas.microsoft.com/office/drawing/2014/main" id="{A26763D4-251C-504D-BABF-EDC814C94606}"/>
+                <a16:creationId xmlns:a16="http://schemas.microsoft.com/office/drawing/2014/main" id="{A26763D4-251C-504D-BABF-EDC814C94606}"/>
               </a:ext>
             </a:extLst>
           </p:cNvPr>
@@ -15087,7 +15119,7 @@
           <p:cNvPr id="21" name="TextBox 20">
             <a:extLst>
               <a:ext uri="{FF2B5EF4-FFF2-40B4-BE49-F238E27FC236}">
-                <a16:creationId xmlns="" xmlns:a16="http://schemas.microsoft.com/office/drawing/2014/main" id="{14778809-211E-BE45-A04B-54378F2193AD}"/>
+                <a16:creationId xmlns:a16="http://schemas.microsoft.com/office/drawing/2014/main" id="{14778809-211E-BE45-A04B-54378F2193AD}"/>
               </a:ext>
             </a:extLst>
           </p:cNvPr>
@@ -15131,7 +15163,7 @@
           <p:cNvPr id="24" name="Picture 23">
             <a:extLst>
               <a:ext uri="{FF2B5EF4-FFF2-40B4-BE49-F238E27FC236}">
-                <a16:creationId xmlns="" xmlns:a16="http://schemas.microsoft.com/office/drawing/2014/main" id="{E575FD99-622D-8D4D-894A-9672E01CD592}"/>
+                <a16:creationId xmlns:a16="http://schemas.microsoft.com/office/drawing/2014/main" id="{E575FD99-622D-8D4D-894A-9672E01CD592}"/>
               </a:ext>
             </a:extLst>
           </p:cNvPr>
@@ -15161,7 +15193,7 @@
           <p:cNvPr id="25" name="TextBox 24">
             <a:extLst>
               <a:ext uri="{FF2B5EF4-FFF2-40B4-BE49-F238E27FC236}">
-                <a16:creationId xmlns="" xmlns:a16="http://schemas.microsoft.com/office/drawing/2014/main" id="{F59A9AD8-DFC6-B742-BC22-C0D2DCD2D894}"/>
+                <a16:creationId xmlns:a16="http://schemas.microsoft.com/office/drawing/2014/main" id="{F59A9AD8-DFC6-B742-BC22-C0D2DCD2D894}"/>
               </a:ext>
             </a:extLst>
           </p:cNvPr>
@@ -15205,7 +15237,7 @@
           <p:cNvPr id="26" name="Straight Arrow Connector 25">
             <a:extLst>
               <a:ext uri="{FF2B5EF4-FFF2-40B4-BE49-F238E27FC236}">
-                <a16:creationId xmlns="" xmlns:a16="http://schemas.microsoft.com/office/drawing/2014/main" id="{2400EC7F-A937-854E-97E0-636C9E5FA2A3}"/>
+                <a16:creationId xmlns:a16="http://schemas.microsoft.com/office/drawing/2014/main" id="{2400EC7F-A937-854E-97E0-636C9E5FA2A3}"/>
               </a:ext>
             </a:extLst>
           </p:cNvPr>
@@ -15249,7 +15281,7 @@
           <p:cNvPr id="29" name="Straight Connector 28">
             <a:extLst>
               <a:ext uri="{FF2B5EF4-FFF2-40B4-BE49-F238E27FC236}">
-                <a16:creationId xmlns="" xmlns:a16="http://schemas.microsoft.com/office/drawing/2014/main" id="{12CFC6DA-0356-C642-90C7-299E93910547}"/>
+                <a16:creationId xmlns:a16="http://schemas.microsoft.com/office/drawing/2014/main" id="{12CFC6DA-0356-C642-90C7-299E93910547}"/>
               </a:ext>
             </a:extLst>
           </p:cNvPr>
@@ -15309,16 +15341,12 @@
           <a:lstStyle/>
           <a:p>
             <a:r>
-              <a:rPr lang="en-US" dirty="0" smtClean="0"/>
+              <a:rPr lang="en-US" dirty="0"/>
               <a:t>.</a:t>
             </a:r>
             <a:r>
-              <a:rPr lang="sk-SK" dirty="0" smtClean="0"/>
-              <a:t>/</a:t>
-            </a:r>
-            <a:r>
-              <a:rPr lang="sk-SK" dirty="0"/>
-              <a:t>03-prednaska/</a:t>
+              <a:rPr lang="sk-SK" dirty="0"/>
+              <a:t>/03-prednaska/</a:t>
             </a:r>
             <a:r>
               <a:rPr lang="sk-SK" dirty="0" err="1"/>
@@ -15679,7 +15707,7 @@
           <p:cNvPr id="6" name="Picture 5">
             <a:extLst>
               <a:ext uri="{FF2B5EF4-FFF2-40B4-BE49-F238E27FC236}">
-                <a16:creationId xmlns="" xmlns:a16="http://schemas.microsoft.com/office/drawing/2014/main" id="{D49D432C-65EA-E546-81F0-DA779F69A42A}"/>
+                <a16:creationId xmlns:a16="http://schemas.microsoft.com/office/drawing/2014/main" id="{D49D432C-65EA-E546-81F0-DA779F69A42A}"/>
               </a:ext>
             </a:extLst>
           </p:cNvPr>
@@ -15709,7 +15737,7 @@
           <p:cNvPr id="2" name="Title 1">
             <a:extLst>
               <a:ext uri="{FF2B5EF4-FFF2-40B4-BE49-F238E27FC236}">
-                <a16:creationId xmlns="" xmlns:a16="http://schemas.microsoft.com/office/drawing/2014/main" id="{14E847B2-3335-3A44-8B22-1D953226CCB0}"/>
+                <a16:creationId xmlns:a16="http://schemas.microsoft.com/office/drawing/2014/main" id="{14E847B2-3335-3A44-8B22-1D953226CCB0}"/>
               </a:ext>
             </a:extLst>
           </p:cNvPr>
@@ -15737,7 +15765,7 @@
           <p:cNvPr id="3" name="Content Placeholder 2">
             <a:extLst>
               <a:ext uri="{FF2B5EF4-FFF2-40B4-BE49-F238E27FC236}">
-                <a16:creationId xmlns="" xmlns:a16="http://schemas.microsoft.com/office/drawing/2014/main" id="{51B5BEBE-E202-3448-8385-99F135B06B4B}"/>
+                <a16:creationId xmlns:a16="http://schemas.microsoft.com/office/drawing/2014/main" id="{51B5BEBE-E202-3448-8385-99F135B06B4B}"/>
               </a:ext>
             </a:extLst>
           </p:cNvPr>
@@ -16143,7 +16171,7 @@
           <p:cNvPr id="8" name="Picture 7">
             <a:extLst>
               <a:ext uri="{FF2B5EF4-FFF2-40B4-BE49-F238E27FC236}">
-                <a16:creationId xmlns="" xmlns:a16="http://schemas.microsoft.com/office/drawing/2014/main" id="{5F6A650D-0E3D-FD49-AC08-2CEF28F8D20B}"/>
+                <a16:creationId xmlns:a16="http://schemas.microsoft.com/office/drawing/2014/main" id="{5F6A650D-0E3D-FD49-AC08-2CEF28F8D20B}"/>
               </a:ext>
             </a:extLst>
           </p:cNvPr>
@@ -16173,7 +16201,7 @@
           <p:cNvPr id="9" name="Picture 8">
             <a:extLst>
               <a:ext uri="{FF2B5EF4-FFF2-40B4-BE49-F238E27FC236}">
-                <a16:creationId xmlns="" xmlns:a16="http://schemas.microsoft.com/office/drawing/2014/main" id="{384767D9-D0D4-5B4F-8F7D-6F49771A8E51}"/>
+                <a16:creationId xmlns:a16="http://schemas.microsoft.com/office/drawing/2014/main" id="{384767D9-D0D4-5B4F-8F7D-6F49771A8E51}"/>
               </a:ext>
             </a:extLst>
           </p:cNvPr>
@@ -16203,7 +16231,7 @@
           <p:cNvPr id="13" name="Straight Arrow Connector 12">
             <a:extLst>
               <a:ext uri="{FF2B5EF4-FFF2-40B4-BE49-F238E27FC236}">
-                <a16:creationId xmlns="" xmlns:a16="http://schemas.microsoft.com/office/drawing/2014/main" id="{17C1D7A2-BDB8-5D41-9697-10E708DE6888}"/>
+                <a16:creationId xmlns:a16="http://schemas.microsoft.com/office/drawing/2014/main" id="{17C1D7A2-BDB8-5D41-9697-10E708DE6888}"/>
               </a:ext>
             </a:extLst>
           </p:cNvPr>
@@ -16247,7 +16275,7 @@
           <p:cNvPr id="17" name="TextBox 16">
             <a:extLst>
               <a:ext uri="{FF2B5EF4-FFF2-40B4-BE49-F238E27FC236}">
-                <a16:creationId xmlns="" xmlns:a16="http://schemas.microsoft.com/office/drawing/2014/main" id="{2973F9A6-080D-5147-8451-71DE8AD65C45}"/>
+                <a16:creationId xmlns:a16="http://schemas.microsoft.com/office/drawing/2014/main" id="{2973F9A6-080D-5147-8451-71DE8AD65C45}"/>
               </a:ext>
             </a:extLst>
           </p:cNvPr>
@@ -16301,7 +16329,7 @@
           <p:cNvPr id="22" name="Straight Arrow Connector 21">
             <a:extLst>
               <a:ext uri="{FF2B5EF4-FFF2-40B4-BE49-F238E27FC236}">
-                <a16:creationId xmlns="" xmlns:a16="http://schemas.microsoft.com/office/drawing/2014/main" id="{62734351-C7AF-D747-8BED-D95DC4FDB07E}"/>
+                <a16:creationId xmlns:a16="http://schemas.microsoft.com/office/drawing/2014/main" id="{62734351-C7AF-D747-8BED-D95DC4FDB07E}"/>
               </a:ext>
             </a:extLst>
           </p:cNvPr>
@@ -16345,7 +16373,7 @@
           <p:cNvPr id="23" name="TextBox 22">
             <a:extLst>
               <a:ext uri="{FF2B5EF4-FFF2-40B4-BE49-F238E27FC236}">
-                <a16:creationId xmlns="" xmlns:a16="http://schemas.microsoft.com/office/drawing/2014/main" id="{37EDD1B6-064B-6942-9187-C8FAE264AD26}"/>
+                <a16:creationId xmlns:a16="http://schemas.microsoft.com/office/drawing/2014/main" id="{37EDD1B6-064B-6942-9187-C8FAE264AD26}"/>
               </a:ext>
             </a:extLst>
           </p:cNvPr>
@@ -16618,7 +16646,7 @@
           <p:cNvPr id="6" name="Picture 5">
             <a:extLst>
               <a:ext uri="{FF2B5EF4-FFF2-40B4-BE49-F238E27FC236}">
-                <a16:creationId xmlns="" xmlns:a16="http://schemas.microsoft.com/office/drawing/2014/main" id="{D49D432C-65EA-E546-81F0-DA779F69A42A}"/>
+                <a16:creationId xmlns:a16="http://schemas.microsoft.com/office/drawing/2014/main" id="{D49D432C-65EA-E546-81F0-DA779F69A42A}"/>
               </a:ext>
             </a:extLst>
           </p:cNvPr>
@@ -16648,7 +16676,7 @@
           <p:cNvPr id="2" name="Title 1">
             <a:extLst>
               <a:ext uri="{FF2B5EF4-FFF2-40B4-BE49-F238E27FC236}">
-                <a16:creationId xmlns="" xmlns:a16="http://schemas.microsoft.com/office/drawing/2014/main" id="{14E847B2-3335-3A44-8B22-1D953226CCB0}"/>
+                <a16:creationId xmlns:a16="http://schemas.microsoft.com/office/drawing/2014/main" id="{14E847B2-3335-3A44-8B22-1D953226CCB0}"/>
               </a:ext>
             </a:extLst>
           </p:cNvPr>
@@ -16676,7 +16704,7 @@
           <p:cNvPr id="3" name="Content Placeholder 2">
             <a:extLst>
               <a:ext uri="{FF2B5EF4-FFF2-40B4-BE49-F238E27FC236}">
-                <a16:creationId xmlns="" xmlns:a16="http://schemas.microsoft.com/office/drawing/2014/main" id="{51B5BEBE-E202-3448-8385-99F135B06B4B}"/>
+                <a16:creationId xmlns:a16="http://schemas.microsoft.com/office/drawing/2014/main" id="{51B5BEBE-E202-3448-8385-99F135B06B4B}"/>
               </a:ext>
             </a:extLst>
           </p:cNvPr>
@@ -17082,7 +17110,7 @@
           <p:cNvPr id="17" name="TextBox 16">
             <a:extLst>
               <a:ext uri="{FF2B5EF4-FFF2-40B4-BE49-F238E27FC236}">
-                <a16:creationId xmlns="" xmlns:a16="http://schemas.microsoft.com/office/drawing/2014/main" id="{2973F9A6-080D-5147-8451-71DE8AD65C45}"/>
+                <a16:creationId xmlns:a16="http://schemas.microsoft.com/office/drawing/2014/main" id="{2973F9A6-080D-5147-8451-71DE8AD65C45}"/>
               </a:ext>
             </a:extLst>
           </p:cNvPr>
@@ -17136,7 +17164,7 @@
           <p:cNvPr id="4" name="Picture 3">
             <a:extLst>
               <a:ext uri="{FF2B5EF4-FFF2-40B4-BE49-F238E27FC236}">
-                <a16:creationId xmlns="" xmlns:a16="http://schemas.microsoft.com/office/drawing/2014/main" id="{A6A61657-2B15-BE43-BF85-04B53BAA05EE}"/>
+                <a16:creationId xmlns:a16="http://schemas.microsoft.com/office/drawing/2014/main" id="{A6A61657-2B15-BE43-BF85-04B53BAA05EE}"/>
               </a:ext>
             </a:extLst>
           </p:cNvPr>
@@ -17166,7 +17194,7 @@
           <p:cNvPr id="13" name="Straight Arrow Connector 12">
             <a:extLst>
               <a:ext uri="{FF2B5EF4-FFF2-40B4-BE49-F238E27FC236}">
-                <a16:creationId xmlns="" xmlns:a16="http://schemas.microsoft.com/office/drawing/2014/main" id="{17C1D7A2-BDB8-5D41-9697-10E708DE6888}"/>
+                <a16:creationId xmlns:a16="http://schemas.microsoft.com/office/drawing/2014/main" id="{17C1D7A2-BDB8-5D41-9697-10E708DE6888}"/>
               </a:ext>
             </a:extLst>
           </p:cNvPr>
@@ -17210,7 +17238,7 @@
           <p:cNvPr id="10" name="Straight Arrow Connector 9">
             <a:extLst>
               <a:ext uri="{FF2B5EF4-FFF2-40B4-BE49-F238E27FC236}">
-                <a16:creationId xmlns="" xmlns:a16="http://schemas.microsoft.com/office/drawing/2014/main" id="{B867DBBC-8F2E-4842-9439-FF7D8802DD8D}"/>
+                <a16:creationId xmlns:a16="http://schemas.microsoft.com/office/drawing/2014/main" id="{B867DBBC-8F2E-4842-9439-FF7D8802DD8D}"/>
               </a:ext>
             </a:extLst>
           </p:cNvPr>
@@ -17254,7 +17282,7 @@
           <p:cNvPr id="14" name="TextBox 13">
             <a:extLst>
               <a:ext uri="{FF2B5EF4-FFF2-40B4-BE49-F238E27FC236}">
-                <a16:creationId xmlns="" xmlns:a16="http://schemas.microsoft.com/office/drawing/2014/main" id="{A3234263-2140-6945-A6B9-AAEC7537F00B}"/>
+                <a16:creationId xmlns:a16="http://schemas.microsoft.com/office/drawing/2014/main" id="{A3234263-2140-6945-A6B9-AAEC7537F00B}"/>
               </a:ext>
             </a:extLst>
           </p:cNvPr>
@@ -17298,7 +17326,7 @@
           <p:cNvPr id="11" name="Picture 10">
             <a:extLst>
               <a:ext uri="{FF2B5EF4-FFF2-40B4-BE49-F238E27FC236}">
-                <a16:creationId xmlns="" xmlns:a16="http://schemas.microsoft.com/office/drawing/2014/main" id="{443B5DBE-1329-1941-A20D-50DAAB13ABF8}"/>
+                <a16:creationId xmlns:a16="http://schemas.microsoft.com/office/drawing/2014/main" id="{443B5DBE-1329-1941-A20D-50DAAB13ABF8}"/>
               </a:ext>
             </a:extLst>
           </p:cNvPr>
@@ -17328,7 +17356,7 @@
           <p:cNvPr id="15" name="Picture 14">
             <a:extLst>
               <a:ext uri="{FF2B5EF4-FFF2-40B4-BE49-F238E27FC236}">
-                <a16:creationId xmlns="" xmlns:a16="http://schemas.microsoft.com/office/drawing/2014/main" id="{A78999D1-3432-8843-B728-7469CE6056D0}"/>
+                <a16:creationId xmlns:a16="http://schemas.microsoft.com/office/drawing/2014/main" id="{A78999D1-3432-8843-B728-7469CE6056D0}"/>
               </a:ext>
             </a:extLst>
           </p:cNvPr>
@@ -17375,16 +17403,12 @@
           <a:lstStyle/>
           <a:p>
             <a:r>
-              <a:rPr lang="en-US" dirty="0" smtClean="0"/>
+              <a:rPr lang="en-US" dirty="0"/>
               <a:t>.</a:t>
             </a:r>
             <a:r>
-              <a:rPr lang="sk-SK" dirty="0" smtClean="0"/>
-              <a:t>/</a:t>
-            </a:r>
-            <a:r>
-              <a:rPr lang="sk-SK" dirty="0"/>
-              <a:t>03-prednaska/</a:t>
+              <a:rPr lang="sk-SK" dirty="0"/>
+              <a:t>/03-prednaska/</a:t>
             </a:r>
             <a:r>
               <a:rPr lang="sk-SK" dirty="0" err="1"/>
@@ -17647,7 +17671,7 @@
           <p:cNvPr id="2" name="Title 1">
             <a:extLst>
               <a:ext uri="{FF2B5EF4-FFF2-40B4-BE49-F238E27FC236}">
-                <a16:creationId xmlns="" xmlns:a16="http://schemas.microsoft.com/office/drawing/2014/main" id="{B9C3C30D-791D-D148-A15F-1C6B1F5FAB6A}"/>
+                <a16:creationId xmlns:a16="http://schemas.microsoft.com/office/drawing/2014/main" id="{B9C3C30D-791D-D148-A15F-1C6B1F5FAB6A}"/>
               </a:ext>
             </a:extLst>
           </p:cNvPr>
@@ -17675,7 +17699,7 @@
           <p:cNvPr id="5" name="Text Placeholder 4">
             <a:extLst>
               <a:ext uri="{FF2B5EF4-FFF2-40B4-BE49-F238E27FC236}">
-                <a16:creationId xmlns="" xmlns:a16="http://schemas.microsoft.com/office/drawing/2014/main" id="{0AD67685-6923-8148-B2B9-97F7F294E779}"/>
+                <a16:creationId xmlns:a16="http://schemas.microsoft.com/office/drawing/2014/main" id="{0AD67685-6923-8148-B2B9-97F7F294E779}"/>
               </a:ext>
             </a:extLst>
           </p:cNvPr>
@@ -17703,7 +17727,7 @@
           <p:cNvPr id="3" name="Content Placeholder 2">
             <a:extLst>
               <a:ext uri="{FF2B5EF4-FFF2-40B4-BE49-F238E27FC236}">
-                <a16:creationId xmlns="" xmlns:a16="http://schemas.microsoft.com/office/drawing/2014/main" id="{2169767F-C1A3-924A-8515-EEAFC569427E}"/>
+                <a16:creationId xmlns:a16="http://schemas.microsoft.com/office/drawing/2014/main" id="{2169767F-C1A3-924A-8515-EEAFC569427E}"/>
               </a:ext>
             </a:extLst>
           </p:cNvPr>
@@ -17759,14 +17783,10 @@
             </a:r>
             <a:r>
               <a:rPr lang="sk-SK" dirty="0"/>
-              <a:t> of a program (</a:t>
-            </a:r>
-            <a:r>
-              <a:rPr lang="sk-SK" dirty="0" smtClean="0"/>
-              <a:t>J</a:t>
-            </a:r>
-            <a:r>
-              <a:rPr lang="en-US" dirty="0" err="1" smtClean="0"/>
+              <a:t> of a program (J</a:t>
+            </a:r>
+            <a:r>
+              <a:rPr lang="en-US" dirty="0" err="1"/>
               <a:t>ohn</a:t>
             </a:r>
             <a:r>
@@ -17774,18 +17794,17 @@
               <a:t> </a:t>
             </a:r>
             <a:r>
-              <a:rPr lang="sk-SK" dirty="0" smtClean="0"/>
+              <a:rPr lang="sk-SK" dirty="0"/>
               <a:t>R</a:t>
             </a:r>
             <a:r>
-              <a:rPr lang="en-US" dirty="0" smtClean="0"/>
+              <a:rPr lang="en-US" dirty="0"/>
               <a:t>.</a:t>
             </a:r>
             <a:r>
-              <a:rPr lang="sk-SK" dirty="0" smtClean="0"/>
+              <a:rPr lang="sk-SK" dirty="0"/>
               <a:t>)</a:t>
             </a:r>
-            <a:endParaRPr lang="sk-SK" dirty="0"/>
           </a:p>
           <a:p>
             <a:r>
@@ -17954,7 +17973,7 @@
           <p:cNvPr id="6" name="Text Placeholder 5">
             <a:extLst>
               <a:ext uri="{FF2B5EF4-FFF2-40B4-BE49-F238E27FC236}">
-                <a16:creationId xmlns="" xmlns:a16="http://schemas.microsoft.com/office/drawing/2014/main" id="{D842F14A-66E7-0148-B25B-E8E4870E72A9}"/>
+                <a16:creationId xmlns:a16="http://schemas.microsoft.com/office/drawing/2014/main" id="{D842F14A-66E7-0148-B25B-E8E4870E72A9}"/>
               </a:ext>
             </a:extLst>
           </p:cNvPr>
@@ -17982,7 +18001,7 @@
           <p:cNvPr id="7" name="Content Placeholder 6">
             <a:extLst>
               <a:ext uri="{FF2B5EF4-FFF2-40B4-BE49-F238E27FC236}">
-                <a16:creationId xmlns="" xmlns:a16="http://schemas.microsoft.com/office/drawing/2014/main" id="{CE1041E3-49AF-894A-B072-ED08CDC431DB}"/>
+                <a16:creationId xmlns:a16="http://schemas.microsoft.com/office/drawing/2014/main" id="{CE1041E3-49AF-894A-B072-ED08CDC431DB}"/>
               </a:ext>
             </a:extLst>
           </p:cNvPr>
@@ -18081,16 +18100,12 @@
               <a:t> </a:t>
             </a:r>
             <a:r>
-              <a:rPr lang="en-US" dirty="0" smtClean="0"/>
+              <a:rPr lang="en-US" dirty="0"/>
               <a:t>(inner scope) </a:t>
             </a:r>
             <a:r>
-              <a:rPr lang="sk-SK" dirty="0" smtClean="0"/>
-              <a:t>a </a:t>
-            </a:r>
-            <a:r>
-              <a:rPr lang="sk-SK" dirty="0"/>
-              <a:t>linka na </a:t>
+              <a:rPr lang="sk-SK" dirty="0"/>
+              <a:t>a linka na </a:t>
             </a:r>
             <a:r>
               <a:rPr lang="sk-SK" dirty="0" err="1"/>
@@ -18129,13 +18144,6 @@
   <p:clrMapOvr>
     <a:masterClrMapping/>
   </p:clrMapOvr>
-  <p:timing>
-    <p:tnLst>
-      <p:par>
-        <p:cTn id="1" dur="indefinite" restart="never" nodeType="tmRoot"/>
-      </p:par>
-    </p:tnLst>
-  </p:timing>
 </p:sld>
 </file>
 
@@ -18161,7 +18169,7 @@
           <p:cNvPr id="7" name="Picture 6">
             <a:extLst>
               <a:ext uri="{FF2B5EF4-FFF2-40B4-BE49-F238E27FC236}">
-                <a16:creationId xmlns="" xmlns:a16="http://schemas.microsoft.com/office/drawing/2014/main" id="{DA50935B-BC0A-214C-9E58-36366DDB02A2}"/>
+                <a16:creationId xmlns:a16="http://schemas.microsoft.com/office/drawing/2014/main" id="{DA50935B-BC0A-214C-9E58-36366DDB02A2}"/>
               </a:ext>
             </a:extLst>
           </p:cNvPr>
@@ -18191,7 +18199,7 @@
           <p:cNvPr id="52" name="Picture 51">
             <a:extLst>
               <a:ext uri="{FF2B5EF4-FFF2-40B4-BE49-F238E27FC236}">
-                <a16:creationId xmlns="" xmlns:a16="http://schemas.microsoft.com/office/drawing/2014/main" id="{4D4901E3-F2B0-F841-833A-BE0549F35A6E}"/>
+                <a16:creationId xmlns:a16="http://schemas.microsoft.com/office/drawing/2014/main" id="{4D4901E3-F2B0-F841-833A-BE0549F35A6E}"/>
               </a:ext>
             </a:extLst>
           </p:cNvPr>
@@ -18221,7 +18229,7 @@
           <p:cNvPr id="2" name="Title 1">
             <a:extLst>
               <a:ext uri="{FF2B5EF4-FFF2-40B4-BE49-F238E27FC236}">
-                <a16:creationId xmlns="" xmlns:a16="http://schemas.microsoft.com/office/drawing/2014/main" id="{FCE8FB6C-9F11-B84E-BF31-9612957DA6EB}"/>
+                <a16:creationId xmlns:a16="http://schemas.microsoft.com/office/drawing/2014/main" id="{FCE8FB6C-9F11-B84E-BF31-9612957DA6EB}"/>
               </a:ext>
             </a:extLst>
           </p:cNvPr>
@@ -18254,7 +18262,7 @@
           <p:cNvPr id="4" name="Content Placeholder 3">
             <a:extLst>
               <a:ext uri="{FF2B5EF4-FFF2-40B4-BE49-F238E27FC236}">
-                <a16:creationId xmlns="" xmlns:a16="http://schemas.microsoft.com/office/drawing/2014/main" id="{0A3C529C-D2FB-1246-823D-62ABEA5B7B5F}"/>
+                <a16:creationId xmlns:a16="http://schemas.microsoft.com/office/drawing/2014/main" id="{0A3C529C-D2FB-1246-823D-62ABEA5B7B5F}"/>
               </a:ext>
             </a:extLst>
           </p:cNvPr>
@@ -18267,7 +18275,7 @@
         </p:nvSpPr>
         <p:spPr>
           <a:xfrm>
-            <a:off x="6259286" y="1208314"/>
+            <a:off x="6205783" y="1092204"/>
             <a:ext cx="5094514" cy="5359405"/>
           </a:xfrm>
         </p:spPr>
@@ -18275,7 +18283,7 @@
           <a:bodyPr/>
           <a:lstStyle/>
           <a:p>
-            <a:endParaRPr lang="sk-SK"/>
+            <a:endParaRPr lang="sk-SK" dirty="0"/>
           </a:p>
         </p:txBody>
       </p:sp>
@@ -18284,7 +18292,7 @@
           <p:cNvPr id="10" name="Rectangle 9">
             <a:extLst>
               <a:ext uri="{FF2B5EF4-FFF2-40B4-BE49-F238E27FC236}">
-                <a16:creationId xmlns="" xmlns:a16="http://schemas.microsoft.com/office/drawing/2014/main" id="{690B006E-D184-D848-83DD-988648879A29}"/>
+                <a16:creationId xmlns:a16="http://schemas.microsoft.com/office/drawing/2014/main" id="{690B006E-D184-D848-83DD-988648879A29}"/>
               </a:ext>
             </a:extLst>
           </p:cNvPr>
@@ -18336,7 +18344,7 @@
           <p:cNvPr id="11" name="Rectangle 10">
             <a:extLst>
               <a:ext uri="{FF2B5EF4-FFF2-40B4-BE49-F238E27FC236}">
-                <a16:creationId xmlns="" xmlns:a16="http://schemas.microsoft.com/office/drawing/2014/main" id="{FA04386B-B9A6-2643-A1C7-B06451380D64}"/>
+                <a16:creationId xmlns:a16="http://schemas.microsoft.com/office/drawing/2014/main" id="{FA04386B-B9A6-2643-A1C7-B06451380D64}"/>
               </a:ext>
             </a:extLst>
           </p:cNvPr>
@@ -18390,7 +18398,7 @@
           <p:cNvPr id="12" name="Rectangle 11">
             <a:extLst>
               <a:ext uri="{FF2B5EF4-FFF2-40B4-BE49-F238E27FC236}">
-                <a16:creationId xmlns="" xmlns:a16="http://schemas.microsoft.com/office/drawing/2014/main" id="{B2815F4B-F7B1-7747-8E7F-D7994FAB9C48}"/>
+                <a16:creationId xmlns:a16="http://schemas.microsoft.com/office/drawing/2014/main" id="{B2815F4B-F7B1-7747-8E7F-D7994FAB9C48}"/>
               </a:ext>
             </a:extLst>
           </p:cNvPr>
@@ -18442,7 +18450,7 @@
           <p:cNvPr id="28" name="Rectangle 27">
             <a:extLst>
               <a:ext uri="{FF2B5EF4-FFF2-40B4-BE49-F238E27FC236}">
-                <a16:creationId xmlns="" xmlns:a16="http://schemas.microsoft.com/office/drawing/2014/main" id="{35D5CA96-31D1-F546-9C17-314B51D18203}"/>
+                <a16:creationId xmlns:a16="http://schemas.microsoft.com/office/drawing/2014/main" id="{35D5CA96-31D1-F546-9C17-314B51D18203}"/>
               </a:ext>
             </a:extLst>
           </p:cNvPr>
@@ -18500,7 +18508,7 @@
           <p:cNvPr id="29" name="Rectangle 28">
             <a:extLst>
               <a:ext uri="{FF2B5EF4-FFF2-40B4-BE49-F238E27FC236}">
-                <a16:creationId xmlns="" xmlns:a16="http://schemas.microsoft.com/office/drawing/2014/main" id="{5D6E621B-E0F1-CE40-8A69-9B9A1524248A}"/>
+                <a16:creationId xmlns:a16="http://schemas.microsoft.com/office/drawing/2014/main" id="{5D6E621B-E0F1-CE40-8A69-9B9A1524248A}"/>
               </a:ext>
             </a:extLst>
           </p:cNvPr>
@@ -18558,7 +18566,7 @@
           <p:cNvPr id="38" name="Rectangle 37">
             <a:extLst>
               <a:ext uri="{FF2B5EF4-FFF2-40B4-BE49-F238E27FC236}">
-                <a16:creationId xmlns="" xmlns:a16="http://schemas.microsoft.com/office/drawing/2014/main" id="{B3C91B26-E431-9D42-8842-9D42DEF793BB}"/>
+                <a16:creationId xmlns:a16="http://schemas.microsoft.com/office/drawing/2014/main" id="{B3C91B26-E431-9D42-8842-9D42DEF793BB}"/>
               </a:ext>
             </a:extLst>
           </p:cNvPr>
@@ -18614,7 +18622,7 @@
           <p:cNvPr id="45" name="Rectangle 44">
             <a:extLst>
               <a:ext uri="{FF2B5EF4-FFF2-40B4-BE49-F238E27FC236}">
-                <a16:creationId xmlns="" xmlns:a16="http://schemas.microsoft.com/office/drawing/2014/main" id="{00604B9C-0D90-2D4A-A7F1-060C8F88C973}"/>
+                <a16:creationId xmlns:a16="http://schemas.microsoft.com/office/drawing/2014/main" id="{00604B9C-0D90-2D4A-A7F1-060C8F88C973}"/>
               </a:ext>
             </a:extLst>
           </p:cNvPr>
@@ -18672,7 +18680,7 @@
           <p:cNvPr id="46" name="Rectangle 45">
             <a:extLst>
               <a:ext uri="{FF2B5EF4-FFF2-40B4-BE49-F238E27FC236}">
-                <a16:creationId xmlns="" xmlns:a16="http://schemas.microsoft.com/office/drawing/2014/main" id="{292FE9C3-8816-FA48-A1AD-4B07AF7E78EF}"/>
+                <a16:creationId xmlns:a16="http://schemas.microsoft.com/office/drawing/2014/main" id="{292FE9C3-8816-FA48-A1AD-4B07AF7E78EF}"/>
               </a:ext>
             </a:extLst>
           </p:cNvPr>
@@ -18730,7 +18738,7 @@
           <p:cNvPr id="47" name="Rectangle 46">
             <a:extLst>
               <a:ext uri="{FF2B5EF4-FFF2-40B4-BE49-F238E27FC236}">
-                <a16:creationId xmlns="" xmlns:a16="http://schemas.microsoft.com/office/drawing/2014/main" id="{D3FB349B-46D6-5E4B-A4F9-8ADCCFE3A2BF}"/>
+                <a16:creationId xmlns:a16="http://schemas.microsoft.com/office/drawing/2014/main" id="{D3FB349B-46D6-5E4B-A4F9-8ADCCFE3A2BF}"/>
               </a:ext>
             </a:extLst>
           </p:cNvPr>
@@ -18788,7 +18796,7 @@
           <p:cNvPr id="48" name="Rectangle 47">
             <a:extLst>
               <a:ext uri="{FF2B5EF4-FFF2-40B4-BE49-F238E27FC236}">
-                <a16:creationId xmlns="" xmlns:a16="http://schemas.microsoft.com/office/drawing/2014/main" id="{CF1DB96F-97A3-6946-BEC8-2FF97D92F78B}"/>
+                <a16:creationId xmlns:a16="http://schemas.microsoft.com/office/drawing/2014/main" id="{CF1DB96F-97A3-6946-BEC8-2FF97D92F78B}"/>
               </a:ext>
             </a:extLst>
           </p:cNvPr>
@@ -18846,7 +18854,7 @@
           <p:cNvPr id="49" name="Rectangle 48">
             <a:extLst>
               <a:ext uri="{FF2B5EF4-FFF2-40B4-BE49-F238E27FC236}">
-                <a16:creationId xmlns="" xmlns:a16="http://schemas.microsoft.com/office/drawing/2014/main" id="{A216C7E3-63CD-374C-A12C-E5CEC6BC7129}"/>
+                <a16:creationId xmlns:a16="http://schemas.microsoft.com/office/drawing/2014/main" id="{A216C7E3-63CD-374C-A12C-E5CEC6BC7129}"/>
               </a:ext>
             </a:extLst>
           </p:cNvPr>
@@ -18904,7 +18912,7 @@
           <p:cNvPr id="50" name="Rectangle 49">
             <a:extLst>
               <a:ext uri="{FF2B5EF4-FFF2-40B4-BE49-F238E27FC236}">
-                <a16:creationId xmlns="" xmlns:a16="http://schemas.microsoft.com/office/drawing/2014/main" id="{C086062F-E6B7-0E48-90F1-105BAF88C7DE}"/>
+                <a16:creationId xmlns:a16="http://schemas.microsoft.com/office/drawing/2014/main" id="{C086062F-E6B7-0E48-90F1-105BAF88C7DE}"/>
               </a:ext>
             </a:extLst>
           </p:cNvPr>
@@ -18967,13 +18975,6 @@
   <p:clrMapOvr>
     <a:masterClrMapping/>
   </p:clrMapOvr>
-  <p:timing>
-    <p:tnLst>
-      <p:par>
-        <p:cTn id="1" dur="indefinite" restart="never" nodeType="tmRoot"/>
-      </p:par>
-    </p:tnLst>
-  </p:timing>
 </p:sld>
 </file>
 
@@ -18999,7 +19000,7 @@
           <p:cNvPr id="2" name="Title 1">
             <a:extLst>
               <a:ext uri="{FF2B5EF4-FFF2-40B4-BE49-F238E27FC236}">
-                <a16:creationId xmlns="" xmlns:a16="http://schemas.microsoft.com/office/drawing/2014/main" id="{E0EC5B9B-AB3B-AF43-BA63-ED450D4F1A23}"/>
+                <a16:creationId xmlns:a16="http://schemas.microsoft.com/office/drawing/2014/main" id="{E0EC5B9B-AB3B-AF43-BA63-ED450D4F1A23}"/>
               </a:ext>
             </a:extLst>
           </p:cNvPr>
@@ -19027,7 +19028,7 @@
           <p:cNvPr id="3" name="Content Placeholder 2">
             <a:extLst>
               <a:ext uri="{FF2B5EF4-FFF2-40B4-BE49-F238E27FC236}">
-                <a16:creationId xmlns="" xmlns:a16="http://schemas.microsoft.com/office/drawing/2014/main" id="{C24F29DF-5C35-F14B-9C3B-126DC7F936CF}"/>
+                <a16:creationId xmlns:a16="http://schemas.microsoft.com/office/drawing/2014/main" id="{C24F29DF-5C35-F14B-9C3B-126DC7F936CF}"/>
               </a:ext>
             </a:extLst>
           </p:cNvPr>
@@ -19366,7 +19367,7 @@
           <p:cNvPr id="5" name="Content Placeholder 2">
             <a:extLst>
               <a:ext uri="{FF2B5EF4-FFF2-40B4-BE49-F238E27FC236}">
-                <a16:creationId xmlns="" xmlns:a16="http://schemas.microsoft.com/office/drawing/2014/main" id="{D19CC67C-5FD8-8540-A393-5DB7D7FAE514}"/>
+                <a16:creationId xmlns:a16="http://schemas.microsoft.com/office/drawing/2014/main" id="{D19CC67C-5FD8-8540-A393-5DB7D7FAE514}"/>
               </a:ext>
             </a:extLst>
           </p:cNvPr>
@@ -19823,7 +19824,7 @@
           <p:cNvPr id="6" name="Content Placeholder 2">
             <a:extLst>
               <a:ext uri="{FF2B5EF4-FFF2-40B4-BE49-F238E27FC236}">
-                <a16:creationId xmlns="" xmlns:a16="http://schemas.microsoft.com/office/drawing/2014/main" id="{1479E1A6-3CD8-664B-A95B-32BCE97EF58D}"/>
+                <a16:creationId xmlns:a16="http://schemas.microsoft.com/office/drawing/2014/main" id="{1479E1A6-3CD8-664B-A95B-32BCE97EF58D}"/>
               </a:ext>
             </a:extLst>
           </p:cNvPr>
@@ -20335,7 +20336,7 @@
           <p:cNvPr id="7" name="TextBox 6">
             <a:extLst>
               <a:ext uri="{FF2B5EF4-FFF2-40B4-BE49-F238E27FC236}">
-                <a16:creationId xmlns="" xmlns:a16="http://schemas.microsoft.com/office/drawing/2014/main" id="{B7D2ADCC-609D-E746-8CCD-5D429120BEA7}"/>
+                <a16:creationId xmlns:a16="http://schemas.microsoft.com/office/drawing/2014/main" id="{B7D2ADCC-609D-E746-8CCD-5D429120BEA7}"/>
               </a:ext>
             </a:extLst>
           </p:cNvPr>
@@ -20370,7 +20371,7 @@
           <p:cNvPr id="8" name="TextBox 7">
             <a:extLst>
               <a:ext uri="{FF2B5EF4-FFF2-40B4-BE49-F238E27FC236}">
-                <a16:creationId xmlns="" xmlns:a16="http://schemas.microsoft.com/office/drawing/2014/main" id="{FBD74EFA-DF36-2C42-8ED4-054D69FA364A}"/>
+                <a16:creationId xmlns:a16="http://schemas.microsoft.com/office/drawing/2014/main" id="{FBD74EFA-DF36-2C42-8ED4-054D69FA364A}"/>
               </a:ext>
             </a:extLst>
           </p:cNvPr>
@@ -20405,7 +20406,7 @@
           <p:cNvPr id="9" name="TextBox 8">
             <a:extLst>
               <a:ext uri="{FF2B5EF4-FFF2-40B4-BE49-F238E27FC236}">
-                <a16:creationId xmlns="" xmlns:a16="http://schemas.microsoft.com/office/drawing/2014/main" id="{C08F9336-5B80-DA46-93E1-D099A93BDE70}"/>
+                <a16:creationId xmlns:a16="http://schemas.microsoft.com/office/drawing/2014/main" id="{C08F9336-5B80-DA46-93E1-D099A93BDE70}"/>
               </a:ext>
             </a:extLst>
           </p:cNvPr>
@@ -20445,13 +20446,6 @@
   <p:clrMapOvr>
     <a:masterClrMapping/>
   </p:clrMapOvr>
-  <p:timing>
-    <p:tnLst>
-      <p:par>
-        <p:cTn id="1" dur="indefinite" restart="never" nodeType="tmRoot"/>
-      </p:par>
-    </p:tnLst>
-  </p:timing>
 </p:sld>
 </file>
 
@@ -20477,7 +20471,7 @@
           <p:cNvPr id="10" name="Picture 9">
             <a:extLst>
               <a:ext uri="{FF2B5EF4-FFF2-40B4-BE49-F238E27FC236}">
-                <a16:creationId xmlns="" xmlns:a16="http://schemas.microsoft.com/office/drawing/2014/main" id="{068527EB-4FBD-6F43-8435-BA7211D337A7}"/>
+                <a16:creationId xmlns:a16="http://schemas.microsoft.com/office/drawing/2014/main" id="{068527EB-4FBD-6F43-8435-BA7211D337A7}"/>
               </a:ext>
             </a:extLst>
           </p:cNvPr>
@@ -20507,7 +20501,7 @@
           <p:cNvPr id="2" name="Title 1">
             <a:extLst>
               <a:ext uri="{FF2B5EF4-FFF2-40B4-BE49-F238E27FC236}">
-                <a16:creationId xmlns="" xmlns:a16="http://schemas.microsoft.com/office/drawing/2014/main" id="{3F0E6DA4-561A-0A4C-8E5F-A8817A22FCC0}"/>
+                <a16:creationId xmlns:a16="http://schemas.microsoft.com/office/drawing/2014/main" id="{3F0E6DA4-561A-0A4C-8E5F-A8817A22FCC0}"/>
               </a:ext>
             </a:extLst>
           </p:cNvPr>
@@ -20535,7 +20529,7 @@
           <p:cNvPr id="4" name="Content Placeholder 3">
             <a:extLst>
               <a:ext uri="{FF2B5EF4-FFF2-40B4-BE49-F238E27FC236}">
-                <a16:creationId xmlns="" xmlns:a16="http://schemas.microsoft.com/office/drawing/2014/main" id="{6280A859-B65A-E045-A1FA-698A78BFAB8B}"/>
+                <a16:creationId xmlns:a16="http://schemas.microsoft.com/office/drawing/2014/main" id="{6280A859-B65A-E045-A1FA-698A78BFAB8B}"/>
               </a:ext>
             </a:extLst>
           </p:cNvPr>
@@ -20567,7 +20561,7 @@
           <p:cNvPr id="8" name="TextBox 7">
             <a:extLst>
               <a:ext uri="{FF2B5EF4-FFF2-40B4-BE49-F238E27FC236}">
-                <a16:creationId xmlns="" xmlns:a16="http://schemas.microsoft.com/office/drawing/2014/main" id="{91223DAF-2F6E-4644-8204-959FBFAB38DE}"/>
+                <a16:creationId xmlns:a16="http://schemas.microsoft.com/office/drawing/2014/main" id="{91223DAF-2F6E-4644-8204-959FBFAB38DE}"/>
               </a:ext>
             </a:extLst>
           </p:cNvPr>
@@ -20609,7 +20603,7 @@
           <p:cNvPr id="11" name="Straight Arrow Connector 10">
             <a:extLst>
               <a:ext uri="{FF2B5EF4-FFF2-40B4-BE49-F238E27FC236}">
-                <a16:creationId xmlns="" xmlns:a16="http://schemas.microsoft.com/office/drawing/2014/main" id="{E4A5A82B-EAE5-8845-B587-AD10095A9FDC}"/>
+                <a16:creationId xmlns:a16="http://schemas.microsoft.com/office/drawing/2014/main" id="{E4A5A82B-EAE5-8845-B587-AD10095A9FDC}"/>
               </a:ext>
             </a:extLst>
           </p:cNvPr>
@@ -20656,7 +20650,7 @@
           <p:cNvPr id="74" name="TextBox 73">
             <a:extLst>
               <a:ext uri="{FF2B5EF4-FFF2-40B4-BE49-F238E27FC236}">
-                <a16:creationId xmlns="" xmlns:a16="http://schemas.microsoft.com/office/drawing/2014/main" id="{D7C30B8A-A96F-D24D-A33F-5F89E36250C8}"/>
+                <a16:creationId xmlns:a16="http://schemas.microsoft.com/office/drawing/2014/main" id="{D7C30B8A-A96F-D24D-A33F-5F89E36250C8}"/>
               </a:ext>
             </a:extLst>
           </p:cNvPr>
@@ -20698,7 +20692,7 @@
           <p:cNvPr id="75" name="Straight Arrow Connector 74">
             <a:extLst>
               <a:ext uri="{FF2B5EF4-FFF2-40B4-BE49-F238E27FC236}">
-                <a16:creationId xmlns="" xmlns:a16="http://schemas.microsoft.com/office/drawing/2014/main" id="{6A120CEA-958D-EA41-8AA5-B039E220411A}"/>
+                <a16:creationId xmlns:a16="http://schemas.microsoft.com/office/drawing/2014/main" id="{6A120CEA-958D-EA41-8AA5-B039E220411A}"/>
               </a:ext>
             </a:extLst>
           </p:cNvPr>
@@ -20745,7 +20739,7 @@
           <p:cNvPr id="27" name="TextBox 26">
             <a:extLst>
               <a:ext uri="{FF2B5EF4-FFF2-40B4-BE49-F238E27FC236}">
-                <a16:creationId xmlns="" xmlns:a16="http://schemas.microsoft.com/office/drawing/2014/main" id="{0471BE25-C32F-F04F-9ABB-43A1F1A6647E}"/>
+                <a16:creationId xmlns:a16="http://schemas.microsoft.com/office/drawing/2014/main" id="{0471BE25-C32F-F04F-9ABB-43A1F1A6647E}"/>
               </a:ext>
             </a:extLst>
           </p:cNvPr>
@@ -20787,7 +20781,7 @@
           <p:cNvPr id="29" name="Straight Arrow Connector 28">
             <a:extLst>
               <a:ext uri="{FF2B5EF4-FFF2-40B4-BE49-F238E27FC236}">
-                <a16:creationId xmlns="" xmlns:a16="http://schemas.microsoft.com/office/drawing/2014/main" id="{6DF27F38-BFBC-6645-9DF8-504E5AD809D9}"/>
+                <a16:creationId xmlns:a16="http://schemas.microsoft.com/office/drawing/2014/main" id="{6DF27F38-BFBC-6645-9DF8-504E5AD809D9}"/>
               </a:ext>
             </a:extLst>
           </p:cNvPr>
@@ -20834,7 +20828,7 @@
           <p:cNvPr id="30" name="TextBox 29">
             <a:extLst>
               <a:ext uri="{FF2B5EF4-FFF2-40B4-BE49-F238E27FC236}">
-                <a16:creationId xmlns="" xmlns:a16="http://schemas.microsoft.com/office/drawing/2014/main" id="{85262639-BA30-8E4E-BBAC-860713B8A642}"/>
+                <a16:creationId xmlns:a16="http://schemas.microsoft.com/office/drawing/2014/main" id="{85262639-BA30-8E4E-BBAC-860713B8A642}"/>
               </a:ext>
             </a:extLst>
           </p:cNvPr>
@@ -20876,7 +20870,7 @@
           <p:cNvPr id="37" name="Straight Arrow Connector 36">
             <a:extLst>
               <a:ext uri="{FF2B5EF4-FFF2-40B4-BE49-F238E27FC236}">
-                <a16:creationId xmlns="" xmlns:a16="http://schemas.microsoft.com/office/drawing/2014/main" id="{8A3E39F7-6587-FF4E-9EF4-A12F65A63F7A}"/>
+                <a16:creationId xmlns:a16="http://schemas.microsoft.com/office/drawing/2014/main" id="{8A3E39F7-6587-FF4E-9EF4-A12F65A63F7A}"/>
               </a:ext>
             </a:extLst>
           </p:cNvPr>
@@ -20923,7 +20917,7 @@
           <p:cNvPr id="38" name="TextBox 37">
             <a:extLst>
               <a:ext uri="{FF2B5EF4-FFF2-40B4-BE49-F238E27FC236}">
-                <a16:creationId xmlns="" xmlns:a16="http://schemas.microsoft.com/office/drawing/2014/main" id="{C35EB2A7-3B79-7346-9AE7-CEE9E90F1980}"/>
+                <a16:creationId xmlns:a16="http://schemas.microsoft.com/office/drawing/2014/main" id="{C35EB2A7-3B79-7346-9AE7-CEE9E90F1980}"/>
               </a:ext>
             </a:extLst>
           </p:cNvPr>
@@ -20965,7 +20959,7 @@
           <p:cNvPr id="39" name="Straight Arrow Connector 38">
             <a:extLst>
               <a:ext uri="{FF2B5EF4-FFF2-40B4-BE49-F238E27FC236}">
-                <a16:creationId xmlns="" xmlns:a16="http://schemas.microsoft.com/office/drawing/2014/main" id="{AF06B018-EAF2-EE4B-8F22-E7B9E4779EAA}"/>
+                <a16:creationId xmlns:a16="http://schemas.microsoft.com/office/drawing/2014/main" id="{AF06B018-EAF2-EE4B-8F22-E7B9E4779EAA}"/>
               </a:ext>
             </a:extLst>
           </p:cNvPr>
@@ -21012,7 +21006,7 @@
           <p:cNvPr id="40" name="TextBox 39">
             <a:extLst>
               <a:ext uri="{FF2B5EF4-FFF2-40B4-BE49-F238E27FC236}">
-                <a16:creationId xmlns="" xmlns:a16="http://schemas.microsoft.com/office/drawing/2014/main" id="{41A762CB-47AB-CE41-A457-775E7064C6EC}"/>
+                <a16:creationId xmlns:a16="http://schemas.microsoft.com/office/drawing/2014/main" id="{41A762CB-47AB-CE41-A457-775E7064C6EC}"/>
               </a:ext>
             </a:extLst>
           </p:cNvPr>
@@ -21054,7 +21048,7 @@
           <p:cNvPr id="41" name="Straight Arrow Connector 40">
             <a:extLst>
               <a:ext uri="{FF2B5EF4-FFF2-40B4-BE49-F238E27FC236}">
-                <a16:creationId xmlns="" xmlns:a16="http://schemas.microsoft.com/office/drawing/2014/main" id="{E80A7880-95B2-CE49-88DF-63598D3DAF06}"/>
+                <a16:creationId xmlns:a16="http://schemas.microsoft.com/office/drawing/2014/main" id="{E80A7880-95B2-CE49-88DF-63598D3DAF06}"/>
               </a:ext>
             </a:extLst>
           </p:cNvPr>
@@ -21547,7 +21541,7 @@
           <p:cNvPr id="46" name="Picture 45">
             <a:extLst>
               <a:ext uri="{FF2B5EF4-FFF2-40B4-BE49-F238E27FC236}">
-                <a16:creationId xmlns="" xmlns:a16="http://schemas.microsoft.com/office/drawing/2014/main" id="{13BCD0BA-22F2-FA40-B8E4-35224680429A}"/>
+                <a16:creationId xmlns:a16="http://schemas.microsoft.com/office/drawing/2014/main" id="{13BCD0BA-22F2-FA40-B8E4-35224680429A}"/>
               </a:ext>
             </a:extLst>
           </p:cNvPr>
@@ -21577,7 +21571,7 @@
           <p:cNvPr id="2" name="Title 1">
             <a:extLst>
               <a:ext uri="{FF2B5EF4-FFF2-40B4-BE49-F238E27FC236}">
-                <a16:creationId xmlns="" xmlns:a16="http://schemas.microsoft.com/office/drawing/2014/main" id="{15090700-903A-2642-A3A4-B3A0AC67C23B}"/>
+                <a16:creationId xmlns:a16="http://schemas.microsoft.com/office/drawing/2014/main" id="{15090700-903A-2642-A3A4-B3A0AC67C23B}"/>
               </a:ext>
             </a:extLst>
           </p:cNvPr>
@@ -21605,7 +21599,7 @@
           <p:cNvPr id="73" name="Picture 72">
             <a:extLst>
               <a:ext uri="{FF2B5EF4-FFF2-40B4-BE49-F238E27FC236}">
-                <a16:creationId xmlns="" xmlns:a16="http://schemas.microsoft.com/office/drawing/2014/main" id="{2C7DF5D9-8781-8244-B361-8FFEC33C5CB7}"/>
+                <a16:creationId xmlns:a16="http://schemas.microsoft.com/office/drawing/2014/main" id="{2C7DF5D9-8781-8244-B361-8FFEC33C5CB7}"/>
               </a:ext>
             </a:extLst>
           </p:cNvPr>
@@ -21635,7 +21629,7 @@
           <p:cNvPr id="106" name="Straight Arrow Connector 105">
             <a:extLst>
               <a:ext uri="{FF2B5EF4-FFF2-40B4-BE49-F238E27FC236}">
-                <a16:creationId xmlns="" xmlns:a16="http://schemas.microsoft.com/office/drawing/2014/main" id="{19404B2D-94B0-9F4B-A865-FBE5EC174DB9}"/>
+                <a16:creationId xmlns:a16="http://schemas.microsoft.com/office/drawing/2014/main" id="{19404B2D-94B0-9F4B-A865-FBE5EC174DB9}"/>
               </a:ext>
             </a:extLst>
           </p:cNvPr>
@@ -21681,7 +21675,7 @@
           <p:cNvPr id="107" name="Straight Arrow Connector 106">
             <a:extLst>
               <a:ext uri="{FF2B5EF4-FFF2-40B4-BE49-F238E27FC236}">
-                <a16:creationId xmlns="" xmlns:a16="http://schemas.microsoft.com/office/drawing/2014/main" id="{BB5CCB78-A6A4-C44B-A44A-9B2AED8A9619}"/>
+                <a16:creationId xmlns:a16="http://schemas.microsoft.com/office/drawing/2014/main" id="{BB5CCB78-A6A4-C44B-A44A-9B2AED8A9619}"/>
               </a:ext>
             </a:extLst>
           </p:cNvPr>
@@ -21729,7 +21723,7 @@
           <p:cNvPr id="109" name="Straight Arrow Connector 108">
             <a:extLst>
               <a:ext uri="{FF2B5EF4-FFF2-40B4-BE49-F238E27FC236}">
-                <a16:creationId xmlns="" xmlns:a16="http://schemas.microsoft.com/office/drawing/2014/main" id="{111D3229-44D7-564F-875D-6038FCD59846}"/>
+                <a16:creationId xmlns:a16="http://schemas.microsoft.com/office/drawing/2014/main" id="{111D3229-44D7-564F-875D-6038FCD59846}"/>
               </a:ext>
             </a:extLst>
           </p:cNvPr>
@@ -21777,7 +21771,7 @@
           <p:cNvPr id="112" name="Straight Arrow Connector 111">
             <a:extLst>
               <a:ext uri="{FF2B5EF4-FFF2-40B4-BE49-F238E27FC236}">
-                <a16:creationId xmlns="" xmlns:a16="http://schemas.microsoft.com/office/drawing/2014/main" id="{3D376DA7-FE7C-FA4F-A6A1-09E1986A9F81}"/>
+                <a16:creationId xmlns:a16="http://schemas.microsoft.com/office/drawing/2014/main" id="{3D376DA7-FE7C-FA4F-A6A1-09E1986A9F81}"/>
               </a:ext>
             </a:extLst>
           </p:cNvPr>
@@ -21821,7 +21815,7 @@
           <p:cNvPr id="113" name="Straight Arrow Connector 112">
             <a:extLst>
               <a:ext uri="{FF2B5EF4-FFF2-40B4-BE49-F238E27FC236}">
-                <a16:creationId xmlns="" xmlns:a16="http://schemas.microsoft.com/office/drawing/2014/main" id="{E0C1FC53-425B-734C-B3CA-9445D906B3E8}"/>
+                <a16:creationId xmlns:a16="http://schemas.microsoft.com/office/drawing/2014/main" id="{E0C1FC53-425B-734C-B3CA-9445D906B3E8}"/>
               </a:ext>
             </a:extLst>
           </p:cNvPr>
@@ -21867,7 +21861,7 @@
           <p:cNvPr id="115" name="Straight Arrow Connector 114">
             <a:extLst>
               <a:ext uri="{FF2B5EF4-FFF2-40B4-BE49-F238E27FC236}">
-                <a16:creationId xmlns="" xmlns:a16="http://schemas.microsoft.com/office/drawing/2014/main" id="{7122EA9F-5EA2-E14F-AFD7-799B9D6E1DF5}"/>
+                <a16:creationId xmlns:a16="http://schemas.microsoft.com/office/drawing/2014/main" id="{7122EA9F-5EA2-E14F-AFD7-799B9D6E1DF5}"/>
               </a:ext>
             </a:extLst>
           </p:cNvPr>
@@ -21913,7 +21907,7 @@
           <p:cNvPr id="117" name="Straight Arrow Connector 116">
             <a:extLst>
               <a:ext uri="{FF2B5EF4-FFF2-40B4-BE49-F238E27FC236}">
-                <a16:creationId xmlns="" xmlns:a16="http://schemas.microsoft.com/office/drawing/2014/main" id="{9F2AE39E-4AB5-8B41-AC22-DB0CF176D59B}"/>
+                <a16:creationId xmlns:a16="http://schemas.microsoft.com/office/drawing/2014/main" id="{9F2AE39E-4AB5-8B41-AC22-DB0CF176D59B}"/>
               </a:ext>
             </a:extLst>
           </p:cNvPr>
@@ -21959,7 +21953,7 @@
           <p:cNvPr id="120" name="Straight Arrow Connector 119">
             <a:extLst>
               <a:ext uri="{FF2B5EF4-FFF2-40B4-BE49-F238E27FC236}">
-                <a16:creationId xmlns="" xmlns:a16="http://schemas.microsoft.com/office/drawing/2014/main" id="{817E8AB6-B69A-8044-8FCF-B99619B0B87A}"/>
+                <a16:creationId xmlns:a16="http://schemas.microsoft.com/office/drawing/2014/main" id="{817E8AB6-B69A-8044-8FCF-B99619B0B87A}"/>
               </a:ext>
             </a:extLst>
           </p:cNvPr>
@@ -22005,7 +21999,7 @@
           <p:cNvPr id="122" name="Straight Arrow Connector 121">
             <a:extLst>
               <a:ext uri="{FF2B5EF4-FFF2-40B4-BE49-F238E27FC236}">
-                <a16:creationId xmlns="" xmlns:a16="http://schemas.microsoft.com/office/drawing/2014/main" id="{C2BF4585-50E1-144B-8EC6-051993EFDADB}"/>
+                <a16:creationId xmlns:a16="http://schemas.microsoft.com/office/drawing/2014/main" id="{C2BF4585-50E1-144B-8EC6-051993EFDADB}"/>
               </a:ext>
             </a:extLst>
           </p:cNvPr>
@@ -22049,7 +22043,7 @@
           <p:cNvPr id="126" name="Straight Arrow Connector 125">
             <a:extLst>
               <a:ext uri="{FF2B5EF4-FFF2-40B4-BE49-F238E27FC236}">
-                <a16:creationId xmlns="" xmlns:a16="http://schemas.microsoft.com/office/drawing/2014/main" id="{B006DA6D-6E75-524F-8D7C-34CCA2E6860C}"/>
+                <a16:creationId xmlns:a16="http://schemas.microsoft.com/office/drawing/2014/main" id="{B006DA6D-6E75-524F-8D7C-34CCA2E6860C}"/>
               </a:ext>
             </a:extLst>
           </p:cNvPr>
@@ -22093,7 +22087,7 @@
           <p:cNvPr id="128" name="Picture 127">
             <a:extLst>
               <a:ext uri="{FF2B5EF4-FFF2-40B4-BE49-F238E27FC236}">
-                <a16:creationId xmlns="" xmlns:a16="http://schemas.microsoft.com/office/drawing/2014/main" id="{6D56AD93-372E-564B-8BD2-0F2DEF4C3462}"/>
+                <a16:creationId xmlns:a16="http://schemas.microsoft.com/office/drawing/2014/main" id="{6D56AD93-372E-564B-8BD2-0F2DEF4C3462}"/>
               </a:ext>
             </a:extLst>
           </p:cNvPr>
@@ -22123,7 +22117,7 @@
           <p:cNvPr id="132" name="Straight Arrow Connector 131">
             <a:extLst>
               <a:ext uri="{FF2B5EF4-FFF2-40B4-BE49-F238E27FC236}">
-                <a16:creationId xmlns="" xmlns:a16="http://schemas.microsoft.com/office/drawing/2014/main" id="{2CC90334-29F2-214E-A669-A9B2F78A39ED}"/>
+                <a16:creationId xmlns:a16="http://schemas.microsoft.com/office/drawing/2014/main" id="{2CC90334-29F2-214E-A669-A9B2F78A39ED}"/>
               </a:ext>
             </a:extLst>
           </p:cNvPr>
@@ -22171,7 +22165,7 @@
           <p:cNvPr id="140" name="Straight Arrow Connector 139">
             <a:extLst>
               <a:ext uri="{FF2B5EF4-FFF2-40B4-BE49-F238E27FC236}">
-                <a16:creationId xmlns="" xmlns:a16="http://schemas.microsoft.com/office/drawing/2014/main" id="{2C0EA57C-2FF7-D447-A20D-90780D47985F}"/>
+                <a16:creationId xmlns:a16="http://schemas.microsoft.com/office/drawing/2014/main" id="{2C0EA57C-2FF7-D447-A20D-90780D47985F}"/>
               </a:ext>
             </a:extLst>
           </p:cNvPr>
@@ -22217,7 +22211,7 @@
           <p:cNvPr id="141" name="Rectangle 140">
             <a:extLst>
               <a:ext uri="{FF2B5EF4-FFF2-40B4-BE49-F238E27FC236}">
-                <a16:creationId xmlns="" xmlns:a16="http://schemas.microsoft.com/office/drawing/2014/main" id="{C0C1DD91-4A9A-DE48-8B08-42A621B8CB39}"/>
+                <a16:creationId xmlns:a16="http://schemas.microsoft.com/office/drawing/2014/main" id="{C0C1DD91-4A9A-DE48-8B08-42A621B8CB39}"/>
               </a:ext>
             </a:extLst>
           </p:cNvPr>
@@ -22275,7 +22269,7 @@
           <p:cNvPr id="143" name="Straight Arrow Connector 142">
             <a:extLst>
               <a:ext uri="{FF2B5EF4-FFF2-40B4-BE49-F238E27FC236}">
-                <a16:creationId xmlns="" xmlns:a16="http://schemas.microsoft.com/office/drawing/2014/main" id="{F4FEC8F0-3367-9F4A-955C-DAA01C9062D3}"/>
+                <a16:creationId xmlns:a16="http://schemas.microsoft.com/office/drawing/2014/main" id="{F4FEC8F0-3367-9F4A-955C-DAA01C9062D3}"/>
               </a:ext>
             </a:extLst>
           </p:cNvPr>
@@ -22321,7 +22315,7 @@
           <p:cNvPr id="147" name="Straight Arrow Connector 146">
             <a:extLst>
               <a:ext uri="{FF2B5EF4-FFF2-40B4-BE49-F238E27FC236}">
-                <a16:creationId xmlns="" xmlns:a16="http://schemas.microsoft.com/office/drawing/2014/main" id="{FCC369F6-BE13-E148-BE96-90922354B3CA}"/>
+                <a16:creationId xmlns:a16="http://schemas.microsoft.com/office/drawing/2014/main" id="{FCC369F6-BE13-E148-BE96-90922354B3CA}"/>
               </a:ext>
             </a:extLst>
           </p:cNvPr>
@@ -22367,7 +22361,7 @@
           <p:cNvPr id="149" name="Rectangle 148">
             <a:extLst>
               <a:ext uri="{FF2B5EF4-FFF2-40B4-BE49-F238E27FC236}">
-                <a16:creationId xmlns="" xmlns:a16="http://schemas.microsoft.com/office/drawing/2014/main" id="{C8C13979-2063-1C4E-B60B-1F9E3CA4CD23}"/>
+                <a16:creationId xmlns:a16="http://schemas.microsoft.com/office/drawing/2014/main" id="{C8C13979-2063-1C4E-B60B-1F9E3CA4CD23}"/>
               </a:ext>
             </a:extLst>
           </p:cNvPr>
@@ -22425,7 +22419,7 @@
           <p:cNvPr id="152" name="Straight Arrow Connector 151">
             <a:extLst>
               <a:ext uri="{FF2B5EF4-FFF2-40B4-BE49-F238E27FC236}">
-                <a16:creationId xmlns="" xmlns:a16="http://schemas.microsoft.com/office/drawing/2014/main" id="{E7CD0887-0E87-9B41-91BA-DC5A74FB2FE3}"/>
+                <a16:creationId xmlns:a16="http://schemas.microsoft.com/office/drawing/2014/main" id="{E7CD0887-0E87-9B41-91BA-DC5A74FB2FE3}"/>
               </a:ext>
             </a:extLst>
           </p:cNvPr>
@@ -22471,7 +22465,7 @@
           <p:cNvPr id="154" name="Straight Arrow Connector 153">
             <a:extLst>
               <a:ext uri="{FF2B5EF4-FFF2-40B4-BE49-F238E27FC236}">
-                <a16:creationId xmlns="" xmlns:a16="http://schemas.microsoft.com/office/drawing/2014/main" id="{3428BDB5-7C36-8645-A097-414F3F36A5E7}"/>
+                <a16:creationId xmlns:a16="http://schemas.microsoft.com/office/drawing/2014/main" id="{3428BDB5-7C36-8645-A097-414F3F36A5E7}"/>
               </a:ext>
             </a:extLst>
           </p:cNvPr>
@@ -22517,7 +22511,7 @@
           <p:cNvPr id="161" name="Straight Arrow Connector 160">
             <a:extLst>
               <a:ext uri="{FF2B5EF4-FFF2-40B4-BE49-F238E27FC236}">
-                <a16:creationId xmlns="" xmlns:a16="http://schemas.microsoft.com/office/drawing/2014/main" id="{ADA75AAD-C32F-FC4D-AA68-3BC525F4066C}"/>
+                <a16:creationId xmlns:a16="http://schemas.microsoft.com/office/drawing/2014/main" id="{ADA75AAD-C32F-FC4D-AA68-3BC525F4066C}"/>
               </a:ext>
             </a:extLst>
           </p:cNvPr>
@@ -22563,7 +22557,7 @@
           <p:cNvPr id="168" name="Rectangle 167">
             <a:extLst>
               <a:ext uri="{FF2B5EF4-FFF2-40B4-BE49-F238E27FC236}">
-                <a16:creationId xmlns="" xmlns:a16="http://schemas.microsoft.com/office/drawing/2014/main" id="{A819C52A-A221-514F-88C3-53CB1CA7C629}"/>
+                <a16:creationId xmlns:a16="http://schemas.microsoft.com/office/drawing/2014/main" id="{A819C52A-A221-514F-88C3-53CB1CA7C629}"/>
               </a:ext>
             </a:extLst>
           </p:cNvPr>
@@ -22635,22 +22629,21 @@
               <a:buChar char="•"/>
             </a:pPr>
             <a:r>
-              <a:rPr lang="sk-SK" sz="1400" dirty="0" err="1" smtClean="0"/>
+              <a:rPr lang="sk-SK" sz="1400" dirty="0" err="1"/>
               <a:t>ip</a:t>
             </a:r>
             <a:r>
-              <a:rPr lang="sk-SK" sz="1400" dirty="0" smtClean="0"/>
+              <a:rPr lang="sk-SK" sz="1400" dirty="0"/>
               <a:t>,</a:t>
             </a:r>
             <a:r>
-              <a:rPr lang="en-US" sz="1400" dirty="0" smtClean="0"/>
+              <a:rPr lang="en-US" sz="1400" dirty="0"/>
               <a:t>iv</a:t>
             </a:r>
             <a:r>
-              <a:rPr lang="sk-SK" sz="1400" dirty="0" smtClean="0"/>
-              <a:t> </a:t>
-            </a:r>
-            <a:endParaRPr lang="sk-SK" sz="1400" dirty="0"/>
+              <a:rPr lang="sk-SK" sz="1400" dirty="0"/>
+              <a:t> </a:t>
+            </a:r>
           </a:p>
           <a:p>
             <a:endParaRPr lang="sk-SK" sz="1400" dirty="0"/>
@@ -22662,7 +22655,7 @@
           <p:cNvPr id="170" name="Straight Arrow Connector 169">
             <a:extLst>
               <a:ext uri="{FF2B5EF4-FFF2-40B4-BE49-F238E27FC236}">
-                <a16:creationId xmlns="" xmlns:a16="http://schemas.microsoft.com/office/drawing/2014/main" id="{73EC35C8-41E5-FD4D-A74E-DE1030A5B949}"/>
+                <a16:creationId xmlns:a16="http://schemas.microsoft.com/office/drawing/2014/main" id="{73EC35C8-41E5-FD4D-A74E-DE1030A5B949}"/>
               </a:ext>
             </a:extLst>
           </p:cNvPr>
@@ -22708,7 +22701,7 @@
           <p:cNvPr id="178" name="Straight Arrow Connector 177">
             <a:extLst>
               <a:ext uri="{FF2B5EF4-FFF2-40B4-BE49-F238E27FC236}">
-                <a16:creationId xmlns="" xmlns:a16="http://schemas.microsoft.com/office/drawing/2014/main" id="{495DB505-0F20-7F4A-901A-59F84FB07BDD}"/>
+                <a16:creationId xmlns:a16="http://schemas.microsoft.com/office/drawing/2014/main" id="{495DB505-0F20-7F4A-901A-59F84FB07BDD}"/>
               </a:ext>
             </a:extLst>
           </p:cNvPr>
@@ -22754,7 +22747,7 @@
           <p:cNvPr id="189" name="Straight Arrow Connector 188">
             <a:extLst>
               <a:ext uri="{FF2B5EF4-FFF2-40B4-BE49-F238E27FC236}">
-                <a16:creationId xmlns="" xmlns:a16="http://schemas.microsoft.com/office/drawing/2014/main" id="{076477C6-D102-2744-90FD-EA32E92E50DA}"/>
+                <a16:creationId xmlns:a16="http://schemas.microsoft.com/office/drawing/2014/main" id="{076477C6-D102-2744-90FD-EA32E92E50DA}"/>
               </a:ext>
             </a:extLst>
           </p:cNvPr>
@@ -22800,7 +22793,7 @@
           <p:cNvPr id="194" name="Elbow Connector 193">
             <a:extLst>
               <a:ext uri="{FF2B5EF4-FFF2-40B4-BE49-F238E27FC236}">
-                <a16:creationId xmlns="" xmlns:a16="http://schemas.microsoft.com/office/drawing/2014/main" id="{9C54360B-908D-984A-8332-66CD8ABC693D}"/>
+                <a16:creationId xmlns:a16="http://schemas.microsoft.com/office/drawing/2014/main" id="{9C54360B-908D-984A-8332-66CD8ABC693D}"/>
               </a:ext>
             </a:extLst>
           </p:cNvPr>
@@ -22845,7 +22838,7 @@
           <p:cNvPr id="196" name="Elbow Connector 195">
             <a:extLst>
               <a:ext uri="{FF2B5EF4-FFF2-40B4-BE49-F238E27FC236}">
-                <a16:creationId xmlns="" xmlns:a16="http://schemas.microsoft.com/office/drawing/2014/main" id="{0969CF35-6C24-4946-B24B-F7378D115C8D}"/>
+                <a16:creationId xmlns:a16="http://schemas.microsoft.com/office/drawing/2014/main" id="{0969CF35-6C24-4946-B24B-F7378D115C8D}"/>
               </a:ext>
             </a:extLst>
           </p:cNvPr>
@@ -22895,13 +22888,6 @@
   <p:clrMapOvr>
     <a:masterClrMapping/>
   </p:clrMapOvr>
-  <p:timing>
-    <p:tnLst>
-      <p:par>
-        <p:cTn id="1" dur="indefinite" restart="never" nodeType="tmRoot"/>
-      </p:par>
-    </p:tnLst>
-  </p:timing>
 </p:sld>
 </file>
 
@@ -22927,7 +22913,7 @@
           <p:cNvPr id="7" name="Picture 6">
             <a:extLst>
               <a:ext uri="{FF2B5EF4-FFF2-40B4-BE49-F238E27FC236}">
-                <a16:creationId xmlns="" xmlns:a16="http://schemas.microsoft.com/office/drawing/2014/main" id="{DA50935B-BC0A-214C-9E58-36366DDB02A2}"/>
+                <a16:creationId xmlns:a16="http://schemas.microsoft.com/office/drawing/2014/main" id="{DA50935B-BC0A-214C-9E58-36366DDB02A2}"/>
               </a:ext>
             </a:extLst>
           </p:cNvPr>
@@ -22957,7 +22943,7 @@
           <p:cNvPr id="18" name="Picture 17">
             <a:extLst>
               <a:ext uri="{FF2B5EF4-FFF2-40B4-BE49-F238E27FC236}">
-                <a16:creationId xmlns="" xmlns:a16="http://schemas.microsoft.com/office/drawing/2014/main" id="{D2E6658C-39B6-7844-B47B-DAF2B2B75ABB}"/>
+                <a16:creationId xmlns:a16="http://schemas.microsoft.com/office/drawing/2014/main" id="{D2E6658C-39B6-7844-B47B-DAF2B2B75ABB}"/>
               </a:ext>
             </a:extLst>
           </p:cNvPr>
@@ -22989,7 +22975,7 @@
           <p:cNvPr id="2" name="Title 1">
             <a:extLst>
               <a:ext uri="{FF2B5EF4-FFF2-40B4-BE49-F238E27FC236}">
-                <a16:creationId xmlns="" xmlns:a16="http://schemas.microsoft.com/office/drawing/2014/main" id="{FCE8FB6C-9F11-B84E-BF31-9612957DA6EB}"/>
+                <a16:creationId xmlns:a16="http://schemas.microsoft.com/office/drawing/2014/main" id="{FCE8FB6C-9F11-B84E-BF31-9612957DA6EB}"/>
               </a:ext>
             </a:extLst>
           </p:cNvPr>
@@ -23022,7 +23008,7 @@
           <p:cNvPr id="4" name="Content Placeholder 3">
             <a:extLst>
               <a:ext uri="{FF2B5EF4-FFF2-40B4-BE49-F238E27FC236}">
-                <a16:creationId xmlns="" xmlns:a16="http://schemas.microsoft.com/office/drawing/2014/main" id="{0A3C529C-D2FB-1246-823D-62ABEA5B7B5F}"/>
+                <a16:creationId xmlns:a16="http://schemas.microsoft.com/office/drawing/2014/main" id="{0A3C529C-D2FB-1246-823D-62ABEA5B7B5F}"/>
               </a:ext>
             </a:extLst>
           </p:cNvPr>
@@ -23293,7 +23279,7 @@
           <p:cNvPr id="10" name="Rectangle 9">
             <a:extLst>
               <a:ext uri="{FF2B5EF4-FFF2-40B4-BE49-F238E27FC236}">
-                <a16:creationId xmlns="" xmlns:a16="http://schemas.microsoft.com/office/drawing/2014/main" id="{690B006E-D184-D848-83DD-988648879A29}"/>
+                <a16:creationId xmlns:a16="http://schemas.microsoft.com/office/drawing/2014/main" id="{690B006E-D184-D848-83DD-988648879A29}"/>
               </a:ext>
             </a:extLst>
           </p:cNvPr>
@@ -23345,7 +23331,7 @@
           <p:cNvPr id="11" name="Rectangle 10">
             <a:extLst>
               <a:ext uri="{FF2B5EF4-FFF2-40B4-BE49-F238E27FC236}">
-                <a16:creationId xmlns="" xmlns:a16="http://schemas.microsoft.com/office/drawing/2014/main" id="{FA04386B-B9A6-2643-A1C7-B06451380D64}"/>
+                <a16:creationId xmlns:a16="http://schemas.microsoft.com/office/drawing/2014/main" id="{FA04386B-B9A6-2643-A1C7-B06451380D64}"/>
               </a:ext>
             </a:extLst>
           </p:cNvPr>
@@ -23399,7 +23385,7 @@
           <p:cNvPr id="12" name="Rectangle 11">
             <a:extLst>
               <a:ext uri="{FF2B5EF4-FFF2-40B4-BE49-F238E27FC236}">
-                <a16:creationId xmlns="" xmlns:a16="http://schemas.microsoft.com/office/drawing/2014/main" id="{B2815F4B-F7B1-7747-8E7F-D7994FAB9C48}"/>
+                <a16:creationId xmlns:a16="http://schemas.microsoft.com/office/drawing/2014/main" id="{B2815F4B-F7B1-7747-8E7F-D7994FAB9C48}"/>
               </a:ext>
             </a:extLst>
           </p:cNvPr>
@@ -23451,7 +23437,7 @@
           <p:cNvPr id="3" name="Right Arrow 2">
             <a:extLst>
               <a:ext uri="{FF2B5EF4-FFF2-40B4-BE49-F238E27FC236}">
-                <a16:creationId xmlns="" xmlns:a16="http://schemas.microsoft.com/office/drawing/2014/main" id="{C34DB843-49F6-B849-BD6A-FDC4572E6D03}"/>
+                <a16:creationId xmlns:a16="http://schemas.microsoft.com/office/drawing/2014/main" id="{C34DB843-49F6-B849-BD6A-FDC4572E6D03}"/>
               </a:ext>
             </a:extLst>
           </p:cNvPr>
@@ -23510,7 +23496,7 @@
           <p:cNvPr id="20" name="Rectangle 19">
             <a:extLst>
               <a:ext uri="{FF2B5EF4-FFF2-40B4-BE49-F238E27FC236}">
-                <a16:creationId xmlns="" xmlns:a16="http://schemas.microsoft.com/office/drawing/2014/main" id="{76F69663-0423-C443-86CD-B936C3A1D62F}"/>
+                <a16:creationId xmlns:a16="http://schemas.microsoft.com/office/drawing/2014/main" id="{76F69663-0423-C443-86CD-B936C3A1D62F}"/>
               </a:ext>
             </a:extLst>
           </p:cNvPr>
@@ -23606,7 +23592,7 @@
           <p:cNvPr id="21" name="Rectangle 20">
             <a:extLst>
               <a:ext uri="{FF2B5EF4-FFF2-40B4-BE49-F238E27FC236}">
-                <a16:creationId xmlns="" xmlns:a16="http://schemas.microsoft.com/office/drawing/2014/main" id="{E685A6C0-CB3B-124C-A8A8-8042BF899D2E}"/>
+                <a16:creationId xmlns:a16="http://schemas.microsoft.com/office/drawing/2014/main" id="{E685A6C0-CB3B-124C-A8A8-8042BF899D2E}"/>
               </a:ext>
             </a:extLst>
           </p:cNvPr>
@@ -23688,7 +23674,7 @@
           <p:cNvPr id="24" name="Rectangle 23">
             <a:extLst>
               <a:ext uri="{FF2B5EF4-FFF2-40B4-BE49-F238E27FC236}">
-                <a16:creationId xmlns="" xmlns:a16="http://schemas.microsoft.com/office/drawing/2014/main" id="{1BFD8F03-D63C-574F-9D37-DD4747DCAFF5}"/>
+                <a16:creationId xmlns:a16="http://schemas.microsoft.com/office/drawing/2014/main" id="{1BFD8F03-D63C-574F-9D37-DD4747DCAFF5}"/>
               </a:ext>
             </a:extLst>
           </p:cNvPr>
@@ -23768,7 +23754,7 @@
           <p:cNvPr id="13" name="Straight Arrow Connector 12">
             <a:extLst>
               <a:ext uri="{FF2B5EF4-FFF2-40B4-BE49-F238E27FC236}">
-                <a16:creationId xmlns="" xmlns:a16="http://schemas.microsoft.com/office/drawing/2014/main" id="{8C356FAD-3485-274C-A5FD-985EB2FCBA94}"/>
+                <a16:creationId xmlns:a16="http://schemas.microsoft.com/office/drawing/2014/main" id="{8C356FAD-3485-274C-A5FD-985EB2FCBA94}"/>
               </a:ext>
             </a:extLst>
           </p:cNvPr>
@@ -23812,7 +23798,7 @@
           <p:cNvPr id="25" name="TextBox 24">
             <a:extLst>
               <a:ext uri="{FF2B5EF4-FFF2-40B4-BE49-F238E27FC236}">
-                <a16:creationId xmlns="" xmlns:a16="http://schemas.microsoft.com/office/drawing/2014/main" id="{47FE97C4-25C2-8849-96F2-256F5710A2C4}"/>
+                <a16:creationId xmlns:a16="http://schemas.microsoft.com/office/drawing/2014/main" id="{47FE97C4-25C2-8849-96F2-256F5710A2C4}"/>
               </a:ext>
             </a:extLst>
           </p:cNvPr>
@@ -23853,7 +23839,7 @@
           <p:cNvPr id="59" name="Elbow Connector 58">
             <a:extLst>
               <a:ext uri="{FF2B5EF4-FFF2-40B4-BE49-F238E27FC236}">
-                <a16:creationId xmlns="" xmlns:a16="http://schemas.microsoft.com/office/drawing/2014/main" id="{586D0B48-2B5C-794C-85FF-EAE24A0B15D0}"/>
+                <a16:creationId xmlns:a16="http://schemas.microsoft.com/office/drawing/2014/main" id="{586D0B48-2B5C-794C-85FF-EAE24A0B15D0}"/>
               </a:ext>
             </a:extLst>
           </p:cNvPr>
@@ -23901,7 +23887,7 @@
           <p:cNvPr id="74" name="Elbow Connector 73">
             <a:extLst>
               <a:ext uri="{FF2B5EF4-FFF2-40B4-BE49-F238E27FC236}">
-                <a16:creationId xmlns="" xmlns:a16="http://schemas.microsoft.com/office/drawing/2014/main" id="{076C4E85-86F6-B649-A919-7949B70DAC53}"/>
+                <a16:creationId xmlns:a16="http://schemas.microsoft.com/office/drawing/2014/main" id="{076C4E85-86F6-B649-A919-7949B70DAC53}"/>
               </a:ext>
             </a:extLst>
           </p:cNvPr>
@@ -23949,7 +23935,7 @@
           <p:cNvPr id="75" name="Right Arrow 74">
             <a:extLst>
               <a:ext uri="{FF2B5EF4-FFF2-40B4-BE49-F238E27FC236}">
-                <a16:creationId xmlns="" xmlns:a16="http://schemas.microsoft.com/office/drawing/2014/main" id="{DA1A1E57-A8B3-254F-BEF9-DB843DF2F0D2}"/>
+                <a16:creationId xmlns:a16="http://schemas.microsoft.com/office/drawing/2014/main" id="{DA1A1E57-A8B3-254F-BEF9-DB843DF2F0D2}"/>
               </a:ext>
             </a:extLst>
           </p:cNvPr>
@@ -23997,11 +23983,11 @@
           <a:p>
             <a:pPr algn="ctr"/>
             <a:r>
-              <a:rPr lang="en-US" sz="800" dirty="0" err="1" smtClean="0"/>
+              <a:rPr lang="en-US" sz="800" dirty="0" err="1"/>
               <a:t>funct</a:t>
             </a:r>
             <a:r>
-              <a:rPr lang="en-US" sz="800" dirty="0" smtClean="0"/>
+              <a:rPr lang="en-US" sz="800" dirty="0"/>
               <a:t> call</a:t>
             </a:r>
             <a:endParaRPr lang="sk-SK" sz="800" dirty="0"/>
@@ -24018,13 +24004,6 @@
   <p:clrMapOvr>
     <a:masterClrMapping/>
   </p:clrMapOvr>
-  <p:timing>
-    <p:tnLst>
-      <p:par>
-        <p:cTn id="1" dur="indefinite" restart="never" nodeType="tmRoot"/>
-      </p:par>
-    </p:tnLst>
-  </p:timing>
 </p:sld>
 </file>
 
@@ -24061,7 +24040,7 @@
           <a:lstStyle/>
           <a:p>
             <a:r>
-              <a:rPr lang="en-US" dirty="0" smtClean="0"/>
+              <a:rPr lang="en-US" dirty="0"/>
               <a:t>Closure (basic usage)</a:t>
             </a:r>
             <a:endParaRPr lang="sk-SK" dirty="0"/>
@@ -24140,13 +24119,6 @@
   <p:clrMapOvr>
     <a:masterClrMapping/>
   </p:clrMapOvr>
-  <p:timing>
-    <p:tnLst>
-      <p:par>
-        <p:cTn id="1" dur="indefinite" restart="never" nodeType="tmRoot"/>
-      </p:par>
-    </p:tnLst>
-  </p:timing>
 </p:sld>
 </file>
 
@@ -24172,7 +24144,7 @@
           <p:cNvPr id="2" name="Title 1">
             <a:extLst>
               <a:ext uri="{FF2B5EF4-FFF2-40B4-BE49-F238E27FC236}">
-                <a16:creationId xmlns="" xmlns:a16="http://schemas.microsoft.com/office/drawing/2014/main" id="{0CB42C99-C3BE-BD48-A0A6-AFD006CBF97D}"/>
+                <a16:creationId xmlns:a16="http://schemas.microsoft.com/office/drawing/2014/main" id="{0CB42C99-C3BE-BD48-A0A6-AFD006CBF97D}"/>
               </a:ext>
             </a:extLst>
           </p:cNvPr>
@@ -24225,7 +24197,7 @@
           <p:cNvPr id="3" name="Content Placeholder 2">
             <a:extLst>
               <a:ext uri="{FF2B5EF4-FFF2-40B4-BE49-F238E27FC236}">
-                <a16:creationId xmlns="" xmlns:a16="http://schemas.microsoft.com/office/drawing/2014/main" id="{E3001124-81AC-1A43-B7FB-AA0BF73ADC00}"/>
+                <a16:creationId xmlns:a16="http://schemas.microsoft.com/office/drawing/2014/main" id="{E3001124-81AC-1A43-B7FB-AA0BF73ADC00}"/>
               </a:ext>
             </a:extLst>
           </p:cNvPr>
@@ -24432,7 +24404,7 @@
           <p:cNvPr id="6" name="Content Placeholder 5">
             <a:extLst>
               <a:ext uri="{FF2B5EF4-FFF2-40B4-BE49-F238E27FC236}">
-                <a16:creationId xmlns="" xmlns:a16="http://schemas.microsoft.com/office/drawing/2014/main" id="{F36231AE-EC39-FE45-B24C-F69B3EA0B455}"/>
+                <a16:creationId xmlns:a16="http://schemas.microsoft.com/office/drawing/2014/main" id="{F36231AE-EC39-FE45-B24C-F69B3EA0B455}"/>
               </a:ext>
             </a:extLst>
           </p:cNvPr>
@@ -24459,7 +24431,7 @@
           <p:cNvPr id="9" name="Picture 8">
             <a:extLst>
               <a:ext uri="{FF2B5EF4-FFF2-40B4-BE49-F238E27FC236}">
-                <a16:creationId xmlns="" xmlns:a16="http://schemas.microsoft.com/office/drawing/2014/main" id="{717DFC74-94FE-2F4E-A17B-10DD1F97DAC3}"/>
+                <a16:creationId xmlns:a16="http://schemas.microsoft.com/office/drawing/2014/main" id="{717DFC74-94FE-2F4E-A17B-10DD1F97DAC3}"/>
               </a:ext>
             </a:extLst>
           </p:cNvPr>
@@ -24489,7 +24461,7 @@
           <p:cNvPr id="10" name="Rectangle 9">
             <a:extLst>
               <a:ext uri="{FF2B5EF4-FFF2-40B4-BE49-F238E27FC236}">
-                <a16:creationId xmlns="" xmlns:a16="http://schemas.microsoft.com/office/drawing/2014/main" id="{0B814260-FBFA-C44D-9A61-41AEEA206DC1}"/>
+                <a16:creationId xmlns:a16="http://schemas.microsoft.com/office/drawing/2014/main" id="{0B814260-FBFA-C44D-9A61-41AEEA206DC1}"/>
               </a:ext>
             </a:extLst>
           </p:cNvPr>
@@ -24543,7 +24515,7 @@
           <p:cNvPr id="11" name="Rectangle 10">
             <a:extLst>
               <a:ext uri="{FF2B5EF4-FFF2-40B4-BE49-F238E27FC236}">
-                <a16:creationId xmlns="" xmlns:a16="http://schemas.microsoft.com/office/drawing/2014/main" id="{F3088460-2291-634A-8A08-3E13D65C8F40}"/>
+                <a16:creationId xmlns:a16="http://schemas.microsoft.com/office/drawing/2014/main" id="{F3088460-2291-634A-8A08-3E13D65C8F40}"/>
               </a:ext>
             </a:extLst>
           </p:cNvPr>
@@ -24597,7 +24569,7 @@
           <p:cNvPr id="12" name="Rectangle 11">
             <a:extLst>
               <a:ext uri="{FF2B5EF4-FFF2-40B4-BE49-F238E27FC236}">
-                <a16:creationId xmlns="" xmlns:a16="http://schemas.microsoft.com/office/drawing/2014/main" id="{51D56F32-E6DC-D449-A420-01C03D991166}"/>
+                <a16:creationId xmlns:a16="http://schemas.microsoft.com/office/drawing/2014/main" id="{51D56F32-E6DC-D449-A420-01C03D991166}"/>
               </a:ext>
             </a:extLst>
           </p:cNvPr>
@@ -24651,7 +24623,7 @@
           <p:cNvPr id="13" name="Rectangle 12">
             <a:extLst>
               <a:ext uri="{FF2B5EF4-FFF2-40B4-BE49-F238E27FC236}">
-                <a16:creationId xmlns="" xmlns:a16="http://schemas.microsoft.com/office/drawing/2014/main" id="{D26F619A-91D9-974E-9BBD-DC11C0A8A528}"/>
+                <a16:creationId xmlns:a16="http://schemas.microsoft.com/office/drawing/2014/main" id="{D26F619A-91D9-974E-9BBD-DC11C0A8A528}"/>
               </a:ext>
             </a:extLst>
           </p:cNvPr>
@@ -24705,7 +24677,7 @@
           <p:cNvPr id="14" name="Rectangle 13">
             <a:extLst>
               <a:ext uri="{FF2B5EF4-FFF2-40B4-BE49-F238E27FC236}">
-                <a16:creationId xmlns="" xmlns:a16="http://schemas.microsoft.com/office/drawing/2014/main" id="{3DEF9710-2DFC-0C43-9314-9243B6E67E5B}"/>
+                <a16:creationId xmlns:a16="http://schemas.microsoft.com/office/drawing/2014/main" id="{3DEF9710-2DFC-0C43-9314-9243B6E67E5B}"/>
               </a:ext>
             </a:extLst>
           </p:cNvPr>
@@ -24760,7 +24732,7 @@
           <p:cNvPr id="15" name="Rectangle 14">
             <a:extLst>
               <a:ext uri="{FF2B5EF4-FFF2-40B4-BE49-F238E27FC236}">
-                <a16:creationId xmlns="" xmlns:a16="http://schemas.microsoft.com/office/drawing/2014/main" id="{A2183B4D-3027-7349-921A-A351B50E4063}"/>
+                <a16:creationId xmlns:a16="http://schemas.microsoft.com/office/drawing/2014/main" id="{A2183B4D-3027-7349-921A-A351B50E4063}"/>
               </a:ext>
             </a:extLst>
           </p:cNvPr>
@@ -24815,7 +24787,7 @@
           <p:cNvPr id="19" name="Rectangle 18">
             <a:extLst>
               <a:ext uri="{FF2B5EF4-FFF2-40B4-BE49-F238E27FC236}">
-                <a16:creationId xmlns="" xmlns:a16="http://schemas.microsoft.com/office/drawing/2014/main" id="{A63CA0E0-E1E0-F045-A040-41CE927ABCDE}"/>
+                <a16:creationId xmlns:a16="http://schemas.microsoft.com/office/drawing/2014/main" id="{A63CA0E0-E1E0-F045-A040-41CE927ABCDE}"/>
               </a:ext>
             </a:extLst>
           </p:cNvPr>
@@ -24881,7 +24853,7 @@
           <p:cNvPr id="20" name="Rectangle 19">
             <a:extLst>
               <a:ext uri="{FF2B5EF4-FFF2-40B4-BE49-F238E27FC236}">
-                <a16:creationId xmlns="" xmlns:a16="http://schemas.microsoft.com/office/drawing/2014/main" id="{B6F8A203-8FD2-0E41-9629-48ABEE18BBFC}"/>
+                <a16:creationId xmlns:a16="http://schemas.microsoft.com/office/drawing/2014/main" id="{B6F8A203-8FD2-0E41-9629-48ABEE18BBFC}"/>
               </a:ext>
             </a:extLst>
           </p:cNvPr>
@@ -24955,7 +24927,7 @@
           <p:cNvPr id="21" name="Rectangle 20">
             <a:extLst>
               <a:ext uri="{FF2B5EF4-FFF2-40B4-BE49-F238E27FC236}">
-                <a16:creationId xmlns="" xmlns:a16="http://schemas.microsoft.com/office/drawing/2014/main" id="{DF0494E8-71F9-2643-AAD2-595F2A254727}"/>
+                <a16:creationId xmlns:a16="http://schemas.microsoft.com/office/drawing/2014/main" id="{DF0494E8-71F9-2643-AAD2-595F2A254727}"/>
               </a:ext>
             </a:extLst>
           </p:cNvPr>
@@ -25461,7 +25433,7 @@
           <p:cNvPr id="2" name="Title 1">
             <a:extLst>
               <a:ext uri="{FF2B5EF4-FFF2-40B4-BE49-F238E27FC236}">
-                <a16:creationId xmlns="" xmlns:a16="http://schemas.microsoft.com/office/drawing/2014/main" id="{13F79A4C-5A33-4D43-BB29-2D26564CC4AA}"/>
+                <a16:creationId xmlns:a16="http://schemas.microsoft.com/office/drawing/2014/main" id="{13F79A4C-5A33-4D43-BB29-2D26564CC4AA}"/>
               </a:ext>
             </a:extLst>
           </p:cNvPr>
@@ -25489,7 +25461,7 @@
           <p:cNvPr id="3" name="Content Placeholder 2">
             <a:extLst>
               <a:ext uri="{FF2B5EF4-FFF2-40B4-BE49-F238E27FC236}">
-                <a16:creationId xmlns="" xmlns:a16="http://schemas.microsoft.com/office/drawing/2014/main" id="{E5425D51-16EC-5245-A5A7-4A151797B752}"/>
+                <a16:creationId xmlns:a16="http://schemas.microsoft.com/office/drawing/2014/main" id="{E5425D51-16EC-5245-A5A7-4A151797B752}"/>
               </a:ext>
             </a:extLst>
           </p:cNvPr>
@@ -25625,23 +25597,15 @@
           <a:p>
             <a:r>
               <a:rPr lang="sk-SK" dirty="0"/>
-              <a:t>Určiť na </a:t>
-            </a:r>
-            <a:r>
-              <a:rPr lang="sk-SK" dirty="0" smtClean="0"/>
-              <a:t>príklade</a:t>
-            </a:r>
-            <a:r>
-              <a:rPr lang="en-US" dirty="0" smtClean="0"/>
+              <a:t>Určiť na príklade</a:t>
+            </a:r>
+            <a:r>
+              <a:rPr lang="en-US" dirty="0"/>
               <a:t>, </a:t>
             </a:r>
             <a:r>
-              <a:rPr lang="sk-SK" dirty="0" smtClean="0"/>
-              <a:t>ktoré </a:t>
-            </a:r>
-            <a:r>
-              <a:rPr lang="sk-SK" dirty="0"/>
-              <a:t>identifikátory sú dostupné pri volaní funkcie a vysvetliť prečo </a:t>
+              <a:rPr lang="sk-SK" dirty="0"/>
+              <a:t>ktoré identifikátory sú dostupné pri volaní funkcie a vysvetliť prečo </a:t>
             </a:r>
           </a:p>
           <a:p>
@@ -25665,13 +25629,6 @@
   <p:clrMapOvr>
     <a:masterClrMapping/>
   </p:clrMapOvr>
-  <p:timing>
-    <p:tnLst>
-      <p:par>
-        <p:cTn id="1" dur="indefinite" restart="never" nodeType="tmRoot"/>
-      </p:par>
-    </p:tnLst>
-  </p:timing>
 </p:sld>
 </file>
 
@@ -25705,10 +25662,10 @@
           <p:cNvPr id="10" name="Rectangle 9">
             <a:extLst>
               <a:ext uri="{FF2B5EF4-FFF2-40B4-BE49-F238E27FC236}">
-                <a16:creationId xmlns="" xmlns:a16="http://schemas.microsoft.com/office/drawing/2014/main" id="{23962611-DFD5-4092-AAFD-559E3DFCE2C9}"/>
+                <a16:creationId xmlns:a16="http://schemas.microsoft.com/office/drawing/2014/main" id="{23962611-DFD5-4092-AAFD-559E3DFCE2C9}"/>
               </a:ext>
               <a:ext uri="{C183D7F6-B498-43B3-948B-1728B52AA6E4}">
-                <adec:decorative xmlns="" xmlns:adec="http://schemas.microsoft.com/office/drawing/2017/decorative" val="1"/>
+                <adec:decorative xmlns:adec="http://schemas.microsoft.com/office/drawing/2017/decorative" val="1"/>
               </a:ext>
             </a:extLst>
           </p:cNvPr>
@@ -25718,7 +25675,7 @@
           <p:nvPr>
             <p:extLst>
               <p:ext uri="{386F3935-93C4-4BCD-93E2-E3B085C9AB24}">
-                <p16:designElem xmlns="" xmlns:p16="http://schemas.microsoft.com/office/powerpoint/2015/main" val="1"/>
+                <p16:designElem xmlns:p16="http://schemas.microsoft.com/office/powerpoint/2015/main" val="1"/>
               </p:ext>
             </p:extLst>
           </p:nvPr>
@@ -25790,10 +25747,10 @@
           <p:cNvPr id="12" name="Picture 11">
             <a:extLst>
               <a:ext uri="{FF2B5EF4-FFF2-40B4-BE49-F238E27FC236}">
-                <a16:creationId xmlns="" xmlns:a16="http://schemas.microsoft.com/office/drawing/2014/main" id="{2270F1FA-0425-408F-9861-80BF5AFB276D}"/>
+                <a16:creationId xmlns:a16="http://schemas.microsoft.com/office/drawing/2014/main" id="{2270F1FA-0425-408F-9861-80BF5AFB276D}"/>
               </a:ext>
               <a:ext uri="{C183D7F6-B498-43B3-948B-1728B52AA6E4}">
-                <adec:decorative xmlns="" xmlns:adec="http://schemas.microsoft.com/office/drawing/2017/decorative" val="1"/>
+                <adec:decorative xmlns:adec="http://schemas.microsoft.com/office/drawing/2017/decorative" val="1"/>
               </a:ext>
             </a:extLst>
           </p:cNvPr>
@@ -25803,7 +25760,7 @@
           <p:nvPr>
             <p:extLst>
               <p:ext uri="{386F3935-93C4-4BCD-93E2-E3B085C9AB24}">
-                <p16:designElem xmlns="" xmlns:p16="http://schemas.microsoft.com/office/powerpoint/2015/main" val="1"/>
+                <p16:designElem xmlns:p16="http://schemas.microsoft.com/office/powerpoint/2015/main" val="1"/>
               </p:ext>
             </p:extLst>
           </p:nvPr>
@@ -25835,7 +25792,7 @@
           <p:cNvPr id="2" name="Title 1">
             <a:extLst>
               <a:ext uri="{FF2B5EF4-FFF2-40B4-BE49-F238E27FC236}">
-                <a16:creationId xmlns="" xmlns:a16="http://schemas.microsoft.com/office/drawing/2014/main" id="{B79E343A-F1BB-1D4F-BDC6-6B36116569D5}"/>
+                <a16:creationId xmlns:a16="http://schemas.microsoft.com/office/drawing/2014/main" id="{B79E343A-F1BB-1D4F-BDC6-6B36116569D5}"/>
               </a:ext>
             </a:extLst>
           </p:cNvPr>
@@ -25874,7 +25831,7 @@
           <p:cNvPr id="5" name="Subtitle 4">
             <a:extLst>
               <a:ext uri="{FF2B5EF4-FFF2-40B4-BE49-F238E27FC236}">
-                <a16:creationId xmlns="" xmlns:a16="http://schemas.microsoft.com/office/drawing/2014/main" id="{8EA04AC5-19B8-5444-B10D-18059D5478D4}"/>
+                <a16:creationId xmlns:a16="http://schemas.microsoft.com/office/drawing/2014/main" id="{8EA04AC5-19B8-5444-B10D-18059D5478D4}"/>
               </a:ext>
             </a:extLst>
           </p:cNvPr>
@@ -25915,13 +25872,6 @@
   <p:clrMapOvr>
     <a:masterClrMapping/>
   </p:clrMapOvr>
-  <p:timing>
-    <p:tnLst>
-      <p:par>
-        <p:cTn id="1" dur="indefinite" restart="never" nodeType="tmRoot"/>
-      </p:par>
-    </p:tnLst>
-  </p:timing>
 </p:sld>
 </file>
 
@@ -25947,7 +25897,7 @@
           <p:cNvPr id="9" name="Picture 8">
             <a:extLst>
               <a:ext uri="{FF2B5EF4-FFF2-40B4-BE49-F238E27FC236}">
-                <a16:creationId xmlns="" xmlns:a16="http://schemas.microsoft.com/office/drawing/2014/main" id="{515E14B5-C4AC-5242-A323-F2B8230146AA}"/>
+                <a16:creationId xmlns:a16="http://schemas.microsoft.com/office/drawing/2014/main" id="{515E14B5-C4AC-5242-A323-F2B8230146AA}"/>
               </a:ext>
             </a:extLst>
           </p:cNvPr>
@@ -25977,7 +25927,7 @@
           <p:cNvPr id="2" name="Title 1">
             <a:extLst>
               <a:ext uri="{FF2B5EF4-FFF2-40B4-BE49-F238E27FC236}">
-                <a16:creationId xmlns="" xmlns:a16="http://schemas.microsoft.com/office/drawing/2014/main" id="{B86EDD73-2609-D84E-B84A-576B6B1AC0E2}"/>
+                <a16:creationId xmlns:a16="http://schemas.microsoft.com/office/drawing/2014/main" id="{B86EDD73-2609-D84E-B84A-576B6B1AC0E2}"/>
               </a:ext>
             </a:extLst>
           </p:cNvPr>
@@ -26014,7 +25964,7 @@
           <p:cNvPr id="7" name="Rectangle 6">
             <a:extLst>
               <a:ext uri="{FF2B5EF4-FFF2-40B4-BE49-F238E27FC236}">
-                <a16:creationId xmlns="" xmlns:a16="http://schemas.microsoft.com/office/drawing/2014/main" id="{3C0D3063-70D9-8041-9681-418BDAD23B48}"/>
+                <a16:creationId xmlns:a16="http://schemas.microsoft.com/office/drawing/2014/main" id="{3C0D3063-70D9-8041-9681-418BDAD23B48}"/>
               </a:ext>
             </a:extLst>
           </p:cNvPr>
@@ -26268,7 +26218,7 @@
           <p:cNvPr id="8" name="Picture 7">
             <a:extLst>
               <a:ext uri="{FF2B5EF4-FFF2-40B4-BE49-F238E27FC236}">
-                <a16:creationId xmlns="" xmlns:a16="http://schemas.microsoft.com/office/drawing/2014/main" id="{AD52972B-38C4-1344-B4C8-7B59818E9A0A}"/>
+                <a16:creationId xmlns:a16="http://schemas.microsoft.com/office/drawing/2014/main" id="{AD52972B-38C4-1344-B4C8-7B59818E9A0A}"/>
               </a:ext>
             </a:extLst>
           </p:cNvPr>
@@ -26303,7 +26253,7 @@
           <p:cNvPr id="12" name="Group 11">
             <a:extLst>
               <a:ext uri="{FF2B5EF4-FFF2-40B4-BE49-F238E27FC236}">
-                <a16:creationId xmlns="" xmlns:a16="http://schemas.microsoft.com/office/drawing/2014/main" id="{DE686785-E6BE-A84E-BA03-EA42C1BDDD9D}"/>
+                <a16:creationId xmlns:a16="http://schemas.microsoft.com/office/drawing/2014/main" id="{DE686785-E6BE-A84E-BA03-EA42C1BDDD9D}"/>
               </a:ext>
             </a:extLst>
           </p:cNvPr>
@@ -26323,7 +26273,7 @@
             <p:cNvPr id="10" name="Picture 9">
               <a:extLst>
                 <a:ext uri="{FF2B5EF4-FFF2-40B4-BE49-F238E27FC236}">
-                  <a16:creationId xmlns="" xmlns:a16="http://schemas.microsoft.com/office/drawing/2014/main" id="{D58CCF73-9B40-EB4F-86CD-525FBAE9C860}"/>
+                  <a16:creationId xmlns:a16="http://schemas.microsoft.com/office/drawing/2014/main" id="{D58CCF73-9B40-EB4F-86CD-525FBAE9C860}"/>
                 </a:ext>
               </a:extLst>
             </p:cNvPr>
@@ -26353,7 +26303,7 @@
             <p:cNvPr id="11" name="Picture 10">
               <a:extLst>
                 <a:ext uri="{FF2B5EF4-FFF2-40B4-BE49-F238E27FC236}">
-                  <a16:creationId xmlns="" xmlns:a16="http://schemas.microsoft.com/office/drawing/2014/main" id="{048657A9-7F6B-6B4F-A8E1-26A3507584A2}"/>
+                  <a16:creationId xmlns:a16="http://schemas.microsoft.com/office/drawing/2014/main" id="{048657A9-7F6B-6B4F-A8E1-26A3507584A2}"/>
                 </a:ext>
               </a:extLst>
             </p:cNvPr>
@@ -26384,7 +26334,7 @@
           <p:cNvPr id="13" name="Picture 12">
             <a:extLst>
               <a:ext uri="{FF2B5EF4-FFF2-40B4-BE49-F238E27FC236}">
-                <a16:creationId xmlns="" xmlns:a16="http://schemas.microsoft.com/office/drawing/2014/main" id="{504E929A-CA1E-AD4C-A694-082D4953942C}"/>
+                <a16:creationId xmlns:a16="http://schemas.microsoft.com/office/drawing/2014/main" id="{504E929A-CA1E-AD4C-A694-082D4953942C}"/>
               </a:ext>
             </a:extLst>
           </p:cNvPr>
@@ -26414,7 +26364,7 @@
           <p:cNvPr id="15" name="Straight Connector 14">
             <a:extLst>
               <a:ext uri="{FF2B5EF4-FFF2-40B4-BE49-F238E27FC236}">
-                <a16:creationId xmlns="" xmlns:a16="http://schemas.microsoft.com/office/drawing/2014/main" id="{6664CA44-A082-6C44-ACBE-7AA1B5F54C7E}"/>
+                <a16:creationId xmlns:a16="http://schemas.microsoft.com/office/drawing/2014/main" id="{6664CA44-A082-6C44-ACBE-7AA1B5F54C7E}"/>
               </a:ext>
             </a:extLst>
           </p:cNvPr>
@@ -26452,7 +26402,7 @@
           <p:cNvPr id="17" name="Straight Connector 16">
             <a:extLst>
               <a:ext uri="{FF2B5EF4-FFF2-40B4-BE49-F238E27FC236}">
-                <a16:creationId xmlns="" xmlns:a16="http://schemas.microsoft.com/office/drawing/2014/main" id="{F25D8017-2393-784E-A525-867A5B5ED46F}"/>
+                <a16:creationId xmlns:a16="http://schemas.microsoft.com/office/drawing/2014/main" id="{F25D8017-2393-784E-A525-867A5B5ED46F}"/>
               </a:ext>
             </a:extLst>
           </p:cNvPr>
@@ -26490,7 +26440,7 @@
           <p:cNvPr id="18" name="TextBox 17">
             <a:extLst>
               <a:ext uri="{FF2B5EF4-FFF2-40B4-BE49-F238E27FC236}">
-                <a16:creationId xmlns="" xmlns:a16="http://schemas.microsoft.com/office/drawing/2014/main" id="{B94517B7-C663-B447-B074-361F934A4310}"/>
+                <a16:creationId xmlns:a16="http://schemas.microsoft.com/office/drawing/2014/main" id="{B94517B7-C663-B447-B074-361F934A4310}"/>
               </a:ext>
             </a:extLst>
           </p:cNvPr>
@@ -26558,7 +26508,7 @@
           <p:cNvPr id="19" name="TextBox 18">
             <a:extLst>
               <a:ext uri="{FF2B5EF4-FFF2-40B4-BE49-F238E27FC236}">
-                <a16:creationId xmlns="" xmlns:a16="http://schemas.microsoft.com/office/drawing/2014/main" id="{87FF0E5F-8026-0442-BB8D-C314B3176EC0}"/>
+                <a16:creationId xmlns:a16="http://schemas.microsoft.com/office/drawing/2014/main" id="{87FF0E5F-8026-0442-BB8D-C314B3176EC0}"/>
               </a:ext>
             </a:extLst>
           </p:cNvPr>
@@ -26618,7 +26568,7 @@
           <p:cNvPr id="20" name="TextBox 19">
             <a:extLst>
               <a:ext uri="{FF2B5EF4-FFF2-40B4-BE49-F238E27FC236}">
-                <a16:creationId xmlns="" xmlns:a16="http://schemas.microsoft.com/office/drawing/2014/main" id="{F11D7AFC-5D24-404C-B7B2-F14C464634A4}"/>
+                <a16:creationId xmlns:a16="http://schemas.microsoft.com/office/drawing/2014/main" id="{F11D7AFC-5D24-404C-B7B2-F14C464634A4}"/>
               </a:ext>
             </a:extLst>
           </p:cNvPr>
@@ -27083,7 +27033,7 @@
           <p:cNvPr id="2" name="Title 1">
             <a:extLst>
               <a:ext uri="{FF2B5EF4-FFF2-40B4-BE49-F238E27FC236}">
-                <a16:creationId xmlns="" xmlns:a16="http://schemas.microsoft.com/office/drawing/2014/main" id="{9530A787-D0B0-F441-A21B-CEA393BEA8C5}"/>
+                <a16:creationId xmlns:a16="http://schemas.microsoft.com/office/drawing/2014/main" id="{9530A787-D0B0-F441-A21B-CEA393BEA8C5}"/>
               </a:ext>
             </a:extLst>
           </p:cNvPr>
@@ -27118,7 +27068,7 @@
           <p:cNvPr id="5" name="Picture 4">
             <a:extLst>
               <a:ext uri="{FF2B5EF4-FFF2-40B4-BE49-F238E27FC236}">
-                <a16:creationId xmlns="" xmlns:a16="http://schemas.microsoft.com/office/drawing/2014/main" id="{93A46709-477C-5D49-AD4D-057265A3F507}"/>
+                <a16:creationId xmlns:a16="http://schemas.microsoft.com/office/drawing/2014/main" id="{93A46709-477C-5D49-AD4D-057265A3F507}"/>
               </a:ext>
             </a:extLst>
           </p:cNvPr>
@@ -27148,7 +27098,7 @@
           <p:cNvPr id="7" name="Rectangle 6">
             <a:extLst>
               <a:ext uri="{FF2B5EF4-FFF2-40B4-BE49-F238E27FC236}">
-                <a16:creationId xmlns="" xmlns:a16="http://schemas.microsoft.com/office/drawing/2014/main" id="{B3AEDA46-8EA1-0443-9C31-D15B27121FD8}"/>
+                <a16:creationId xmlns:a16="http://schemas.microsoft.com/office/drawing/2014/main" id="{B3AEDA46-8EA1-0443-9C31-D15B27121FD8}"/>
               </a:ext>
             </a:extLst>
           </p:cNvPr>
@@ -27278,7 +27228,7 @@
           <p:cNvPr id="2" name="Title 1">
             <a:extLst>
               <a:ext uri="{FF2B5EF4-FFF2-40B4-BE49-F238E27FC236}">
-                <a16:creationId xmlns="" xmlns:a16="http://schemas.microsoft.com/office/drawing/2014/main" id="{0499DD26-E1A1-A943-B4EB-15CDE59984DE}"/>
+                <a16:creationId xmlns:a16="http://schemas.microsoft.com/office/drawing/2014/main" id="{0499DD26-E1A1-A943-B4EB-15CDE59984DE}"/>
               </a:ext>
             </a:extLst>
           </p:cNvPr>
@@ -27314,7 +27264,7 @@
           <p:cNvPr id="3" name="Content Placeholder 2">
             <a:extLst>
               <a:ext uri="{FF2B5EF4-FFF2-40B4-BE49-F238E27FC236}">
-                <a16:creationId xmlns="" xmlns:a16="http://schemas.microsoft.com/office/drawing/2014/main" id="{2DB5AD8A-ED37-A342-92D3-EBC17E443FCD}"/>
+                <a16:creationId xmlns:a16="http://schemas.microsoft.com/office/drawing/2014/main" id="{2DB5AD8A-ED37-A342-92D3-EBC17E443FCD}"/>
               </a:ext>
             </a:extLst>
           </p:cNvPr>
@@ -27490,13 +27440,6 @@
   <p:clrMapOvr>
     <a:masterClrMapping/>
   </p:clrMapOvr>
-  <p:timing>
-    <p:tnLst>
-      <p:par>
-        <p:cTn id="1" dur="indefinite" restart="never" nodeType="tmRoot"/>
-      </p:par>
-    </p:tnLst>
-  </p:timing>
 </p:sld>
 </file>
 
@@ -27522,7 +27465,7 @@
           <p:cNvPr id="2" name="Title 1">
             <a:extLst>
               <a:ext uri="{FF2B5EF4-FFF2-40B4-BE49-F238E27FC236}">
-                <a16:creationId xmlns="" xmlns:a16="http://schemas.microsoft.com/office/drawing/2014/main" id="{B4E83EB6-31DD-054D-ADEF-260773E89C14}"/>
+                <a16:creationId xmlns:a16="http://schemas.microsoft.com/office/drawing/2014/main" id="{B4E83EB6-31DD-054D-ADEF-260773E89C14}"/>
               </a:ext>
             </a:extLst>
           </p:cNvPr>
@@ -27550,7 +27493,7 @@
           <p:cNvPr id="3" name="Content Placeholder 2">
             <a:extLst>
               <a:ext uri="{FF2B5EF4-FFF2-40B4-BE49-F238E27FC236}">
-                <a16:creationId xmlns="" xmlns:a16="http://schemas.microsoft.com/office/drawing/2014/main" id="{A172A01D-932D-9F48-9422-B5E8F1F2F0D8}"/>
+                <a16:creationId xmlns:a16="http://schemas.microsoft.com/office/drawing/2014/main" id="{A172A01D-932D-9F48-9422-B5E8F1F2F0D8}"/>
               </a:ext>
             </a:extLst>
           </p:cNvPr>
@@ -27575,7 +27518,7 @@
           <p:cNvPr id="4" name="Content Placeholder 3">
             <a:extLst>
               <a:ext uri="{FF2B5EF4-FFF2-40B4-BE49-F238E27FC236}">
-                <a16:creationId xmlns="" xmlns:a16="http://schemas.microsoft.com/office/drawing/2014/main" id="{C1164F17-DB38-0B42-8F6B-3F6B48F2EE9A}"/>
+                <a16:creationId xmlns:a16="http://schemas.microsoft.com/office/drawing/2014/main" id="{C1164F17-DB38-0B42-8F6B-3F6B48F2EE9A}"/>
               </a:ext>
             </a:extLst>
           </p:cNvPr>
@@ -27600,7 +27543,7 @@
           <p:cNvPr id="5" name="Picture 4">
             <a:extLst>
               <a:ext uri="{FF2B5EF4-FFF2-40B4-BE49-F238E27FC236}">
-                <a16:creationId xmlns="" xmlns:a16="http://schemas.microsoft.com/office/drawing/2014/main" id="{A03F7536-6E48-3E42-9136-E581D1117D77}"/>
+                <a16:creationId xmlns:a16="http://schemas.microsoft.com/office/drawing/2014/main" id="{A03F7536-6E48-3E42-9136-E581D1117D77}"/>
               </a:ext>
             </a:extLst>
           </p:cNvPr>
@@ -27630,7 +27573,7 @@
           <p:cNvPr id="7" name="TextBox 6">
             <a:extLst>
               <a:ext uri="{FF2B5EF4-FFF2-40B4-BE49-F238E27FC236}">
-                <a16:creationId xmlns="" xmlns:a16="http://schemas.microsoft.com/office/drawing/2014/main" id="{FB3BAE3D-3B4D-B64B-B25C-5D3EBD802E84}"/>
+                <a16:creationId xmlns:a16="http://schemas.microsoft.com/office/drawing/2014/main" id="{FB3BAE3D-3B4D-B64B-B25C-5D3EBD802E84}"/>
               </a:ext>
             </a:extLst>
           </p:cNvPr>
@@ -27685,7 +27628,7 @@
           <p:cNvPr id="9" name="TextBox 8">
             <a:extLst>
               <a:ext uri="{FF2B5EF4-FFF2-40B4-BE49-F238E27FC236}">
-                <a16:creationId xmlns="" xmlns:a16="http://schemas.microsoft.com/office/drawing/2014/main" id="{0D503B16-0398-CB45-A6E2-CB26F5D92E7A}"/>
+                <a16:creationId xmlns:a16="http://schemas.microsoft.com/office/drawing/2014/main" id="{0D503B16-0398-CB45-A6E2-CB26F5D92E7A}"/>
               </a:ext>
             </a:extLst>
           </p:cNvPr>
@@ -27776,7 +27719,7 @@
           <p:cNvPr id="12" name="TextBox 11">
             <a:extLst>
               <a:ext uri="{FF2B5EF4-FFF2-40B4-BE49-F238E27FC236}">
-                <a16:creationId xmlns="" xmlns:a16="http://schemas.microsoft.com/office/drawing/2014/main" id="{F1DD0411-D666-AD45-8AB1-A3A7DEA635D4}"/>
+                <a16:creationId xmlns:a16="http://schemas.microsoft.com/office/drawing/2014/main" id="{F1DD0411-D666-AD45-8AB1-A3A7DEA635D4}"/>
               </a:ext>
             </a:extLst>
           </p:cNvPr>
@@ -27835,7 +27778,7 @@
           <p:cNvPr id="13" name="TextBox 12">
             <a:extLst>
               <a:ext uri="{FF2B5EF4-FFF2-40B4-BE49-F238E27FC236}">
-                <a16:creationId xmlns="" xmlns:a16="http://schemas.microsoft.com/office/drawing/2014/main" id="{226559CC-F579-5E41-B767-B096D8023DF5}"/>
+                <a16:creationId xmlns:a16="http://schemas.microsoft.com/office/drawing/2014/main" id="{226559CC-F579-5E41-B767-B096D8023DF5}"/>
               </a:ext>
             </a:extLst>
           </p:cNvPr>
@@ -27905,7 +27848,7 @@
           <p:cNvPr id="16" name="TextBox 15">
             <a:extLst>
               <a:ext uri="{FF2B5EF4-FFF2-40B4-BE49-F238E27FC236}">
-                <a16:creationId xmlns="" xmlns:a16="http://schemas.microsoft.com/office/drawing/2014/main" id="{83DE5130-1869-314C-8A03-EC6210F19E7D}"/>
+                <a16:creationId xmlns:a16="http://schemas.microsoft.com/office/drawing/2014/main" id="{83DE5130-1869-314C-8A03-EC6210F19E7D}"/>
               </a:ext>
             </a:extLst>
           </p:cNvPr>
@@ -27962,7 +27905,7 @@
           <p:cNvPr id="20" name="Picture 19">
             <a:extLst>
               <a:ext uri="{FF2B5EF4-FFF2-40B4-BE49-F238E27FC236}">
-                <a16:creationId xmlns="" xmlns:a16="http://schemas.microsoft.com/office/drawing/2014/main" id="{EFBFBB3E-CAFC-8F4E-A4D3-782D397AA935}"/>
+                <a16:creationId xmlns:a16="http://schemas.microsoft.com/office/drawing/2014/main" id="{EFBFBB3E-CAFC-8F4E-A4D3-782D397AA935}"/>
               </a:ext>
             </a:extLst>
           </p:cNvPr>
@@ -27992,7 +27935,7 @@
           <p:cNvPr id="21" name="Picture 20">
             <a:extLst>
               <a:ext uri="{FF2B5EF4-FFF2-40B4-BE49-F238E27FC236}">
-                <a16:creationId xmlns="" xmlns:a16="http://schemas.microsoft.com/office/drawing/2014/main" id="{F4655ABF-9F92-A445-B7B8-BEC14D818018}"/>
+                <a16:creationId xmlns:a16="http://schemas.microsoft.com/office/drawing/2014/main" id="{F4655ABF-9F92-A445-B7B8-BEC14D818018}"/>
               </a:ext>
             </a:extLst>
           </p:cNvPr>
@@ -28022,7 +27965,7 @@
           <p:cNvPr id="22" name="Picture 21">
             <a:extLst>
               <a:ext uri="{FF2B5EF4-FFF2-40B4-BE49-F238E27FC236}">
-                <a16:creationId xmlns="" xmlns:a16="http://schemas.microsoft.com/office/drawing/2014/main" id="{EE1B887A-C990-0645-8042-598E7264A8BE}"/>
+                <a16:creationId xmlns:a16="http://schemas.microsoft.com/office/drawing/2014/main" id="{EE1B887A-C990-0645-8042-598E7264A8BE}"/>
               </a:ext>
             </a:extLst>
           </p:cNvPr>
@@ -28052,7 +27995,7 @@
           <p:cNvPr id="23" name="Picture 22">
             <a:extLst>
               <a:ext uri="{FF2B5EF4-FFF2-40B4-BE49-F238E27FC236}">
-                <a16:creationId xmlns="" xmlns:a16="http://schemas.microsoft.com/office/drawing/2014/main" id="{195C8D00-9D21-0040-B2E1-9461979522F4}"/>
+                <a16:creationId xmlns:a16="http://schemas.microsoft.com/office/drawing/2014/main" id="{195C8D00-9D21-0040-B2E1-9461979522F4}"/>
               </a:ext>
             </a:extLst>
           </p:cNvPr>
@@ -28374,7 +28317,7 @@
           <p:cNvPr id="2" name="Title 1">
             <a:extLst>
               <a:ext uri="{FF2B5EF4-FFF2-40B4-BE49-F238E27FC236}">
-                <a16:creationId xmlns="" xmlns:a16="http://schemas.microsoft.com/office/drawing/2014/main" id="{B4E83EB6-31DD-054D-ADEF-260773E89C14}"/>
+                <a16:creationId xmlns:a16="http://schemas.microsoft.com/office/drawing/2014/main" id="{B4E83EB6-31DD-054D-ADEF-260773E89C14}"/>
               </a:ext>
             </a:extLst>
           </p:cNvPr>
@@ -28402,7 +28345,7 @@
           <p:cNvPr id="3" name="Content Placeholder 2">
             <a:extLst>
               <a:ext uri="{FF2B5EF4-FFF2-40B4-BE49-F238E27FC236}">
-                <a16:creationId xmlns="" xmlns:a16="http://schemas.microsoft.com/office/drawing/2014/main" id="{A172A01D-932D-9F48-9422-B5E8F1F2F0D8}"/>
+                <a16:creationId xmlns:a16="http://schemas.microsoft.com/office/drawing/2014/main" id="{A172A01D-932D-9F48-9422-B5E8F1F2F0D8}"/>
               </a:ext>
             </a:extLst>
           </p:cNvPr>
@@ -28427,7 +28370,7 @@
           <p:cNvPr id="4" name="Content Placeholder 3">
             <a:extLst>
               <a:ext uri="{FF2B5EF4-FFF2-40B4-BE49-F238E27FC236}">
-                <a16:creationId xmlns="" xmlns:a16="http://schemas.microsoft.com/office/drawing/2014/main" id="{C1164F17-DB38-0B42-8F6B-3F6B48F2EE9A}"/>
+                <a16:creationId xmlns:a16="http://schemas.microsoft.com/office/drawing/2014/main" id="{C1164F17-DB38-0B42-8F6B-3F6B48F2EE9A}"/>
               </a:ext>
             </a:extLst>
           </p:cNvPr>
@@ -28452,7 +28395,7 @@
           <p:cNvPr id="5" name="Picture 4">
             <a:extLst>
               <a:ext uri="{FF2B5EF4-FFF2-40B4-BE49-F238E27FC236}">
-                <a16:creationId xmlns="" xmlns:a16="http://schemas.microsoft.com/office/drawing/2014/main" id="{A03F7536-6E48-3E42-9136-E581D1117D77}"/>
+                <a16:creationId xmlns:a16="http://schemas.microsoft.com/office/drawing/2014/main" id="{A03F7536-6E48-3E42-9136-E581D1117D77}"/>
               </a:ext>
             </a:extLst>
           </p:cNvPr>
@@ -28482,7 +28425,7 @@
           <p:cNvPr id="7" name="TextBox 6">
             <a:extLst>
               <a:ext uri="{FF2B5EF4-FFF2-40B4-BE49-F238E27FC236}">
-                <a16:creationId xmlns="" xmlns:a16="http://schemas.microsoft.com/office/drawing/2014/main" id="{FB3BAE3D-3B4D-B64B-B25C-5D3EBD802E84}"/>
+                <a16:creationId xmlns:a16="http://schemas.microsoft.com/office/drawing/2014/main" id="{FB3BAE3D-3B4D-B64B-B25C-5D3EBD802E84}"/>
               </a:ext>
             </a:extLst>
           </p:cNvPr>
@@ -28549,7 +28492,7 @@
           <p:cNvPr id="12" name="TextBox 11">
             <a:extLst>
               <a:ext uri="{FF2B5EF4-FFF2-40B4-BE49-F238E27FC236}">
-                <a16:creationId xmlns="" xmlns:a16="http://schemas.microsoft.com/office/drawing/2014/main" id="{F1DD0411-D666-AD45-8AB1-A3A7DEA635D4}"/>
+                <a16:creationId xmlns:a16="http://schemas.microsoft.com/office/drawing/2014/main" id="{F1DD0411-D666-AD45-8AB1-A3A7DEA635D4}"/>
               </a:ext>
             </a:extLst>
           </p:cNvPr>
@@ -28602,7 +28545,7 @@
           <p:cNvPr id="14" name="TextBox 13">
             <a:extLst>
               <a:ext uri="{FF2B5EF4-FFF2-40B4-BE49-F238E27FC236}">
-                <a16:creationId xmlns="" xmlns:a16="http://schemas.microsoft.com/office/drawing/2014/main" id="{B6171404-5D4A-8B47-8864-20B018F98B89}"/>
+                <a16:creationId xmlns:a16="http://schemas.microsoft.com/office/drawing/2014/main" id="{B6171404-5D4A-8B47-8864-20B018F98B89}"/>
               </a:ext>
             </a:extLst>
           </p:cNvPr>
@@ -28642,7 +28585,7 @@
               <a:t> </a:t>
             </a:r>
             <a:r>
-              <a:rPr lang="sk-SK" sz="2000" b="1" i="1" dirty="0" err="1" smtClean="0">
+              <a:rPr lang="sk-SK" sz="2000" b="1" i="1" dirty="0" err="1">
                 <a:solidFill>
                   <a:schemeClr val="bg1"/>
                 </a:solidFill>
@@ -28650,7 +28593,7 @@
               <a:t>poin</a:t>
             </a:r>
             <a:r>
-              <a:rPr lang="en-US" sz="2000" b="1" i="1" dirty="0" smtClean="0">
+              <a:rPr lang="en-US" sz="2000" b="1" i="1" dirty="0">
                 <a:solidFill>
                   <a:schemeClr val="bg1"/>
                 </a:solidFill>
@@ -28658,7 +28601,7 @@
               <a:t>t</a:t>
             </a:r>
             <a:r>
-              <a:rPr lang="sk-SK" sz="2000" b="1" i="1" dirty="0" err="1" smtClean="0">
+              <a:rPr lang="sk-SK" sz="2000" b="1" i="1" dirty="0" err="1">
                 <a:solidFill>
                   <a:schemeClr val="bg1"/>
                 </a:solidFill>
@@ -28666,20 +28609,12 @@
               <a:t>ing</a:t>
             </a:r>
             <a:r>
-              <a:rPr lang="sk-SK" sz="2000" b="1" i="1" dirty="0" smtClean="0">
-                <a:solidFill>
-                  <a:schemeClr val="bg1"/>
-                </a:solidFill>
-              </a:rPr>
-              <a:t> </a:t>
-            </a:r>
-            <a:r>
               <a:rPr lang="sk-SK" sz="2000" b="1" i="1" dirty="0">
                 <a:solidFill>
                   <a:schemeClr val="bg1"/>
                 </a:solidFill>
               </a:rPr>
-              <a:t>to function</a:t>
+              <a:t> to function</a:t>
             </a:r>
           </a:p>
           <a:p>
@@ -28709,7 +28644,7 @@
           <p:cNvPr id="15" name="Picture 14">
             <a:extLst>
               <a:ext uri="{FF2B5EF4-FFF2-40B4-BE49-F238E27FC236}">
-                <a16:creationId xmlns="" xmlns:a16="http://schemas.microsoft.com/office/drawing/2014/main" id="{16B8635E-907E-994F-BC10-78F91468A355}"/>
+                <a16:creationId xmlns:a16="http://schemas.microsoft.com/office/drawing/2014/main" id="{16B8635E-907E-994F-BC10-78F91468A355}"/>
               </a:ext>
             </a:extLst>
           </p:cNvPr>
@@ -28739,7 +28674,7 @@
           <p:cNvPr id="16" name="Picture 15">
             <a:extLst>
               <a:ext uri="{FF2B5EF4-FFF2-40B4-BE49-F238E27FC236}">
-                <a16:creationId xmlns="" xmlns:a16="http://schemas.microsoft.com/office/drawing/2014/main" id="{D3619238-B9E0-E041-A734-68FB1419D48E}"/>
+                <a16:creationId xmlns:a16="http://schemas.microsoft.com/office/drawing/2014/main" id="{D3619238-B9E0-E041-A734-68FB1419D48E}"/>
               </a:ext>
             </a:extLst>
           </p:cNvPr>
@@ -28969,7 +28904,7 @@
           <p:cNvPr id="2" name="Title 1">
             <a:extLst>
               <a:ext uri="{FF2B5EF4-FFF2-40B4-BE49-F238E27FC236}">
-                <a16:creationId xmlns="" xmlns:a16="http://schemas.microsoft.com/office/drawing/2014/main" id="{A9884DDF-26B6-6D4B-B69A-1B14EE7648AC}"/>
+                <a16:creationId xmlns:a16="http://schemas.microsoft.com/office/drawing/2014/main" id="{A9884DDF-26B6-6D4B-B69A-1B14EE7648AC}"/>
               </a:ext>
             </a:extLst>
           </p:cNvPr>
@@ -29006,7 +28941,7 @@
           <p:cNvPr id="3" name="Content Placeholder 2">
             <a:extLst>
               <a:ext uri="{FF2B5EF4-FFF2-40B4-BE49-F238E27FC236}">
-                <a16:creationId xmlns="" xmlns:a16="http://schemas.microsoft.com/office/drawing/2014/main" id="{B99E1993-9FC8-2841-86E4-9DA434CD5F66}"/>
+                <a16:creationId xmlns:a16="http://schemas.microsoft.com/office/drawing/2014/main" id="{B99E1993-9FC8-2841-86E4-9DA434CD5F66}"/>
               </a:ext>
             </a:extLst>
           </p:cNvPr>
@@ -29281,13 +29216,6 @@
   <p:clrMapOvr>
     <a:masterClrMapping/>
   </p:clrMapOvr>
-  <p:timing>
-    <p:tnLst>
-      <p:par>
-        <p:cTn id="1" dur="indefinite" restart="never" nodeType="tmRoot"/>
-      </p:par>
-    </p:tnLst>
-  </p:timing>
 </p:sld>
 </file>
 
@@ -29313,7 +29241,7 @@
           <p:cNvPr id="7" name="Picture 6">
             <a:extLst>
               <a:ext uri="{FF2B5EF4-FFF2-40B4-BE49-F238E27FC236}">
-                <a16:creationId xmlns="" xmlns:a16="http://schemas.microsoft.com/office/drawing/2014/main" id="{FF011682-4673-BD49-B7DF-29DC7F6A9BDB}"/>
+                <a16:creationId xmlns:a16="http://schemas.microsoft.com/office/drawing/2014/main" id="{FF011682-4673-BD49-B7DF-29DC7F6A9BDB}"/>
               </a:ext>
             </a:extLst>
           </p:cNvPr>
@@ -29343,7 +29271,7 @@
           <p:cNvPr id="2" name="Title 1">
             <a:extLst>
               <a:ext uri="{FF2B5EF4-FFF2-40B4-BE49-F238E27FC236}">
-                <a16:creationId xmlns="" xmlns:a16="http://schemas.microsoft.com/office/drawing/2014/main" id="{E49805DF-C8C8-D54C-A2A6-5A9E6081A93C}"/>
+                <a16:creationId xmlns:a16="http://schemas.microsoft.com/office/drawing/2014/main" id="{E49805DF-C8C8-D54C-A2A6-5A9E6081A93C}"/>
               </a:ext>
             </a:extLst>
           </p:cNvPr>
@@ -29380,7 +29308,7 @@
           <p:cNvPr id="6" name="Content Placeholder 5">
             <a:extLst>
               <a:ext uri="{FF2B5EF4-FFF2-40B4-BE49-F238E27FC236}">
-                <a16:creationId xmlns="" xmlns:a16="http://schemas.microsoft.com/office/drawing/2014/main" id="{6DB7E3CA-78F8-7041-A168-A267CA1E0BC4}"/>
+                <a16:creationId xmlns:a16="http://schemas.microsoft.com/office/drawing/2014/main" id="{6DB7E3CA-78F8-7041-A168-A267CA1E0BC4}"/>
               </a:ext>
             </a:extLst>
           </p:cNvPr>
@@ -29412,7 +29340,7 @@
           <p:cNvPr id="8" name="TextBox 7">
             <a:extLst>
               <a:ext uri="{FF2B5EF4-FFF2-40B4-BE49-F238E27FC236}">
-                <a16:creationId xmlns="" xmlns:a16="http://schemas.microsoft.com/office/drawing/2014/main" id="{5ADF34E4-008A-ED40-BDA9-928C0F83BA22}"/>
+                <a16:creationId xmlns:a16="http://schemas.microsoft.com/office/drawing/2014/main" id="{5ADF34E4-008A-ED40-BDA9-928C0F83BA22}"/>
               </a:ext>
             </a:extLst>
           </p:cNvPr>
@@ -29456,7 +29384,7 @@
           <p:cNvPr id="32" name="TextBox 31">
             <a:extLst>
               <a:ext uri="{FF2B5EF4-FFF2-40B4-BE49-F238E27FC236}">
-                <a16:creationId xmlns="" xmlns:a16="http://schemas.microsoft.com/office/drawing/2014/main" id="{09CC222A-8E52-5543-8FCE-1070FDFE7435}"/>
+                <a16:creationId xmlns:a16="http://schemas.microsoft.com/office/drawing/2014/main" id="{09CC222A-8E52-5543-8FCE-1070FDFE7435}"/>
               </a:ext>
             </a:extLst>
           </p:cNvPr>
@@ -29542,7 +29470,7 @@
           <p:cNvPr id="45" name="TextBox 44">
             <a:extLst>
               <a:ext uri="{FF2B5EF4-FFF2-40B4-BE49-F238E27FC236}">
-                <a16:creationId xmlns="" xmlns:a16="http://schemas.microsoft.com/office/drawing/2014/main" id="{784F7F38-6DD3-6942-BCEB-C38BC7406F15}"/>
+                <a16:creationId xmlns:a16="http://schemas.microsoft.com/office/drawing/2014/main" id="{784F7F38-6DD3-6942-BCEB-C38BC7406F15}"/>
               </a:ext>
             </a:extLst>
           </p:cNvPr>
@@ -29583,7 +29511,7 @@
           <p:cNvPr id="46" name="TextBox 45">
             <a:extLst>
               <a:ext uri="{FF2B5EF4-FFF2-40B4-BE49-F238E27FC236}">
-                <a16:creationId xmlns="" xmlns:a16="http://schemas.microsoft.com/office/drawing/2014/main" id="{F1CC9E0F-F01A-124B-8BDA-2EF181B7EBBF}"/>
+                <a16:creationId xmlns:a16="http://schemas.microsoft.com/office/drawing/2014/main" id="{F1CC9E0F-F01A-124B-8BDA-2EF181B7EBBF}"/>
               </a:ext>
             </a:extLst>
           </p:cNvPr>
@@ -29624,7 +29552,7 @@
           <p:cNvPr id="47" name="TextBox 46">
             <a:extLst>
               <a:ext uri="{FF2B5EF4-FFF2-40B4-BE49-F238E27FC236}">
-                <a16:creationId xmlns="" xmlns:a16="http://schemas.microsoft.com/office/drawing/2014/main" id="{9D68A605-8A49-E640-8D31-589E0F908AAA}"/>
+                <a16:creationId xmlns:a16="http://schemas.microsoft.com/office/drawing/2014/main" id="{9D68A605-8A49-E640-8D31-589E0F908AAA}"/>
               </a:ext>
             </a:extLst>
           </p:cNvPr>
@@ -29665,7 +29593,7 @@
           <p:cNvPr id="58" name="Picture 57">
             <a:extLst>
               <a:ext uri="{FF2B5EF4-FFF2-40B4-BE49-F238E27FC236}">
-                <a16:creationId xmlns="" xmlns:a16="http://schemas.microsoft.com/office/drawing/2014/main" id="{4B0E6251-9364-1E4A-85FE-BACDA7F78D4B}"/>
+                <a16:creationId xmlns:a16="http://schemas.microsoft.com/office/drawing/2014/main" id="{4B0E6251-9364-1E4A-85FE-BACDA7F78D4B}"/>
               </a:ext>
             </a:extLst>
           </p:cNvPr>
@@ -29695,7 +29623,7 @@
           <p:cNvPr id="60" name="TextBox 59">
             <a:extLst>
               <a:ext uri="{FF2B5EF4-FFF2-40B4-BE49-F238E27FC236}">
-                <a16:creationId xmlns="" xmlns:a16="http://schemas.microsoft.com/office/drawing/2014/main" id="{1842425A-ED1C-5447-81C7-5A0808500083}"/>
+                <a16:creationId xmlns:a16="http://schemas.microsoft.com/office/drawing/2014/main" id="{1842425A-ED1C-5447-81C7-5A0808500083}"/>
               </a:ext>
             </a:extLst>
           </p:cNvPr>
@@ -29757,7 +29685,7 @@
           <p:cNvPr id="66" name="TextBox 65">
             <a:extLst>
               <a:ext uri="{FF2B5EF4-FFF2-40B4-BE49-F238E27FC236}">
-                <a16:creationId xmlns="" xmlns:a16="http://schemas.microsoft.com/office/drawing/2014/main" id="{6FC679AF-EEA4-4248-BD3A-03EF3356C267}"/>
+                <a16:creationId xmlns:a16="http://schemas.microsoft.com/office/drawing/2014/main" id="{6FC679AF-EEA4-4248-BD3A-03EF3356C267}"/>
               </a:ext>
             </a:extLst>
           </p:cNvPr>
@@ -29801,7 +29729,7 @@
           <p:cNvPr id="67" name="Straight Connector 66">
             <a:extLst>
               <a:ext uri="{FF2B5EF4-FFF2-40B4-BE49-F238E27FC236}">
-                <a16:creationId xmlns="" xmlns:a16="http://schemas.microsoft.com/office/drawing/2014/main" id="{73A66CDB-1796-3841-BF89-8833C95F276D}"/>
+                <a16:creationId xmlns:a16="http://schemas.microsoft.com/office/drawing/2014/main" id="{73A66CDB-1796-3841-BF89-8833C95F276D}"/>
               </a:ext>
             </a:extLst>
           </p:cNvPr>
@@ -29839,7 +29767,7 @@
           <p:cNvPr id="68" name="TextBox 67">
             <a:extLst>
               <a:ext uri="{FF2B5EF4-FFF2-40B4-BE49-F238E27FC236}">
-                <a16:creationId xmlns="" xmlns:a16="http://schemas.microsoft.com/office/drawing/2014/main" id="{42E0A1BC-C1B2-144E-B1A9-C13D02D0FDEC}"/>
+                <a16:creationId xmlns:a16="http://schemas.microsoft.com/office/drawing/2014/main" id="{42E0A1BC-C1B2-144E-B1A9-C13D02D0FDEC}"/>
               </a:ext>
             </a:extLst>
           </p:cNvPr>
@@ -29880,7 +29808,7 @@
           <p:cNvPr id="70" name="TextBox 69">
             <a:extLst>
               <a:ext uri="{FF2B5EF4-FFF2-40B4-BE49-F238E27FC236}">
-                <a16:creationId xmlns="" xmlns:a16="http://schemas.microsoft.com/office/drawing/2014/main" id="{D304890F-18AF-F842-922F-C702347C746A}"/>
+                <a16:creationId xmlns:a16="http://schemas.microsoft.com/office/drawing/2014/main" id="{D304890F-18AF-F842-922F-C702347C746A}"/>
               </a:ext>
             </a:extLst>
           </p:cNvPr>
@@ -29921,7 +29849,7 @@
           <p:cNvPr id="71" name="TextBox 70">
             <a:extLst>
               <a:ext uri="{FF2B5EF4-FFF2-40B4-BE49-F238E27FC236}">
-                <a16:creationId xmlns="" xmlns:a16="http://schemas.microsoft.com/office/drawing/2014/main" id="{D7817A36-F048-0145-B6A8-C12F2008ADC2}"/>
+                <a16:creationId xmlns:a16="http://schemas.microsoft.com/office/drawing/2014/main" id="{D7817A36-F048-0145-B6A8-C12F2008ADC2}"/>
               </a:ext>
             </a:extLst>
           </p:cNvPr>
@@ -29989,7 +29917,7 @@
           <p:cNvPr id="72" name="TextBox 71">
             <a:extLst>
               <a:ext uri="{FF2B5EF4-FFF2-40B4-BE49-F238E27FC236}">
-                <a16:creationId xmlns="" xmlns:a16="http://schemas.microsoft.com/office/drawing/2014/main" id="{5B8FDD85-AD11-1941-96A7-96956F96F621}"/>
+                <a16:creationId xmlns:a16="http://schemas.microsoft.com/office/drawing/2014/main" id="{5B8FDD85-AD11-1941-96A7-96956F96F621}"/>
               </a:ext>
             </a:extLst>
           </p:cNvPr>
@@ -30073,7 +30001,7 @@
           <p:cNvPr id="73" name="TextBox 72">
             <a:extLst>
               <a:ext uri="{FF2B5EF4-FFF2-40B4-BE49-F238E27FC236}">
-                <a16:creationId xmlns="" xmlns:a16="http://schemas.microsoft.com/office/drawing/2014/main" id="{7286AFFE-FD5E-BE47-A8BF-A2457D433F87}"/>
+                <a16:creationId xmlns:a16="http://schemas.microsoft.com/office/drawing/2014/main" id="{7286AFFE-FD5E-BE47-A8BF-A2457D433F87}"/>
               </a:ext>
             </a:extLst>
           </p:cNvPr>
@@ -30157,7 +30085,7 @@
           <p:cNvPr id="74" name="TextBox 73">
             <a:extLst>
               <a:ext uri="{FF2B5EF4-FFF2-40B4-BE49-F238E27FC236}">
-                <a16:creationId xmlns="" xmlns:a16="http://schemas.microsoft.com/office/drawing/2014/main" id="{22129199-5206-CF41-BE1C-69075AE2AFD0}"/>
+                <a16:creationId xmlns:a16="http://schemas.microsoft.com/office/drawing/2014/main" id="{22129199-5206-CF41-BE1C-69075AE2AFD0}"/>
               </a:ext>
             </a:extLst>
           </p:cNvPr>
@@ -30249,7 +30177,7 @@
           <p:cNvPr id="75" name="Rectangle 74">
             <a:extLst>
               <a:ext uri="{FF2B5EF4-FFF2-40B4-BE49-F238E27FC236}">
-                <a16:creationId xmlns="" xmlns:a16="http://schemas.microsoft.com/office/drawing/2014/main" id="{E64C8FE9-D18A-BC49-A483-F7DC54BF170B}"/>
+                <a16:creationId xmlns:a16="http://schemas.microsoft.com/office/drawing/2014/main" id="{E64C8FE9-D18A-BC49-A483-F7DC54BF170B}"/>
               </a:ext>
             </a:extLst>
           </p:cNvPr>
@@ -30322,7 +30250,7 @@
           <p:cNvPr id="76" name="TextBox 75">
             <a:extLst>
               <a:ext uri="{FF2B5EF4-FFF2-40B4-BE49-F238E27FC236}">
-                <a16:creationId xmlns="" xmlns:a16="http://schemas.microsoft.com/office/drawing/2014/main" id="{E08CF591-4D13-DF41-9ED3-ADFCF0CF4FD1}"/>
+                <a16:creationId xmlns:a16="http://schemas.microsoft.com/office/drawing/2014/main" id="{E08CF591-4D13-DF41-9ED3-ADFCF0CF4FD1}"/>
               </a:ext>
             </a:extLst>
           </p:cNvPr>
@@ -30363,7 +30291,7 @@
           <p:cNvPr id="77" name="TextBox 76">
             <a:extLst>
               <a:ext uri="{FF2B5EF4-FFF2-40B4-BE49-F238E27FC236}">
-                <a16:creationId xmlns="" xmlns:a16="http://schemas.microsoft.com/office/drawing/2014/main" id="{15A2CDFE-0BDA-9C48-BAA9-F34627418A55}"/>
+                <a16:creationId xmlns:a16="http://schemas.microsoft.com/office/drawing/2014/main" id="{15A2CDFE-0BDA-9C48-BAA9-F34627418A55}"/>
               </a:ext>
             </a:extLst>
           </p:cNvPr>
@@ -30404,7 +30332,7 @@
           <p:cNvPr id="78" name="TextBox 77">
             <a:extLst>
               <a:ext uri="{FF2B5EF4-FFF2-40B4-BE49-F238E27FC236}">
-                <a16:creationId xmlns="" xmlns:a16="http://schemas.microsoft.com/office/drawing/2014/main" id="{1B564B93-4786-A74D-BAE2-B4522467F41B}"/>
+                <a16:creationId xmlns:a16="http://schemas.microsoft.com/office/drawing/2014/main" id="{1B564B93-4786-A74D-BAE2-B4522467F41B}"/>
               </a:ext>
             </a:extLst>
           </p:cNvPr>
@@ -31312,7 +31240,7 @@
           <p:cNvPr id="2" name="Title 1">
             <a:extLst>
               <a:ext uri="{FF2B5EF4-FFF2-40B4-BE49-F238E27FC236}">
-                <a16:creationId xmlns="" xmlns:a16="http://schemas.microsoft.com/office/drawing/2014/main" id="{0BFA38F0-F7D9-E342-B4F2-E5E2A60FEE2A}"/>
+                <a16:creationId xmlns:a16="http://schemas.microsoft.com/office/drawing/2014/main" id="{0BFA38F0-F7D9-E342-B4F2-E5E2A60FEE2A}"/>
               </a:ext>
             </a:extLst>
           </p:cNvPr>
@@ -31340,7 +31268,7 @@
           <p:cNvPr id="3" name="Content Placeholder 2">
             <a:extLst>
               <a:ext uri="{FF2B5EF4-FFF2-40B4-BE49-F238E27FC236}">
-                <a16:creationId xmlns="" xmlns:a16="http://schemas.microsoft.com/office/drawing/2014/main" id="{215A439C-56A9-4E4F-8888-7A2B04D1B4DD}"/>
+                <a16:creationId xmlns:a16="http://schemas.microsoft.com/office/drawing/2014/main" id="{215A439C-56A9-4E4F-8888-7A2B04D1B4DD}"/>
               </a:ext>
             </a:extLst>
           </p:cNvPr>
@@ -31365,7 +31293,7 @@
           <p:cNvPr id="4" name="Content Placeholder 3">
             <a:extLst>
               <a:ext uri="{FF2B5EF4-FFF2-40B4-BE49-F238E27FC236}">
-                <a16:creationId xmlns="" xmlns:a16="http://schemas.microsoft.com/office/drawing/2014/main" id="{30396AD2-99B7-CB4C-91F6-8D8913EFDF5F}"/>
+                <a16:creationId xmlns:a16="http://schemas.microsoft.com/office/drawing/2014/main" id="{30396AD2-99B7-CB4C-91F6-8D8913EFDF5F}"/>
               </a:ext>
             </a:extLst>
           </p:cNvPr>
@@ -31390,7 +31318,7 @@
           <p:cNvPr id="5" name="Picture 4">
             <a:extLst>
               <a:ext uri="{FF2B5EF4-FFF2-40B4-BE49-F238E27FC236}">
-                <a16:creationId xmlns="" xmlns:a16="http://schemas.microsoft.com/office/drawing/2014/main" id="{B97FA904-FD98-E048-A64D-96E6F8280686}"/>
+                <a16:creationId xmlns:a16="http://schemas.microsoft.com/office/drawing/2014/main" id="{B97FA904-FD98-E048-A64D-96E6F8280686}"/>
               </a:ext>
             </a:extLst>
           </p:cNvPr>
@@ -31420,7 +31348,7 @@
           <p:cNvPr id="9" name="Rectangle 8">
             <a:extLst>
               <a:ext uri="{FF2B5EF4-FFF2-40B4-BE49-F238E27FC236}">
-                <a16:creationId xmlns="" xmlns:a16="http://schemas.microsoft.com/office/drawing/2014/main" id="{E74952BC-4899-134A-80DF-8B7335BA1830}"/>
+                <a16:creationId xmlns:a16="http://schemas.microsoft.com/office/drawing/2014/main" id="{E74952BC-4899-134A-80DF-8B7335BA1830}"/>
               </a:ext>
             </a:extLst>
           </p:cNvPr>
@@ -31454,7 +31382,7 @@
           <p:cNvPr id="10" name="Picture 9">
             <a:extLst>
               <a:ext uri="{FF2B5EF4-FFF2-40B4-BE49-F238E27FC236}">
-                <a16:creationId xmlns="" xmlns:a16="http://schemas.microsoft.com/office/drawing/2014/main" id="{466316DC-E06E-564C-9F63-1BCE60DC7742}"/>
+                <a16:creationId xmlns:a16="http://schemas.microsoft.com/office/drawing/2014/main" id="{466316DC-E06E-564C-9F63-1BCE60DC7742}"/>
               </a:ext>
             </a:extLst>
           </p:cNvPr>
@@ -31484,7 +31412,7 @@
           <p:cNvPr id="11" name="Picture 10">
             <a:extLst>
               <a:ext uri="{FF2B5EF4-FFF2-40B4-BE49-F238E27FC236}">
-                <a16:creationId xmlns="" xmlns:a16="http://schemas.microsoft.com/office/drawing/2014/main" id="{2534CC27-7E91-FD4E-B51E-FE3006A0DACA}"/>
+                <a16:creationId xmlns:a16="http://schemas.microsoft.com/office/drawing/2014/main" id="{2534CC27-7E91-FD4E-B51E-FE3006A0DACA}"/>
               </a:ext>
             </a:extLst>
           </p:cNvPr>
@@ -31514,7 +31442,7 @@
           <p:cNvPr id="12" name="Picture 11">
             <a:extLst>
               <a:ext uri="{FF2B5EF4-FFF2-40B4-BE49-F238E27FC236}">
-                <a16:creationId xmlns="" xmlns:a16="http://schemas.microsoft.com/office/drawing/2014/main" id="{804B8DBA-48DA-A545-81A3-86E381D29FDB}"/>
+                <a16:creationId xmlns:a16="http://schemas.microsoft.com/office/drawing/2014/main" id="{804B8DBA-48DA-A545-81A3-86E381D29FDB}"/>
               </a:ext>
             </a:extLst>
           </p:cNvPr>
@@ -31544,7 +31472,7 @@
           <p:cNvPr id="13" name="Picture 12">
             <a:extLst>
               <a:ext uri="{FF2B5EF4-FFF2-40B4-BE49-F238E27FC236}">
-                <a16:creationId xmlns="" xmlns:a16="http://schemas.microsoft.com/office/drawing/2014/main" id="{2BABCAA5-C6C6-0D42-BCBC-1884D7C39A94}"/>
+                <a16:creationId xmlns:a16="http://schemas.microsoft.com/office/drawing/2014/main" id="{2BABCAA5-C6C6-0D42-BCBC-1884D7C39A94}"/>
               </a:ext>
             </a:extLst>
           </p:cNvPr>
@@ -31574,7 +31502,7 @@
           <p:cNvPr id="14" name="Picture 13">
             <a:extLst>
               <a:ext uri="{FF2B5EF4-FFF2-40B4-BE49-F238E27FC236}">
-                <a16:creationId xmlns="" xmlns:a16="http://schemas.microsoft.com/office/drawing/2014/main" id="{36A4FC45-9027-4241-B36F-A3138A59446C}"/>
+                <a16:creationId xmlns:a16="http://schemas.microsoft.com/office/drawing/2014/main" id="{36A4FC45-9027-4241-B36F-A3138A59446C}"/>
               </a:ext>
             </a:extLst>
           </p:cNvPr>
@@ -31604,7 +31532,7 @@
           <p:cNvPr id="15" name="Picture 14">
             <a:extLst>
               <a:ext uri="{FF2B5EF4-FFF2-40B4-BE49-F238E27FC236}">
-                <a16:creationId xmlns="" xmlns:a16="http://schemas.microsoft.com/office/drawing/2014/main" id="{AF3D3773-5975-8443-BB72-3CF0EE31E8A0}"/>
+                <a16:creationId xmlns:a16="http://schemas.microsoft.com/office/drawing/2014/main" id="{AF3D3773-5975-8443-BB72-3CF0EE31E8A0}"/>
               </a:ext>
             </a:extLst>
           </p:cNvPr>
@@ -31634,7 +31562,7 @@
           <p:cNvPr id="16" name="Picture 15">
             <a:extLst>
               <a:ext uri="{FF2B5EF4-FFF2-40B4-BE49-F238E27FC236}">
-                <a16:creationId xmlns="" xmlns:a16="http://schemas.microsoft.com/office/drawing/2014/main" id="{DDBFBE98-285B-6A43-8784-75B3C7E2F51A}"/>
+                <a16:creationId xmlns:a16="http://schemas.microsoft.com/office/drawing/2014/main" id="{DDBFBE98-285B-6A43-8784-75B3C7E2F51A}"/>
               </a:ext>
             </a:extLst>
           </p:cNvPr>
@@ -31664,7 +31592,7 @@
           <p:cNvPr id="17" name="Picture 16">
             <a:extLst>
               <a:ext uri="{FF2B5EF4-FFF2-40B4-BE49-F238E27FC236}">
-                <a16:creationId xmlns="" xmlns:a16="http://schemas.microsoft.com/office/drawing/2014/main" id="{B623D7F5-2032-3146-9E52-76251F61D236}"/>
+                <a16:creationId xmlns:a16="http://schemas.microsoft.com/office/drawing/2014/main" id="{B623D7F5-2032-3146-9E52-76251F61D236}"/>
               </a:ext>
             </a:extLst>
           </p:cNvPr>
@@ -31694,7 +31622,7 @@
           <p:cNvPr id="18" name="Picture 17">
             <a:extLst>
               <a:ext uri="{FF2B5EF4-FFF2-40B4-BE49-F238E27FC236}">
-                <a16:creationId xmlns="" xmlns:a16="http://schemas.microsoft.com/office/drawing/2014/main" id="{EC5600A4-6B9A-6F4A-A64F-07A8AA588019}"/>
+                <a16:creationId xmlns:a16="http://schemas.microsoft.com/office/drawing/2014/main" id="{EC5600A4-6B9A-6F4A-A64F-07A8AA588019}"/>
               </a:ext>
             </a:extLst>
           </p:cNvPr>
@@ -31724,7 +31652,7 @@
           <p:cNvPr id="19" name="Rectangle 18">
             <a:extLst>
               <a:ext uri="{FF2B5EF4-FFF2-40B4-BE49-F238E27FC236}">
-                <a16:creationId xmlns="" xmlns:a16="http://schemas.microsoft.com/office/drawing/2014/main" id="{3066B8FA-DA6A-A541-B836-827F7AE5B7E5}"/>
+                <a16:creationId xmlns:a16="http://schemas.microsoft.com/office/drawing/2014/main" id="{3066B8FA-DA6A-A541-B836-827F7AE5B7E5}"/>
               </a:ext>
             </a:extLst>
           </p:cNvPr>
